--- a/Gerenciamento de projetos.pptx
+++ b/Gerenciamento de projetos.pptx
@@ -12,6 +12,8 @@
     <p:sldId id="260" r:id="rId6"/>
     <p:sldId id="261" r:id="rId7"/>
     <p:sldId id="262" r:id="rId8"/>
+    <p:sldId id="263" r:id="rId9"/>
+    <p:sldId id="264" r:id="rId10"/>
   </p:sldIdLst>
   <p:sldSz cx="12192000" cy="6858000"/>
   <p:notesSz cx="6858000" cy="9144000"/>
@@ -5329,8 +5331,51 @@
         </p:nvSpPr>
         <p:spPr>
           <a:xfrm>
-            <a:off x="2193167" y="2590984"/>
+            <a:off x="1003265" y="-10974"/>
             <a:ext cx="7369642" cy="3608480"/>
+          </a:xfrm>
+        </p:spPr>
+        <p:txBody>
+          <a:bodyPr>
+            <a:normAutofit fontScale="90000"/>
+          </a:bodyPr>
+          <a:lstStyle/>
+          <a:p>
+            <a:pPr algn="l"/>
+            <a:r>
+              <a:rPr lang="pt-BR" sz="8000" dirty="0"/>
+              <a:t>Gerenciamento de projetos PMBOK</a:t>
+            </a:r>
+            <a:br>
+              <a:rPr lang="pt-BR" sz="8000" dirty="0"/>
+            </a:br>
+            <a:r>
+              <a:rPr lang="pt-BR" sz="8000" dirty="0"/>
+              <a:t>C.H.A</a:t>
+            </a:r>
+          </a:p>
+        </p:txBody>
+      </p:sp>
+      <p:sp>
+        <p:nvSpPr>
+          <p:cNvPr id="3" name="Subtítulo 2">
+            <a:extLst>
+              <a:ext uri="{FF2B5EF4-FFF2-40B4-BE49-F238E27FC236}">
+                <a16:creationId xmlns:a16="http://schemas.microsoft.com/office/drawing/2014/main" id="{C9BAC176-CE77-4135-B9C1-481974DD0797}"/>
+              </a:ext>
+            </a:extLst>
+          </p:cNvPr>
+          <p:cNvSpPr>
+            <a:spLocks noGrp="1"/>
+          </p:cNvSpPr>
+          <p:nvPr>
+            <p:ph type="subTitle" idx="1"/>
+          </p:nvPr>
+        </p:nvSpPr>
+        <p:spPr>
+          <a:xfrm>
+            <a:off x="2037093" y="4009270"/>
+            <a:ext cx="6437630" cy="1335503"/>
           </a:xfrm>
         </p:spPr>
         <p:txBody>
@@ -5341,44 +5386,8 @@
           <a:p>
             <a:pPr algn="l"/>
             <a:r>
-              <a:rPr lang="pt-BR" sz="8000"/>
-              <a:t>Gerenciamento de projetos</a:t>
-            </a:r>
-          </a:p>
-        </p:txBody>
-      </p:sp>
-      <p:sp>
-        <p:nvSpPr>
-          <p:cNvPr id="3" name="Subtítulo 2">
-            <a:extLst>
-              <a:ext uri="{FF2B5EF4-FFF2-40B4-BE49-F238E27FC236}">
-                <a16:creationId xmlns:a16="http://schemas.microsoft.com/office/drawing/2014/main" id="{C9BAC176-CE77-4135-B9C1-481974DD0797}"/>
-              </a:ext>
-            </a:extLst>
-          </p:cNvPr>
-          <p:cNvSpPr>
-            <a:spLocks noGrp="1"/>
-          </p:cNvSpPr>
-          <p:nvPr>
-            <p:ph type="subTitle" idx="1"/>
-          </p:nvPr>
-        </p:nvSpPr>
-        <p:spPr>
-          <a:xfrm>
-            <a:off x="2281945" y="4158797"/>
-            <a:ext cx="6437630" cy="1335503"/>
-          </a:xfrm>
-        </p:spPr>
-        <p:txBody>
-          <a:bodyPr>
-            <a:normAutofit/>
-          </a:bodyPr>
-          <a:lstStyle/>
-          <a:p>
-            <a:pPr algn="l"/>
-            <a:r>
               <a:rPr lang="pt-BR" sz="2800" dirty="0"/>
-              <a:t>Para geração de trabalho e renda</a:t>
+              <a:t>Para geração de trabalho e renda.</a:t>
             </a:r>
           </a:p>
         </p:txBody>
@@ -6018,7 +6027,7 @@
           <a:p>
             <a:r>
               <a:rPr lang="pt-BR" dirty="0"/>
-              <a:t>Para geração de trabalho e renda</a:t>
+              <a:t>Para geração de trabalho e renda.</a:t>
             </a:r>
           </a:p>
           <a:p>
@@ -10496,7 +10505,101 @@
         <p:spPr bwMode="auto">
           <a:xfrm>
             <a:off x="1005401" y="0"/>
-            <a:ext cx="6429887" cy="4848821"/>
+            <a:ext cx="6602762" cy="4979187"/>
+          </a:xfrm>
+          <a:prstGeom prst="rect">
+            <a:avLst/>
+          </a:prstGeom>
+          <a:noFill/>
+          <a:extLst>
+            <a:ext uri="{909E8E84-426E-40DD-AFC4-6F175D3DCCD1}">
+              <a14:hiddenFill xmlns:a14="http://schemas.microsoft.com/office/drawing/2010/main">
+                <a:solidFill>
+                  <a:srgbClr val="FFFFFF"/>
+                </a:solidFill>
+              </a14:hiddenFill>
+            </a:ext>
+          </a:extLst>
+        </p:spPr>
+      </p:pic>
+      <p:pic>
+        <p:nvPicPr>
+          <p:cNvPr id="2050" name="Picture 2" descr="Mapas dos Estados Unidos da America | Roteiros e Dicas de Viagem | Mapa dos estados  unidos, Mapa eua, Estados dos estados unidos">
+            <a:extLst>
+              <a:ext uri="{FF2B5EF4-FFF2-40B4-BE49-F238E27FC236}">
+                <a16:creationId xmlns:a16="http://schemas.microsoft.com/office/drawing/2014/main" id="{7818F357-8C14-45E6-953E-20415C6B9C36}"/>
+              </a:ext>
+            </a:extLst>
+          </p:cNvPr>
+          <p:cNvPicPr>
+            <a:picLocks noChangeAspect="1" noChangeArrowheads="1"/>
+          </p:cNvPicPr>
+          <p:nvPr/>
+        </p:nvPicPr>
+        <p:blipFill>
+          <a:blip r:embed="rId6">
+            <a:extLst>
+              <a:ext uri="{28A0092B-C50C-407E-A947-70E740481C1C}">
+                <a14:useLocalDpi xmlns:a14="http://schemas.microsoft.com/office/drawing/2010/main" val="0"/>
+              </a:ext>
+            </a:extLst>
+          </a:blip>
+          <a:srcRect/>
+          <a:stretch>
+            <a:fillRect/>
+          </a:stretch>
+        </p:blipFill>
+        <p:spPr bwMode="auto">
+          <a:xfrm>
+            <a:off x="7832879" y="204876"/>
+            <a:ext cx="2705100" cy="1695450"/>
+          </a:xfrm>
+          <a:prstGeom prst="rect">
+            <a:avLst/>
+          </a:prstGeom>
+          <a:noFill/>
+          <a:extLst>
+            <a:ext uri="{909E8E84-426E-40DD-AFC4-6F175D3DCCD1}">
+              <a14:hiddenFill xmlns:a14="http://schemas.microsoft.com/office/drawing/2010/main">
+                <a:solidFill>
+                  <a:srgbClr val="FFFFFF"/>
+                </a:solidFill>
+              </a14:hiddenFill>
+            </a:ext>
+          </a:extLst>
+        </p:spPr>
+      </p:pic>
+      <p:pic>
+        <p:nvPicPr>
+          <p:cNvPr id="2052" name="Picture 4" descr="Japão | Mapas Geográficos do Japão | Mapa do japão, Japão, Mapa">
+            <a:extLst>
+              <a:ext uri="{FF2B5EF4-FFF2-40B4-BE49-F238E27FC236}">
+                <a16:creationId xmlns:a16="http://schemas.microsoft.com/office/drawing/2014/main" id="{4D3D453A-3895-4103-AB0C-87536879FB07}"/>
+              </a:ext>
+            </a:extLst>
+          </p:cNvPr>
+          <p:cNvPicPr>
+            <a:picLocks noChangeAspect="1" noChangeArrowheads="1"/>
+          </p:cNvPicPr>
+          <p:nvPr/>
+        </p:nvPicPr>
+        <p:blipFill>
+          <a:blip r:embed="rId7">
+            <a:extLst>
+              <a:ext uri="{28A0092B-C50C-407E-A947-70E740481C1C}">
+                <a14:useLocalDpi xmlns:a14="http://schemas.microsoft.com/office/drawing/2010/main" val="0"/>
+              </a:ext>
+            </a:extLst>
+          </a:blip>
+          <a:srcRect/>
+          <a:stretch>
+            <a:fillRect/>
+          </a:stretch>
+        </p:blipFill>
+        <p:spPr bwMode="auto">
+          <a:xfrm>
+            <a:off x="7866339" y="2163832"/>
+            <a:ext cx="2702081" cy="1912242"/>
           </a:xfrm>
           <a:prstGeom prst="rect">
             <a:avLst/>
@@ -10705,6 +10808,974 @@
                                         <p:cTn id="16" dur="700"/>
                                         <p:tgtEl>
                                           <p:spTgt spid="104"/>
+                                        </p:tgtEl>
+                                      </p:cBhvr>
+                                    </p:animEffect>
+                                  </p:childTnLst>
+                                </p:cTn>
+                              </p:par>
+                            </p:childTnLst>
+                          </p:cTn>
+                        </p:par>
+                      </p:childTnLst>
+                    </p:cTn>
+                  </p:par>
+                </p:childTnLst>
+              </p:cTn>
+              <p:prevCondLst>
+                <p:cond evt="onPrev" delay="0">
+                  <p:tgtEl>
+                    <p:sldTgt/>
+                  </p:tgtEl>
+                </p:cond>
+              </p:prevCondLst>
+              <p:nextCondLst>
+                <p:cond evt="onNext" delay="0">
+                  <p:tgtEl>
+                    <p:sldTgt/>
+                  </p:tgtEl>
+                </p:cond>
+              </p:nextCondLst>
+            </p:seq>
+          </p:childTnLst>
+        </p:cTn>
+      </p:par>
+    </p:tnLst>
+    <p:bldLst>
+      <p:bldP spid="2" grpId="0"/>
+      <p:bldP spid="3" grpId="0" build="p"/>
+    </p:bldLst>
+  </p:timing>
+</p:sld>
+</file>
+
+<file path=ppt/slides/slide8.xml><?xml version="1.0" encoding="utf-8"?>
+<p:sld xmlns:a="http://schemas.openxmlformats.org/drawingml/2006/main" xmlns:r="http://schemas.openxmlformats.org/officeDocument/2006/relationships" xmlns:p="http://schemas.openxmlformats.org/presentationml/2006/main">
+  <p:cSld>
+    <p:bg>
+      <p:bgPr>
+        <a:blipFill rotWithShape="1">
+          <a:blip r:embed="rId2"/>
+          <a:stretch/>
+        </a:blipFill>
+        <a:effectLst/>
+      </p:bgPr>
+    </p:bg>
+    <p:spTree>
+      <p:nvGrpSpPr>
+        <p:cNvPr id="1" name=""/>
+        <p:cNvGrpSpPr/>
+        <p:nvPr/>
+      </p:nvGrpSpPr>
+      <p:grpSpPr>
+        <a:xfrm>
+          <a:off x="0" y="0"/>
+          <a:ext cx="0" cy="0"/>
+          <a:chOff x="0" y="0"/>
+          <a:chExt cx="0" cy="0"/>
+        </a:xfrm>
+      </p:grpSpPr>
+      <p:sp useBgFill="1">
+        <p:nvSpPr>
+          <p:cNvPr id="1028" name="Rectangle 70">
+            <a:extLst>
+              <a:ext uri="{FF2B5EF4-FFF2-40B4-BE49-F238E27FC236}">
+                <a16:creationId xmlns:a16="http://schemas.microsoft.com/office/drawing/2014/main" id="{3B2CA9B6-4696-4754-85E4-8CABC16C836C}"/>
+              </a:ext>
+              <a:ext uri="{C183D7F6-B498-43B3-948B-1728B52AA6E4}">
+                <adec:decorative xmlns:adec="http://schemas.microsoft.com/office/drawing/2017/decorative" val="1"/>
+              </a:ext>
+            </a:extLst>
+          </p:cNvPr>
+          <p:cNvSpPr>
+            <a:spLocks noGrp="1" noRot="1" noChangeAspect="1" noMove="1" noResize="1" noEditPoints="1" noAdjustHandles="1" noChangeArrowheads="1" noChangeShapeType="1" noTextEdit="1"/>
+          </p:cNvSpPr>
+          <p:nvPr>
+            <p:extLst>
+              <p:ext uri="{386F3935-93C4-4BCD-93E2-E3B085C9AB24}">
+                <p16:designElem xmlns:p16="http://schemas.microsoft.com/office/powerpoint/2015/main" val="1"/>
+              </p:ext>
+            </p:extLst>
+          </p:nvPr>
+        </p:nvSpPr>
+        <p:spPr>
+          <a:xfrm>
+            <a:off x="0" y="0"/>
+            <a:ext cx="12189867" cy="6855282"/>
+          </a:xfrm>
+          <a:prstGeom prst="rect">
+            <a:avLst/>
+          </a:prstGeom>
+          <a:ln>
+            <a:noFill/>
+          </a:ln>
+        </p:spPr>
+        <p:style>
+          <a:lnRef idx="2">
+            <a:schemeClr val="accent1">
+              <a:shade val="50000"/>
+            </a:schemeClr>
+          </a:lnRef>
+          <a:fillRef idx="1">
+            <a:schemeClr val="accent1"/>
+          </a:fillRef>
+          <a:effectRef idx="0">
+            <a:schemeClr val="accent1"/>
+          </a:effectRef>
+          <a:fontRef idx="minor">
+            <a:schemeClr val="lt1"/>
+          </a:fontRef>
+        </p:style>
+        <p:txBody>
+          <a:bodyPr rtlCol="0" anchor="ctr"/>
+          <a:lstStyle/>
+          <a:p>
+            <a:pPr algn="ctr"/>
+            <a:endParaRPr lang="en-US"/>
+          </a:p>
+        </p:txBody>
+      </p:sp>
+      <p:pic>
+        <p:nvPicPr>
+          <p:cNvPr id="1029" name="Picture 72">
+            <a:extLst>
+              <a:ext uri="{FF2B5EF4-FFF2-40B4-BE49-F238E27FC236}">
+                <a16:creationId xmlns:a16="http://schemas.microsoft.com/office/drawing/2014/main" id="{7A9A1B4E-BA04-49DB-A7FC-AAC824E9FE65}"/>
+              </a:ext>
+              <a:ext uri="{C183D7F6-B498-43B3-948B-1728B52AA6E4}">
+                <adec:decorative xmlns:adec="http://schemas.microsoft.com/office/drawing/2017/decorative" val="1"/>
+              </a:ext>
+            </a:extLst>
+          </p:cNvPr>
+          <p:cNvPicPr>
+            <a:picLocks noGrp="1" noRot="1" noChangeAspect="1" noMove="1" noResize="1" noEditPoints="1" noAdjustHandles="1" noChangeArrowheads="1" noChangeShapeType="1" noCrop="1"/>
+          </p:cNvPicPr>
+          <p:nvPr>
+            <p:extLst>
+              <p:ext uri="{386F3935-93C4-4BCD-93E2-E3B085C9AB24}">
+                <p16:designElem xmlns:p16="http://schemas.microsoft.com/office/powerpoint/2015/main" val="1"/>
+              </p:ext>
+            </p:extLst>
+          </p:nvPr>
+        </p:nvPicPr>
+        <p:blipFill>
+          <a:blip r:embed="rId3">
+            <a:extLst>
+              <a:ext uri="{28A0092B-C50C-407E-A947-70E740481C1C}">
+                <a14:useLocalDpi xmlns:a14="http://schemas.microsoft.com/office/drawing/2010/main" val="0"/>
+              </a:ext>
+            </a:extLst>
+          </a:blip>
+          <a:stretch>
+            <a:fillRect/>
+          </a:stretch>
+        </p:blipFill>
+        <p:spPr>
+          <a:xfrm>
+            <a:off x="2831794" y="2105202"/>
+            <a:ext cx="9360205" cy="4752798"/>
+          </a:xfrm>
+          <a:prstGeom prst="rect">
+            <a:avLst/>
+          </a:prstGeom>
+        </p:spPr>
+      </p:pic>
+      <p:pic>
+        <p:nvPicPr>
+          <p:cNvPr id="1030" name="Picture 74">
+            <a:extLst>
+              <a:ext uri="{FF2B5EF4-FFF2-40B4-BE49-F238E27FC236}">
+                <a16:creationId xmlns:a16="http://schemas.microsoft.com/office/drawing/2014/main" id="{DEB81022-BC5D-4044-B798-FA0517B46B8C}"/>
+              </a:ext>
+              <a:ext uri="{C183D7F6-B498-43B3-948B-1728B52AA6E4}">
+                <adec:decorative xmlns:adec="http://schemas.microsoft.com/office/drawing/2017/decorative" val="1"/>
+              </a:ext>
+            </a:extLst>
+          </p:cNvPr>
+          <p:cNvPicPr>
+            <a:picLocks noGrp="1" noRot="1" noChangeAspect="1" noMove="1" noResize="1" noEditPoints="1" noAdjustHandles="1" noChangeArrowheads="1" noChangeShapeType="1" noCrop="1"/>
+          </p:cNvPicPr>
+          <p:nvPr>
+            <p:extLst>
+              <p:ext uri="{386F3935-93C4-4BCD-93E2-E3B085C9AB24}">
+                <p16:designElem xmlns:p16="http://schemas.microsoft.com/office/powerpoint/2015/main" val="1"/>
+              </p:ext>
+            </p:extLst>
+          </p:nvPr>
+        </p:nvPicPr>
+        <p:blipFill>
+          <a:blip r:embed="rId4">
+            <a:alphaModFix/>
+            <a:extLst>
+              <a:ext uri="{28A0092B-C50C-407E-A947-70E740481C1C}">
+                <a14:useLocalDpi xmlns:a14="http://schemas.microsoft.com/office/drawing/2010/main" val="0"/>
+              </a:ext>
+            </a:extLst>
+          </a:blip>
+          <a:stretch>
+            <a:fillRect/>
+          </a:stretch>
+        </p:blipFill>
+        <p:spPr>
+          <a:xfrm>
+            <a:off x="0" y="0"/>
+            <a:ext cx="12189867" cy="6858000"/>
+          </a:xfrm>
+          <a:prstGeom prst="rect">
+            <a:avLst/>
+          </a:prstGeom>
+        </p:spPr>
+      </p:pic>
+      <p:sp>
+        <p:nvSpPr>
+          <p:cNvPr id="1031" name="Rectangle 76">
+            <a:extLst>
+              <a:ext uri="{FF2B5EF4-FFF2-40B4-BE49-F238E27FC236}">
+                <a16:creationId xmlns:a16="http://schemas.microsoft.com/office/drawing/2014/main" id="{D23277EE-B44B-4433-AC85-268C83D34214}"/>
+              </a:ext>
+              <a:ext uri="{C183D7F6-B498-43B3-948B-1728B52AA6E4}">
+                <adec:decorative xmlns:adec="http://schemas.microsoft.com/office/drawing/2017/decorative" val="1"/>
+              </a:ext>
+            </a:extLst>
+          </p:cNvPr>
+          <p:cNvSpPr>
+            <a:spLocks noGrp="1" noRot="1" noChangeAspect="1" noMove="1" noResize="1" noEditPoints="1" noAdjustHandles="1" noChangeArrowheads="1" noChangeShapeType="1" noTextEdit="1"/>
+          </p:cNvSpPr>
+          <p:nvPr>
+            <p:extLst>
+              <p:ext uri="{386F3935-93C4-4BCD-93E2-E3B085C9AB24}">
+                <p16:designElem xmlns:p16="http://schemas.microsoft.com/office/powerpoint/2015/main" val="1"/>
+              </p:ext>
+            </p:extLst>
+          </p:nvPr>
+        </p:nvSpPr>
+        <p:spPr>
+          <a:xfrm>
+            <a:off x="0" y="0"/>
+            <a:ext cx="964174" cy="6858000"/>
+          </a:xfrm>
+          <a:prstGeom prst="rect">
+            <a:avLst/>
+          </a:prstGeom>
+          <a:solidFill>
+            <a:schemeClr val="bg2"/>
+          </a:solidFill>
+          <a:ln>
+            <a:noFill/>
+          </a:ln>
+        </p:spPr>
+        <p:style>
+          <a:lnRef idx="2">
+            <a:schemeClr val="accent1">
+              <a:shade val="50000"/>
+            </a:schemeClr>
+          </a:lnRef>
+          <a:fillRef idx="1">
+            <a:schemeClr val="accent1"/>
+          </a:fillRef>
+          <a:effectRef idx="0">
+            <a:schemeClr val="accent1"/>
+          </a:effectRef>
+          <a:fontRef idx="minor">
+            <a:schemeClr val="lt1"/>
+          </a:fontRef>
+        </p:style>
+        <p:txBody>
+          <a:bodyPr rtlCol="0" anchor="ctr"/>
+          <a:lstStyle/>
+          <a:p>
+            <a:pPr algn="ctr"/>
+            <a:endParaRPr lang="en-US"/>
+          </a:p>
+        </p:txBody>
+      </p:sp>
+      <p:sp>
+        <p:nvSpPr>
+          <p:cNvPr id="1032" name="Rectangle 78">
+            <a:extLst>
+              <a:ext uri="{FF2B5EF4-FFF2-40B4-BE49-F238E27FC236}">
+                <a16:creationId xmlns:a16="http://schemas.microsoft.com/office/drawing/2014/main" id="{96893633-2491-40F3-A8F8-3048B013B861}"/>
+              </a:ext>
+              <a:ext uri="{C183D7F6-B498-43B3-948B-1728B52AA6E4}">
+                <adec:decorative xmlns:adec="http://schemas.microsoft.com/office/drawing/2017/decorative" val="1"/>
+              </a:ext>
+            </a:extLst>
+          </p:cNvPr>
+          <p:cNvSpPr>
+            <a:spLocks noGrp="1" noRot="1" noChangeAspect="1" noMove="1" noResize="1" noEditPoints="1" noAdjustHandles="1" noChangeArrowheads="1" noChangeShapeType="1" noTextEdit="1"/>
+          </p:cNvSpPr>
+          <p:nvPr>
+            <p:extLst>
+              <p:ext uri="{386F3935-93C4-4BCD-93E2-E3B085C9AB24}">
+                <p16:designElem xmlns:p16="http://schemas.microsoft.com/office/powerpoint/2015/main" val="1"/>
+              </p:ext>
+            </p:extLst>
+          </p:nvPr>
+        </p:nvSpPr>
+        <p:spPr>
+          <a:xfrm>
+            <a:off x="962042" y="0"/>
+            <a:ext cx="45719" cy="6858000"/>
+          </a:xfrm>
+          <a:prstGeom prst="rect">
+            <a:avLst/>
+          </a:prstGeom>
+          <a:solidFill>
+            <a:schemeClr val="accent6"/>
+          </a:solidFill>
+          <a:ln>
+            <a:noFill/>
+          </a:ln>
+        </p:spPr>
+        <p:style>
+          <a:lnRef idx="2">
+            <a:schemeClr val="accent1">
+              <a:shade val="50000"/>
+            </a:schemeClr>
+          </a:lnRef>
+          <a:fillRef idx="1">
+            <a:schemeClr val="accent1"/>
+          </a:fillRef>
+          <a:effectRef idx="0">
+            <a:schemeClr val="accent1"/>
+          </a:effectRef>
+          <a:fontRef idx="minor">
+            <a:schemeClr val="lt1"/>
+          </a:fontRef>
+        </p:style>
+        <p:txBody>
+          <a:bodyPr rtlCol="0" anchor="ctr"/>
+          <a:lstStyle/>
+          <a:p>
+            <a:pPr algn="ctr"/>
+            <a:endParaRPr lang="en-US"/>
+          </a:p>
+        </p:txBody>
+      </p:sp>
+      <p:sp>
+        <p:nvSpPr>
+          <p:cNvPr id="1033" name="Rectangle 80">
+            <a:extLst>
+              <a:ext uri="{FF2B5EF4-FFF2-40B4-BE49-F238E27FC236}">
+                <a16:creationId xmlns:a16="http://schemas.microsoft.com/office/drawing/2014/main" id="{4F600BF4-BBEF-41D0-AF2D-5FE8F14089C1}"/>
+              </a:ext>
+              <a:ext uri="{C183D7F6-B498-43B3-948B-1728B52AA6E4}">
+                <adec:decorative xmlns:adec="http://schemas.microsoft.com/office/drawing/2017/decorative" val="1"/>
+              </a:ext>
+            </a:extLst>
+          </p:cNvPr>
+          <p:cNvSpPr>
+            <a:spLocks noGrp="1" noRot="1" noChangeAspect="1" noMove="1" noResize="1" noEditPoints="1" noAdjustHandles="1" noChangeArrowheads="1" noChangeShapeType="1" noTextEdit="1"/>
+          </p:cNvSpPr>
+          <p:nvPr>
+            <p:extLst>
+              <p:ext uri="{386F3935-93C4-4BCD-93E2-E3B085C9AB24}">
+                <p16:designElem xmlns:p16="http://schemas.microsoft.com/office/powerpoint/2015/main" val="1"/>
+              </p:ext>
+            </p:extLst>
+          </p:nvPr>
+        </p:nvSpPr>
+        <p:spPr>
+          <a:xfrm>
+            <a:off x="1007533" y="0"/>
+            <a:ext cx="5891209" cy="6858000"/>
+          </a:xfrm>
+          <a:prstGeom prst="rect">
+            <a:avLst/>
+          </a:prstGeom>
+          <a:solidFill>
+            <a:schemeClr val="bg2">
+              <a:alpha val="92000"/>
+            </a:schemeClr>
+          </a:solidFill>
+          <a:ln>
+            <a:noFill/>
+          </a:ln>
+        </p:spPr>
+        <p:style>
+          <a:lnRef idx="2">
+            <a:schemeClr val="accent1">
+              <a:shade val="50000"/>
+            </a:schemeClr>
+          </a:lnRef>
+          <a:fillRef idx="1">
+            <a:schemeClr val="accent1"/>
+          </a:fillRef>
+          <a:effectRef idx="0">
+            <a:schemeClr val="accent1"/>
+          </a:effectRef>
+          <a:fontRef idx="minor">
+            <a:schemeClr val="lt1"/>
+          </a:fontRef>
+        </p:style>
+        <p:txBody>
+          <a:bodyPr rtlCol="0" anchor="ctr"/>
+          <a:lstStyle/>
+          <a:p>
+            <a:pPr algn="ctr"/>
+            <a:endParaRPr lang="en-US"/>
+          </a:p>
+        </p:txBody>
+      </p:sp>
+      <p:sp>
+        <p:nvSpPr>
+          <p:cNvPr id="2" name="Título 1">
+            <a:extLst>
+              <a:ext uri="{FF2B5EF4-FFF2-40B4-BE49-F238E27FC236}">
+                <a16:creationId xmlns:a16="http://schemas.microsoft.com/office/drawing/2014/main" id="{012A1E87-7F93-41C2-B776-0320377121AD}"/>
+              </a:ext>
+            </a:extLst>
+          </p:cNvPr>
+          <p:cNvSpPr>
+            <a:spLocks noGrp="1"/>
+          </p:cNvSpPr>
+          <p:nvPr>
+            <p:ph type="ctrTitle"/>
+          </p:nvPr>
+        </p:nvSpPr>
+        <p:spPr>
+          <a:xfrm>
+            <a:off x="1220801" y="224159"/>
+            <a:ext cx="3972924" cy="2268559"/>
+          </a:xfrm>
+        </p:spPr>
+        <p:txBody>
+          <a:bodyPr>
+            <a:normAutofit fontScale="90000"/>
+          </a:bodyPr>
+          <a:lstStyle/>
+          <a:p>
+            <a:r>
+              <a:rPr lang="pt-BR" sz="3000" dirty="0"/>
+              <a:t>Você agora faz parte da equipe de</a:t>
+            </a:r>
+            <a:br>
+              <a:rPr lang="pt-BR" sz="3000" dirty="0"/>
+            </a:br>
+            <a:br>
+              <a:rPr lang="pt-BR" sz="3000" dirty="0"/>
+            </a:br>
+            <a:r>
+              <a:rPr lang="pt-BR" sz="3000" dirty="0"/>
+              <a:t>Gerenciamento de projetos PMBOK</a:t>
+            </a:r>
+            <a:br>
+              <a:rPr lang="pt-BR" sz="3000" dirty="0"/>
+            </a:br>
+            <a:r>
+              <a:rPr lang="pt-BR" sz="3000" dirty="0"/>
+              <a:t>HOME OFFICE</a:t>
+            </a:r>
+          </a:p>
+        </p:txBody>
+      </p:sp>
+      <p:sp>
+        <p:nvSpPr>
+          <p:cNvPr id="3" name="Subtítulo 2">
+            <a:extLst>
+              <a:ext uri="{FF2B5EF4-FFF2-40B4-BE49-F238E27FC236}">
+                <a16:creationId xmlns:a16="http://schemas.microsoft.com/office/drawing/2014/main" id="{C9BAC176-CE77-4135-B9C1-481974DD0797}"/>
+              </a:ext>
+            </a:extLst>
+          </p:cNvPr>
+          <p:cNvSpPr>
+            <a:spLocks noGrp="1"/>
+          </p:cNvSpPr>
+          <p:nvPr>
+            <p:ph type="subTitle" idx="1"/>
+          </p:nvPr>
+        </p:nvSpPr>
+        <p:spPr>
+          <a:xfrm>
+            <a:off x="2124907" y="2268786"/>
+            <a:ext cx="3817821" cy="1160213"/>
+          </a:xfrm>
+        </p:spPr>
+        <p:txBody>
+          <a:bodyPr>
+            <a:normAutofit/>
+          </a:bodyPr>
+          <a:lstStyle/>
+          <a:p>
+            <a:r>
+              <a:rPr lang="pt-BR" dirty="0"/>
+              <a:t>Para geração de trabalho e renda.</a:t>
+            </a:r>
+          </a:p>
+        </p:txBody>
+      </p:sp>
+      <p:pic>
+        <p:nvPicPr>
+          <p:cNvPr id="1026" name="Picture 2" descr="Escolhendo a caixa de ferramentas | Ferramentas Kennedy">
+            <a:extLst>
+              <a:ext uri="{FF2B5EF4-FFF2-40B4-BE49-F238E27FC236}">
+                <a16:creationId xmlns:a16="http://schemas.microsoft.com/office/drawing/2014/main" id="{9A339D33-678E-4B78-A83C-433EBF086821}"/>
+              </a:ext>
+            </a:extLst>
+          </p:cNvPr>
+          <p:cNvPicPr>
+            <a:picLocks noChangeAspect="1" noChangeArrowheads="1"/>
+          </p:cNvPicPr>
+          <p:nvPr/>
+        </p:nvPicPr>
+        <p:blipFill rotWithShape="1">
+          <a:blip r:embed="rId5">
+            <a:extLst>
+              <a:ext uri="{28A0092B-C50C-407E-A947-70E740481C1C}">
+                <a14:useLocalDpi xmlns:a14="http://schemas.microsoft.com/office/drawing/2010/main" val="0"/>
+              </a:ext>
+            </a:extLst>
+          </a:blip>
+          <a:srcRect l="29907" r="2506"/>
+          <a:stretch/>
+        </p:blipFill>
+        <p:spPr bwMode="auto">
+          <a:xfrm>
+            <a:off x="6749807" y="227"/>
+            <a:ext cx="4635113" cy="6858000"/>
+          </a:xfrm>
+          <a:prstGeom prst="rect">
+            <a:avLst/>
+          </a:prstGeom>
+          <a:noFill/>
+          <a:ln w="12700">
+            <a:solidFill>
+              <a:schemeClr val="tx1"/>
+            </a:solidFill>
+          </a:ln>
+          <a:extLst>
+            <a:ext uri="{909E8E84-426E-40DD-AFC4-6F175D3DCCD1}">
+              <a14:hiddenFill xmlns:a14="http://schemas.microsoft.com/office/drawing/2010/main">
+                <a:solidFill>
+                  <a:srgbClr val="FFFFFF"/>
+                </a:solidFill>
+              </a14:hiddenFill>
+            </a:ext>
+          </a:extLst>
+        </p:spPr>
+      </p:pic>
+      <p:sp>
+        <p:nvSpPr>
+          <p:cNvPr id="1034" name="Rectangle 82">
+            <a:extLst>
+              <a:ext uri="{FF2B5EF4-FFF2-40B4-BE49-F238E27FC236}">
+                <a16:creationId xmlns:a16="http://schemas.microsoft.com/office/drawing/2014/main" id="{8E3FBB69-81FC-455A-9F72-076CADABD372}"/>
+              </a:ext>
+              <a:ext uri="{C183D7F6-B498-43B3-948B-1728B52AA6E4}">
+                <adec:decorative xmlns:adec="http://schemas.microsoft.com/office/drawing/2017/decorative" val="1"/>
+              </a:ext>
+            </a:extLst>
+          </p:cNvPr>
+          <p:cNvSpPr>
+            <a:spLocks noGrp="1" noRot="1" noChangeAspect="1" noMove="1" noResize="1" noEditPoints="1" noAdjustHandles="1" noChangeArrowheads="1" noChangeShapeType="1" noTextEdit="1"/>
+          </p:cNvSpPr>
+          <p:nvPr>
+            <p:extLst>
+              <p:ext uri="{386F3935-93C4-4BCD-93E2-E3B085C9AB24}">
+                <p16:designElem xmlns:p16="http://schemas.microsoft.com/office/powerpoint/2015/main" val="1"/>
+              </p:ext>
+            </p:extLst>
+          </p:nvPr>
+        </p:nvSpPr>
+        <p:spPr>
+          <a:xfrm>
+            <a:off x="11387666" y="-2718"/>
+            <a:ext cx="27432" cy="6858000"/>
+          </a:xfrm>
+          <a:prstGeom prst="rect">
+            <a:avLst/>
+          </a:prstGeom>
+          <a:solidFill>
+            <a:schemeClr val="accent6"/>
+          </a:solidFill>
+          <a:ln>
+            <a:noFill/>
+          </a:ln>
+        </p:spPr>
+        <p:style>
+          <a:lnRef idx="2">
+            <a:schemeClr val="accent1">
+              <a:shade val="50000"/>
+            </a:schemeClr>
+          </a:lnRef>
+          <a:fillRef idx="1">
+            <a:schemeClr val="accent1"/>
+          </a:fillRef>
+          <a:effectRef idx="0">
+            <a:schemeClr val="accent1"/>
+          </a:effectRef>
+          <a:fontRef idx="minor">
+            <a:schemeClr val="lt1"/>
+          </a:fontRef>
+        </p:style>
+        <p:txBody>
+          <a:bodyPr rtlCol="0" anchor="ctr"/>
+          <a:lstStyle/>
+          <a:p>
+            <a:pPr algn="ctr"/>
+            <a:endParaRPr lang="en-US"/>
+          </a:p>
+        </p:txBody>
+      </p:sp>
+    </p:spTree>
+    <p:extLst>
+      <p:ext uri="{BB962C8B-B14F-4D97-AF65-F5344CB8AC3E}">
+        <p14:creationId xmlns:p14="http://schemas.microsoft.com/office/powerpoint/2010/main" val="3310325449"/>
+      </p:ext>
+    </p:extLst>
+  </p:cSld>
+  <p:clrMapOvr>
+    <a:masterClrMapping/>
+  </p:clrMapOvr>
+  <p:timing>
+    <p:tnLst>
+      <p:par>
+        <p:cTn id="1" dur="indefinite" restart="never" nodeType="tmRoot">
+          <p:childTnLst>
+            <p:seq concurrent="1" nextAc="seek">
+              <p:cTn id="2" dur="indefinite" nodeType="mainSeq">
+                <p:childTnLst>
+                  <p:par>
+                    <p:cTn id="3" fill="hold">
+                      <p:stCondLst>
+                        <p:cond delay="indefinite"/>
+                        <p:cond evt="onBegin" delay="0">
+                          <p:tn val="2"/>
+                        </p:cond>
+                      </p:stCondLst>
+                      <p:childTnLst>
+                        <p:par>
+                          <p:cTn id="4" fill="hold">
+                            <p:stCondLst>
+                              <p:cond delay="0"/>
+                            </p:stCondLst>
+                            <p:childTnLst>
+                              <p:par>
+                                <p:cTn id="5" presetID="10" presetClass="entr" presetSubtype="0" fill="hold" grpId="0" nodeType="withEffect">
+                                  <p:stCondLst>
+                                    <p:cond delay="2000"/>
+                                  </p:stCondLst>
+                                  <p:iterate type="lt">
+                                    <p:tmPct val="10000"/>
+                                  </p:iterate>
+                                  <p:childTnLst>
+                                    <p:set>
+                                      <p:cBhvr>
+                                        <p:cTn id="6" dur="1" fill="hold">
+                                          <p:stCondLst>
+                                            <p:cond delay="0"/>
+                                          </p:stCondLst>
+                                        </p:cTn>
+                                        <p:tgtEl>
+                                          <p:spTgt spid="3">
+                                            <p:txEl>
+                                              <p:pRg st="0" end="0"/>
+                                            </p:txEl>
+                                          </p:spTgt>
+                                        </p:tgtEl>
+                                        <p:attrNameLst>
+                                          <p:attrName>style.visibility</p:attrName>
+                                        </p:attrNameLst>
+                                      </p:cBhvr>
+                                      <p:to>
+                                        <p:strVal val="visible"/>
+                                      </p:to>
+                                    </p:set>
+                                    <p:animEffect transition="in" filter="fade">
+                                      <p:cBhvr>
+                                        <p:cTn id="7" dur="400"/>
+                                        <p:tgtEl>
+                                          <p:spTgt spid="3">
+                                            <p:txEl>
+                                              <p:pRg st="0" end="0"/>
+                                            </p:txEl>
+                                          </p:spTgt>
+                                        </p:tgtEl>
+                                      </p:cBhvr>
+                                    </p:animEffect>
+                                  </p:childTnLst>
+                                </p:cTn>
+                              </p:par>
+                              <p:par>
+                                <p:cTn id="8" presetID="10" presetClass="entr" presetSubtype="0" fill="hold" grpId="0" nodeType="withEffect">
+                                  <p:stCondLst>
+                                    <p:cond delay="500"/>
+                                  </p:stCondLst>
+                                  <p:iterate type="lt">
+                                    <p:tmPct val="10000"/>
+                                  </p:iterate>
+                                  <p:childTnLst>
+                                    <p:set>
+                                      <p:cBhvr>
+                                        <p:cTn id="9" dur="1" fill="hold">
+                                          <p:stCondLst>
+                                            <p:cond delay="0"/>
+                                          </p:stCondLst>
+                                        </p:cTn>
+                                        <p:tgtEl>
+                                          <p:spTgt spid="2"/>
+                                        </p:tgtEl>
+                                        <p:attrNameLst>
+                                          <p:attrName>style.visibility</p:attrName>
+                                        </p:attrNameLst>
+                                      </p:cBhvr>
+                                      <p:to>
+                                        <p:strVal val="visible"/>
+                                      </p:to>
+                                    </p:set>
+                                    <p:animEffect transition="in" filter="fade">
+                                      <p:cBhvr>
+                                        <p:cTn id="10" dur="400"/>
+                                        <p:tgtEl>
+                                          <p:spTgt spid="2"/>
+                                        </p:tgtEl>
+                                      </p:cBhvr>
+                                    </p:animEffect>
+                                  </p:childTnLst>
+                                </p:cTn>
+                              </p:par>
+                            </p:childTnLst>
+                          </p:cTn>
+                        </p:par>
+                      </p:childTnLst>
+                    </p:cTn>
+                  </p:par>
+                </p:childTnLst>
+              </p:cTn>
+              <p:prevCondLst>
+                <p:cond evt="onPrev" delay="0">
+                  <p:tgtEl>
+                    <p:sldTgt/>
+                  </p:tgtEl>
+                </p:cond>
+              </p:prevCondLst>
+              <p:nextCondLst>
+                <p:cond evt="onNext" delay="0">
+                  <p:tgtEl>
+                    <p:sldTgt/>
+                  </p:tgtEl>
+                </p:cond>
+              </p:nextCondLst>
+            </p:seq>
+          </p:childTnLst>
+        </p:cTn>
+      </p:par>
+    </p:tnLst>
+    <p:bldLst>
+      <p:bldP spid="2" grpId="0"/>
+      <p:bldP spid="3" grpId="0" build="p"/>
+    </p:bldLst>
+  </p:timing>
+</p:sld>
+</file>
+
+<file path=ppt/slides/slide9.xml><?xml version="1.0" encoding="utf-8"?>
+<p:sld xmlns:a="http://schemas.openxmlformats.org/drawingml/2006/main" xmlns:r="http://schemas.openxmlformats.org/officeDocument/2006/relationships" xmlns:p="http://schemas.openxmlformats.org/presentationml/2006/main">
+  <p:cSld>
+    <p:spTree>
+      <p:nvGrpSpPr>
+        <p:cNvPr id="1" name=""/>
+        <p:cNvGrpSpPr/>
+        <p:nvPr/>
+      </p:nvGrpSpPr>
+      <p:grpSpPr>
+        <a:xfrm>
+          <a:off x="0" y="0"/>
+          <a:ext cx="0" cy="0"/>
+          <a:chOff x="0" y="0"/>
+          <a:chExt cx="0" cy="0"/>
+        </a:xfrm>
+      </p:grpSpPr>
+      <p:sp>
+        <p:nvSpPr>
+          <p:cNvPr id="2" name="Título 1">
+            <a:extLst>
+              <a:ext uri="{FF2B5EF4-FFF2-40B4-BE49-F238E27FC236}">
+                <a16:creationId xmlns:a16="http://schemas.microsoft.com/office/drawing/2014/main" id="{012A1E87-7F93-41C2-B776-0320377121AD}"/>
+              </a:ext>
+            </a:extLst>
+          </p:cNvPr>
+          <p:cNvSpPr>
+            <a:spLocks noGrp="1"/>
+          </p:cNvSpPr>
+          <p:nvPr>
+            <p:ph type="ctrTitle"/>
+          </p:nvPr>
+        </p:nvSpPr>
+        <p:spPr>
+          <a:xfrm>
+            <a:off x="1003265" y="-10974"/>
+            <a:ext cx="7369642" cy="3608480"/>
+          </a:xfrm>
+        </p:spPr>
+        <p:txBody>
+          <a:bodyPr>
+            <a:normAutofit fontScale="90000"/>
+          </a:bodyPr>
+          <a:lstStyle/>
+          <a:p>
+            <a:pPr algn="l"/>
+            <a:r>
+              <a:rPr lang="pt-BR" sz="8000" dirty="0"/>
+              <a:t>Gerenciamento de projetos PMBOK</a:t>
+            </a:r>
+            <a:br>
+              <a:rPr lang="pt-BR" sz="8000" dirty="0"/>
+            </a:br>
+            <a:r>
+              <a:rPr lang="pt-BR" sz="8000" dirty="0"/>
+              <a:t>C.H.A</a:t>
+            </a:r>
+          </a:p>
+        </p:txBody>
+      </p:sp>
+      <p:sp>
+        <p:nvSpPr>
+          <p:cNvPr id="3" name="Subtítulo 2">
+            <a:extLst>
+              <a:ext uri="{FF2B5EF4-FFF2-40B4-BE49-F238E27FC236}">
+                <a16:creationId xmlns:a16="http://schemas.microsoft.com/office/drawing/2014/main" id="{C9BAC176-CE77-4135-B9C1-481974DD0797}"/>
+              </a:ext>
+            </a:extLst>
+          </p:cNvPr>
+          <p:cNvSpPr>
+            <a:spLocks noGrp="1"/>
+          </p:cNvSpPr>
+          <p:nvPr>
+            <p:ph type="subTitle" idx="1"/>
+          </p:nvPr>
+        </p:nvSpPr>
+        <p:spPr>
+          <a:xfrm>
+            <a:off x="2037093" y="4009270"/>
+            <a:ext cx="6437630" cy="1335503"/>
+          </a:xfrm>
+        </p:spPr>
+        <p:txBody>
+          <a:bodyPr>
+            <a:normAutofit/>
+          </a:bodyPr>
+          <a:lstStyle/>
+          <a:p>
+            <a:pPr algn="l"/>
+            <a:r>
+              <a:rPr lang="pt-BR" sz="2800" dirty="0"/>
+              <a:t>Para geração de trabalho e renda.</a:t>
+            </a:r>
+          </a:p>
+        </p:txBody>
+      </p:sp>
+    </p:spTree>
+    <p:extLst>
+      <p:ext uri="{BB962C8B-B14F-4D97-AF65-F5344CB8AC3E}">
+        <p14:creationId xmlns:p14="http://schemas.microsoft.com/office/powerpoint/2010/main" val="696201144"/>
+      </p:ext>
+    </p:extLst>
+  </p:cSld>
+  <p:clrMapOvr>
+    <a:masterClrMapping/>
+  </p:clrMapOvr>
+  <p:timing>
+    <p:tnLst>
+      <p:par>
+        <p:cTn id="1" dur="indefinite" restart="never" nodeType="tmRoot">
+          <p:childTnLst>
+            <p:seq concurrent="1" nextAc="seek">
+              <p:cTn id="2" dur="indefinite" nodeType="mainSeq">
+                <p:childTnLst>
+                  <p:par>
+                    <p:cTn id="3" fill="hold">
+                      <p:stCondLst>
+                        <p:cond delay="indefinite"/>
+                        <p:cond evt="onBegin" delay="0">
+                          <p:tn val="2"/>
+                        </p:cond>
+                      </p:stCondLst>
+                      <p:childTnLst>
+                        <p:par>
+                          <p:cTn id="4" fill="hold">
+                            <p:stCondLst>
+                              <p:cond delay="0"/>
+                            </p:stCondLst>
+                            <p:childTnLst>
+                              <p:par>
+                                <p:cTn id="5" presetID="10" presetClass="entr" presetSubtype="0" fill="hold" grpId="0" nodeType="withEffect">
+                                  <p:stCondLst>
+                                    <p:cond delay="2000"/>
+                                  </p:stCondLst>
+                                  <p:iterate type="lt">
+                                    <p:tmPct val="10000"/>
+                                  </p:iterate>
+                                  <p:childTnLst>
+                                    <p:set>
+                                      <p:cBhvr>
+                                        <p:cTn id="6" dur="1" fill="hold">
+                                          <p:stCondLst>
+                                            <p:cond delay="0"/>
+                                          </p:stCondLst>
+                                        </p:cTn>
+                                        <p:tgtEl>
+                                          <p:spTgt spid="3">
+                                            <p:txEl>
+                                              <p:pRg st="0" end="0"/>
+                                            </p:txEl>
+                                          </p:spTgt>
+                                        </p:tgtEl>
+                                        <p:attrNameLst>
+                                          <p:attrName>style.visibility</p:attrName>
+                                        </p:attrNameLst>
+                                      </p:cBhvr>
+                                      <p:to>
+                                        <p:strVal val="visible"/>
+                                      </p:to>
+                                    </p:set>
+                                    <p:animEffect transition="in" filter="fade">
+                                      <p:cBhvr>
+                                        <p:cTn id="7" dur="400"/>
+                                        <p:tgtEl>
+                                          <p:spTgt spid="3">
+                                            <p:txEl>
+                                              <p:pRg st="0" end="0"/>
+                                            </p:txEl>
+                                          </p:spTgt>
+                                        </p:tgtEl>
+                                      </p:cBhvr>
+                                    </p:animEffect>
+                                  </p:childTnLst>
+                                </p:cTn>
+                              </p:par>
+                              <p:par>
+                                <p:cTn id="8" presetID="10" presetClass="entr" presetSubtype="0" fill="hold" grpId="0" nodeType="withEffect">
+                                  <p:stCondLst>
+                                    <p:cond delay="500"/>
+                                  </p:stCondLst>
+                                  <p:iterate type="lt">
+                                    <p:tmPct val="10000"/>
+                                  </p:iterate>
+                                  <p:childTnLst>
+                                    <p:set>
+                                      <p:cBhvr>
+                                        <p:cTn id="9" dur="1" fill="hold">
+                                          <p:stCondLst>
+                                            <p:cond delay="0"/>
+                                          </p:stCondLst>
+                                        </p:cTn>
+                                        <p:tgtEl>
+                                          <p:spTgt spid="2"/>
+                                        </p:tgtEl>
+                                        <p:attrNameLst>
+                                          <p:attrName>style.visibility</p:attrName>
+                                        </p:attrNameLst>
+                                      </p:cBhvr>
+                                      <p:to>
+                                        <p:strVal val="visible"/>
+                                      </p:to>
+                                    </p:set>
+                                    <p:animEffect transition="in" filter="fade">
+                                      <p:cBhvr>
+                                        <p:cTn id="10" dur="400"/>
+                                        <p:tgtEl>
+                                          <p:spTgt spid="2"/>
                                         </p:tgtEl>
                                       </p:cBhvr>
                                     </p:animEffect>

--- a/Gerenciamento de projetos.pptx
+++ b/Gerenciamento de projetos.pptx
@@ -5,15 +5,14 @@
     <p:sldMasterId id="2147483648" r:id="rId1"/>
   </p:sldMasterIdLst>
   <p:sldIdLst>
-    <p:sldId id="256" r:id="rId2"/>
-    <p:sldId id="257" r:id="rId3"/>
-    <p:sldId id="258" r:id="rId4"/>
+    <p:sldId id="264" r:id="rId2"/>
+    <p:sldId id="258" r:id="rId3"/>
+    <p:sldId id="257" r:id="rId4"/>
     <p:sldId id="259" r:id="rId5"/>
     <p:sldId id="260" r:id="rId6"/>
     <p:sldId id="261" r:id="rId7"/>
     <p:sldId id="262" r:id="rId8"/>
     <p:sldId id="263" r:id="rId9"/>
-    <p:sldId id="264" r:id="rId10"/>
   </p:sldIdLst>
   <p:sldSz cx="12192000" cy="6858000"/>
   <p:notesSz cx="6858000" cy="9144000"/>
@@ -337,7 +336,7 @@
           <a:p>
             <a:fld id="{9AB3A824-1A51-4B26-AD58-A6D8E14F6C04}" type="datetimeFigureOut">
               <a:rPr lang="en-US" dirty="0"/>
-              <a:t>4/22/2021</a:t>
+              <a:t>4/24/2021</a:t>
             </a:fld>
             <a:endParaRPr lang="en-US" dirty="0"/>
           </a:p>
@@ -671,7 +670,7 @@
           <a:p>
             <a:fld id="{D857E33E-8B18-4087-B112-809917729534}" type="datetimeFigureOut">
               <a:rPr lang="en-US" dirty="0"/>
-              <a:t>4/22/2021</a:t>
+              <a:t>4/24/2021</a:t>
             </a:fld>
             <a:endParaRPr lang="en-US" dirty="0"/>
           </a:p>
@@ -973,7 +972,7 @@
           <a:p>
             <a:fld id="{D3FFE419-2371-464F-8239-3959401C3561}" type="datetimeFigureOut">
               <a:rPr lang="en-US" dirty="0"/>
-              <a:t>4/22/2021</a:t>
+              <a:t>4/24/2021</a:t>
             </a:fld>
             <a:endParaRPr lang="en-US" dirty="0"/>
           </a:p>
@@ -1220,7 +1219,7 @@
           <a:p>
             <a:fld id="{97D162C4-EDD9-4389-A98B-B87ECEA2A816}" type="datetimeFigureOut">
               <a:rPr lang="en-US" dirty="0"/>
-              <a:t>4/22/2021</a:t>
+              <a:t>4/24/2021</a:t>
             </a:fld>
             <a:endParaRPr lang="en-US" dirty="0"/>
           </a:p>
@@ -1627,7 +1626,7 @@
           <a:p>
             <a:fld id="{3E5059C3-6A89-4494-99FF-5A4D6FFD50EB}" type="datetimeFigureOut">
               <a:rPr lang="en-US" dirty="0"/>
-              <a:t>4/22/2021</a:t>
+              <a:t>4/24/2021</a:t>
             </a:fld>
             <a:endParaRPr lang="en-US" dirty="0"/>
           </a:p>
@@ -1941,7 +1940,7 @@
           <a:p>
             <a:fld id="{CA954B2F-12DE-47F5-8894-472B206D2E1E}" type="datetimeFigureOut">
               <a:rPr lang="en-US" dirty="0"/>
-              <a:t>4/22/2021</a:t>
+              <a:t>4/24/2021</a:t>
             </a:fld>
             <a:endParaRPr lang="en-US" dirty="0"/>
           </a:p>
@@ -2485,7 +2484,7 @@
           <a:p>
             <a:fld id="{3F30E46F-7819-4ACF-B48B-48222C2ACC88}" type="datetimeFigureOut">
               <a:rPr lang="en-US" dirty="0"/>
-              <a:t>4/22/2021</a:t>
+              <a:t>4/24/2021</a:t>
             </a:fld>
             <a:endParaRPr lang="en-US" dirty="0"/>
           </a:p>
@@ -2680,7 +2679,7 @@
           <a:p>
             <a:fld id="{1FAF3416-4057-4DAA-829D-4CA07428D088}" type="datetimeFigureOut">
               <a:rPr lang="en-US" dirty="0"/>
-              <a:t>4/22/2021</a:t>
+              <a:t>4/24/2021</a:t>
             </a:fld>
             <a:endParaRPr lang="en-US" dirty="0"/>
           </a:p>
@@ -2893,7 +2892,7 @@
           <a:p>
             <a:fld id="{921D9284-D300-4297-87F7-E791DCC15DB1}" type="datetimeFigureOut">
               <a:rPr lang="en-US" dirty="0"/>
-              <a:t>4/22/2021</a:t>
+              <a:t>4/24/2021</a:t>
             </a:fld>
             <a:endParaRPr lang="en-US" dirty="0"/>
           </a:p>
@@ -3262,7 +3261,7 @@
           <a:p>
             <a:fld id="{37D525BB-DA17-4BA0-B3C8-3AC3ABC827E6}" type="datetimeFigureOut">
               <a:rPr lang="en-US" dirty="0"/>
-              <a:t>4/22/2021</a:t>
+              <a:t>4/24/2021</a:t>
             </a:fld>
             <a:endParaRPr lang="en-US" dirty="0"/>
           </a:p>
@@ -3665,7 +3664,7 @@
           <a:p>
             <a:fld id="{B16C4C9A-3960-41CF-A4E9-2A8FB932454B}" type="datetimeFigureOut">
               <a:rPr lang="en-US" dirty="0"/>
-              <a:t>4/22/2021</a:t>
+              <a:t>4/24/2021</a:t>
             </a:fld>
             <a:endParaRPr lang="en-US" dirty="0"/>
           </a:p>
@@ -3976,7 +3975,7 @@
           <a:p>
             <a:fld id="{3CBC1C18-307B-4F68-A007-B5B542270E8D}" type="datetimeFigureOut">
               <a:rPr lang="en-US" dirty="0"/>
-              <a:t>4/22/2021</a:t>
+              <a:t>4/24/2021</a:t>
             </a:fld>
             <a:endParaRPr lang="en-US" dirty="0"/>
           </a:p>
@@ -4504,10 +4503,10 @@
       </p:grpSpPr>
       <p:sp useBgFill="1">
         <p:nvSpPr>
-          <p:cNvPr id="8" name="Rectangle 7">
+          <p:cNvPr id="71" name="Rectangle 70">
             <a:extLst>
               <a:ext uri="{FF2B5EF4-FFF2-40B4-BE49-F238E27FC236}">
-                <a16:creationId xmlns:a16="http://schemas.microsoft.com/office/drawing/2014/main" id="{8F3CF990-ACB8-443A-BB74-D36EC8A00B02}"/>
+                <a16:creationId xmlns:a16="http://schemas.microsoft.com/office/drawing/2014/main" id="{847489EB-355C-4170-8C70-5CDD42EFDDBC}"/>
               </a:ext>
               <a:ext uri="{C183D7F6-B498-43B3-948B-1728B52AA6E4}">
                 <adec:decorative xmlns:adec="http://schemas.microsoft.com/office/drawing/2017/decorative" val="1"/>
@@ -4527,8 +4526,8 @@
         </p:nvSpPr>
         <p:spPr>
           <a:xfrm>
-            <a:off x="0" y="-1"/>
-            <a:ext cx="12192000" cy="6858001"/>
+            <a:off x="0" y="0"/>
+            <a:ext cx="12189867" cy="6855282"/>
           </a:xfrm>
           <a:prstGeom prst="rect">
             <a:avLst/>
@@ -4564,10 +4563,10 @@
       </p:sp>
       <p:pic>
         <p:nvPicPr>
-          <p:cNvPr id="10" name="Picture 9">
+          <p:cNvPr id="73" name="Picture 72">
             <a:extLst>
               <a:ext uri="{FF2B5EF4-FFF2-40B4-BE49-F238E27FC236}">
-                <a16:creationId xmlns:a16="http://schemas.microsoft.com/office/drawing/2014/main" id="{00B98862-BEE1-44FB-A335-A1B9106B445E}"/>
+                <a16:creationId xmlns:a16="http://schemas.microsoft.com/office/drawing/2014/main" id="{521CC0F3-7B68-4C9C-999A-74F8925C33B2}"/>
               </a:ext>
               <a:ext uri="{C183D7F6-B498-43B3-948B-1728B52AA6E4}">
                 <adec:decorative xmlns:adec="http://schemas.microsoft.com/office/drawing/2017/decorative" val="1"/>
@@ -4605,24 +4604,23 @@
           <a:prstGeom prst="rect">
             <a:avLst/>
           </a:prstGeom>
-          <a:noFill/>
         </p:spPr>
       </p:pic>
-      <p:sp>
-        <p:nvSpPr>
-          <p:cNvPr id="12" name="Freeform: Shape 11">
+      <p:pic>
+        <p:nvPicPr>
+          <p:cNvPr id="75" name="Picture 74">
             <a:extLst>
               <a:ext uri="{FF2B5EF4-FFF2-40B4-BE49-F238E27FC236}">
-                <a16:creationId xmlns:a16="http://schemas.microsoft.com/office/drawing/2014/main" id="{65F94F98-3A57-49AA-838E-91AAF600B6EE}"/>
+                <a16:creationId xmlns:a16="http://schemas.microsoft.com/office/drawing/2014/main" id="{3EB18ECF-1C11-48BB-8C2B-DC5532A906F4}"/>
               </a:ext>
               <a:ext uri="{C183D7F6-B498-43B3-948B-1728B52AA6E4}">
                 <adec:decorative xmlns:adec="http://schemas.microsoft.com/office/drawing/2017/decorative" val="1"/>
               </a:ext>
             </a:extLst>
           </p:cNvPr>
-          <p:cNvSpPr>
-            <a:spLocks noGrp="1" noRot="1" noChangeAspect="1" noMove="1" noResize="1" noEditPoints="1" noAdjustHandles="1" noChangeArrowheads="1" noChangeShapeType="1" noTextEdit="1"/>
-          </p:cNvSpPr>
+          <p:cNvPicPr>
+            <a:picLocks noGrp="1" noRot="1" noChangeAspect="1" noMove="1" noResize="1" noEditPoints="1" noAdjustHandles="1" noChangeArrowheads="1" noChangeShapeType="1" noCrop="1"/>
+          </p:cNvPicPr>
           <p:nvPr>
             <p:extLst>
               <p:ext uri="{386F3935-93C4-4BCD-93E2-E3B085C9AB24}">
@@ -4630,225 +4628,64 @@
               </p:ext>
             </p:extLst>
           </p:nvPr>
-        </p:nvSpPr>
-        <p:spPr>
-          <a:xfrm rot="16200000">
-            <a:off x="3678519" y="-1660968"/>
-            <a:ext cx="5838229" cy="11188733"/>
-          </a:xfrm>
-          <a:custGeom>
-            <a:avLst/>
-            <a:gdLst>
-              <a:gd name="connsiteX0" fmla="*/ 0 w 7821919"/>
-              <a:gd name="connsiteY0" fmla="*/ 0 h 6858000"/>
-              <a:gd name="connsiteX1" fmla="*/ 6983367 w 7821919"/>
-              <a:gd name="connsiteY1" fmla="*/ 0 h 6858000"/>
-              <a:gd name="connsiteX2" fmla="*/ 6982269 w 7821919"/>
-              <a:gd name="connsiteY2" fmla="*/ 1331 h 6858000"/>
-              <a:gd name="connsiteX3" fmla="*/ 6833782 w 7821919"/>
-              <a:gd name="connsiteY3" fmla="*/ 487443 h 6858000"/>
-              <a:gd name="connsiteX4" fmla="*/ 6851446 w 7821919"/>
-              <a:gd name="connsiteY4" fmla="*/ 662666 h 6858000"/>
-              <a:gd name="connsiteX5" fmla="*/ 6857532 w 7821919"/>
-              <a:gd name="connsiteY5" fmla="*/ 686333 h 6858000"/>
-              <a:gd name="connsiteX6" fmla="*/ 6806927 w 7821919"/>
-              <a:gd name="connsiteY6" fmla="*/ 699345 h 6858000"/>
-              <a:gd name="connsiteX7" fmla="*/ 5555365 w 7821919"/>
-              <a:gd name="connsiteY7" fmla="*/ 2400515 h 6858000"/>
-              <a:gd name="connsiteX8" fmla="*/ 7336617 w 7821919"/>
-              <a:gd name="connsiteY8" fmla="*/ 4181767 h 6858000"/>
-              <a:gd name="connsiteX9" fmla="*/ 7452815 w 7821919"/>
-              <a:gd name="connsiteY9" fmla="*/ 4175900 h 6858000"/>
-              <a:gd name="connsiteX10" fmla="*/ 7437456 w 7821919"/>
-              <a:gd name="connsiteY10" fmla="*/ 4225378 h 6858000"/>
-              <a:gd name="connsiteX11" fmla="*/ 7428275 w 7821919"/>
-              <a:gd name="connsiteY11" fmla="*/ 4316448 h 6858000"/>
-              <a:gd name="connsiteX12" fmla="*/ 7789089 w 7821919"/>
-              <a:gd name="connsiteY12" fmla="*/ 4759152 h 6858000"/>
-              <a:gd name="connsiteX13" fmla="*/ 7821919 w 7821919"/>
-              <a:gd name="connsiteY13" fmla="*/ 4762461 h 6858000"/>
-              <a:gd name="connsiteX14" fmla="*/ 7809638 w 7821919"/>
-              <a:gd name="connsiteY14" fmla="*/ 4785088 h 6858000"/>
-              <a:gd name="connsiteX15" fmla="*/ 7794661 w 7821919"/>
-              <a:gd name="connsiteY15" fmla="*/ 4833335 h 6858000"/>
-              <a:gd name="connsiteX16" fmla="*/ 7524776 w 7821919"/>
-              <a:gd name="connsiteY16" fmla="*/ 4917113 h 6858000"/>
-              <a:gd name="connsiteX17" fmla="*/ 6642110 w 7821919"/>
-              <a:gd name="connsiteY17" fmla="*/ 6248746 h 6858000"/>
-              <a:gd name="connsiteX18" fmla="*/ 6755682 w 7821919"/>
-              <a:gd name="connsiteY18" fmla="*/ 6811285 h 6858000"/>
-              <a:gd name="connsiteX19" fmla="*/ 6778185 w 7821919"/>
-              <a:gd name="connsiteY19" fmla="*/ 6858000 h 6858000"/>
-              <a:gd name="connsiteX20" fmla="*/ 0 w 7821919"/>
-              <a:gd name="connsiteY20" fmla="*/ 6858000 h 6858000"/>
-            </a:gdLst>
-            <a:ahLst/>
-            <a:cxnLst>
-              <a:cxn ang="0">
-                <a:pos x="connsiteX0" y="connsiteY0"/>
-              </a:cxn>
-              <a:cxn ang="0">
-                <a:pos x="connsiteX1" y="connsiteY1"/>
-              </a:cxn>
-              <a:cxn ang="0">
-                <a:pos x="connsiteX2" y="connsiteY2"/>
-              </a:cxn>
-              <a:cxn ang="0">
-                <a:pos x="connsiteX3" y="connsiteY3"/>
-              </a:cxn>
-              <a:cxn ang="0">
-                <a:pos x="connsiteX4" y="connsiteY4"/>
-              </a:cxn>
-              <a:cxn ang="0">
-                <a:pos x="connsiteX5" y="connsiteY5"/>
-              </a:cxn>
-              <a:cxn ang="0">
-                <a:pos x="connsiteX6" y="connsiteY6"/>
-              </a:cxn>
-              <a:cxn ang="0">
-                <a:pos x="connsiteX7" y="connsiteY7"/>
-              </a:cxn>
-              <a:cxn ang="0">
-                <a:pos x="connsiteX8" y="connsiteY8"/>
-              </a:cxn>
-              <a:cxn ang="0">
-                <a:pos x="connsiteX9" y="connsiteY9"/>
-              </a:cxn>
-              <a:cxn ang="0">
-                <a:pos x="connsiteX10" y="connsiteY10"/>
-              </a:cxn>
-              <a:cxn ang="0">
-                <a:pos x="connsiteX11" y="connsiteY11"/>
-              </a:cxn>
-              <a:cxn ang="0">
-                <a:pos x="connsiteX12" y="connsiteY12"/>
-              </a:cxn>
-              <a:cxn ang="0">
-                <a:pos x="connsiteX13" y="connsiteY13"/>
-              </a:cxn>
-              <a:cxn ang="0">
-                <a:pos x="connsiteX14" y="connsiteY14"/>
-              </a:cxn>
-              <a:cxn ang="0">
-                <a:pos x="connsiteX15" y="connsiteY15"/>
-              </a:cxn>
-              <a:cxn ang="0">
-                <a:pos x="connsiteX16" y="connsiteY16"/>
-              </a:cxn>
-              <a:cxn ang="0">
-                <a:pos x="connsiteX17" y="connsiteY17"/>
-              </a:cxn>
-              <a:cxn ang="0">
-                <a:pos x="connsiteX18" y="connsiteY18"/>
-              </a:cxn>
-              <a:cxn ang="0">
-                <a:pos x="connsiteX19" y="connsiteY19"/>
-              </a:cxn>
-              <a:cxn ang="0">
-                <a:pos x="connsiteX20" y="connsiteY20"/>
-              </a:cxn>
-            </a:cxnLst>
-            <a:rect l="l" t="t" r="r" b="b"/>
-            <a:pathLst>
-              <a:path w="7821919" h="6858000">
-                <a:moveTo>
-                  <a:pt x="0" y="0"/>
-                </a:moveTo>
-                <a:lnTo>
-                  <a:pt x="6983367" y="0"/>
-                </a:lnTo>
-                <a:lnTo>
-                  <a:pt x="6982269" y="1331"/>
-                </a:lnTo>
-                <a:cubicBezTo>
-                  <a:pt x="6888522" y="140095"/>
-                  <a:pt x="6833782" y="307376"/>
-                  <a:pt x="6833782" y="487443"/>
-                </a:cubicBezTo>
-                <a:cubicBezTo>
-                  <a:pt x="6833782" y="547466"/>
-                  <a:pt x="6839864" y="606067"/>
-                  <a:pt x="6851446" y="662666"/>
-                </a:cubicBezTo>
-                <a:lnTo>
-                  <a:pt x="6857532" y="686333"/>
-                </a:lnTo>
-                <a:lnTo>
-                  <a:pt x="6806927" y="699345"/>
-                </a:lnTo>
-                <a:cubicBezTo>
-                  <a:pt x="6081835" y="924872"/>
-                  <a:pt x="5555365" y="1601212"/>
-                  <a:pt x="5555365" y="2400515"/>
-                </a:cubicBezTo>
-                <a:cubicBezTo>
-                  <a:pt x="5555365" y="3384273"/>
-                  <a:pt x="6352859" y="4181767"/>
-                  <a:pt x="7336617" y="4181767"/>
-                </a:cubicBezTo>
-                <a:lnTo>
-                  <a:pt x="7452815" y="4175900"/>
-                </a:lnTo>
-                <a:lnTo>
-                  <a:pt x="7437456" y="4225378"/>
-                </a:lnTo>
-                <a:cubicBezTo>
-                  <a:pt x="7431436" y="4254794"/>
-                  <a:pt x="7428275" y="4285252"/>
-                  <a:pt x="7428275" y="4316448"/>
-                </a:cubicBezTo>
-                <a:cubicBezTo>
-                  <a:pt x="7428275" y="4534821"/>
-                  <a:pt x="7583172" y="4717015"/>
-                  <a:pt x="7789089" y="4759152"/>
-                </a:cubicBezTo>
-                <a:lnTo>
-                  <a:pt x="7821919" y="4762461"/>
-                </a:lnTo>
-                <a:lnTo>
-                  <a:pt x="7809638" y="4785088"/>
-                </a:lnTo>
-                <a:lnTo>
-                  <a:pt x="7794661" y="4833335"/>
-                </a:lnTo>
-                <a:lnTo>
-                  <a:pt x="7524776" y="4917113"/>
-                </a:lnTo>
-                <a:cubicBezTo>
-                  <a:pt x="7006070" y="5136507"/>
-                  <a:pt x="6642110" y="5650122"/>
-                  <a:pt x="6642110" y="6248746"/>
-                </a:cubicBezTo>
-                <a:cubicBezTo>
-                  <a:pt x="6642110" y="6448287"/>
-                  <a:pt x="6682550" y="6638383"/>
-                  <a:pt x="6755682" y="6811285"/>
-                </a:cubicBezTo>
-                <a:lnTo>
-                  <a:pt x="6778185" y="6858000"/>
-                </a:lnTo>
-                <a:lnTo>
-                  <a:pt x="0" y="6858000"/>
-                </a:lnTo>
-                <a:close/>
-              </a:path>
-            </a:pathLst>
-          </a:custGeom>
-          <a:gradFill>
-            <a:gsLst>
-              <a:gs pos="25000">
-                <a:schemeClr val="accent1">
-                  <a:alpha val="0"/>
-                </a:schemeClr>
-              </a:gs>
-              <a:gs pos="100000">
-                <a:schemeClr val="accent1">
-                  <a:alpha val="75000"/>
-                </a:schemeClr>
-              </a:gs>
-            </a:gsLst>
-            <a:lin ang="10800000" scaled="1"/>
-          </a:gradFill>
+        </p:nvPicPr>
+        <p:blipFill>
+          <a:blip r:embed="rId4">
+            <a:alphaModFix/>
+            <a:extLst>
+              <a:ext uri="{28A0092B-C50C-407E-A947-70E740481C1C}">
+                <a14:useLocalDpi xmlns:a14="http://schemas.microsoft.com/office/drawing/2010/main" val="0"/>
+              </a:ext>
+            </a:extLst>
+          </a:blip>
+          <a:stretch>
+            <a:fillRect/>
+          </a:stretch>
+        </p:blipFill>
+        <p:spPr>
+          <a:xfrm>
+            <a:off x="0" y="0"/>
+            <a:ext cx="12189867" cy="6858000"/>
+          </a:xfrm>
+          <a:prstGeom prst="rect">
+            <a:avLst/>
+          </a:prstGeom>
+        </p:spPr>
+      </p:pic>
+      <p:sp>
+        <p:nvSpPr>
+          <p:cNvPr id="77" name="Rectangle 76">
+            <a:extLst>
+              <a:ext uri="{FF2B5EF4-FFF2-40B4-BE49-F238E27FC236}">
+                <a16:creationId xmlns:a16="http://schemas.microsoft.com/office/drawing/2014/main" id="{D8887E40-5A0B-4897-80F0-0BAFAAB61CF9}"/>
+              </a:ext>
+              <a:ext uri="{C183D7F6-B498-43B3-948B-1728B52AA6E4}">
+                <adec:decorative xmlns:adec="http://schemas.microsoft.com/office/drawing/2017/decorative" val="1"/>
+              </a:ext>
+            </a:extLst>
+          </p:cNvPr>
+          <p:cNvSpPr>
+            <a:spLocks noGrp="1" noRot="1" noChangeAspect="1" noMove="1" noResize="1" noEditPoints="1" noAdjustHandles="1" noChangeArrowheads="1" noChangeShapeType="1" noTextEdit="1"/>
+          </p:cNvSpPr>
+          <p:nvPr>
+            <p:extLst>
+              <p:ext uri="{386F3935-93C4-4BCD-93E2-E3B085C9AB24}">
+                <p16:designElem xmlns:p16="http://schemas.microsoft.com/office/powerpoint/2015/main" val="1"/>
+              </p:ext>
+            </p:extLst>
+          </p:nvPr>
+        </p:nvSpPr>
+        <p:spPr>
+          <a:xfrm>
+            <a:off x="0" y="0"/>
+            <a:ext cx="964174" cy="6858000"/>
+          </a:xfrm>
+          <a:prstGeom prst="rect">
+            <a:avLst/>
+          </a:prstGeom>
+          <a:solidFill>
+            <a:schemeClr val="bg2"/>
+          </a:solidFill>
           <a:ln>
             <a:noFill/>
           </a:ln>
@@ -4869,22 +4706,30 @@
             <a:schemeClr val="lt1"/>
           </a:fontRef>
         </p:style>
-      </p:sp>
-      <p:pic>
-        <p:nvPicPr>
-          <p:cNvPr id="14" name="Picture 13">
+        <p:txBody>
+          <a:bodyPr rtlCol="0" anchor="ctr"/>
+          <a:lstStyle/>
+          <a:p>
+            <a:pPr algn="ctr"/>
+            <a:endParaRPr lang="en-US"/>
+          </a:p>
+        </p:txBody>
+      </p:sp>
+      <p:sp>
+        <p:nvSpPr>
+          <p:cNvPr id="79" name="Rectangle 78">
             <a:extLst>
               <a:ext uri="{FF2B5EF4-FFF2-40B4-BE49-F238E27FC236}">
-                <a16:creationId xmlns:a16="http://schemas.microsoft.com/office/drawing/2014/main" id="{7185CF21-0594-48C0-9F3E-254D6BCE9D9B}"/>
+                <a16:creationId xmlns:a16="http://schemas.microsoft.com/office/drawing/2014/main" id="{92E3B1B6-DAAA-408B-A99C-2A7EE0409A7D}"/>
               </a:ext>
               <a:ext uri="{C183D7F6-B498-43B3-948B-1728B52AA6E4}">
                 <adec:decorative xmlns:adec="http://schemas.microsoft.com/office/drawing/2017/decorative" val="1"/>
               </a:ext>
             </a:extLst>
           </p:cNvPr>
-          <p:cNvPicPr>
-            <a:picLocks noGrp="1" noRot="1" noChangeAspect="1" noMove="1" noResize="1" noEditPoints="1" noAdjustHandles="1" noChangeArrowheads="1" noChangeShapeType="1" noCrop="1"/>
-          </p:cNvPicPr>
+          <p:cNvSpPr>
+            <a:spLocks noGrp="1" noRot="1" noChangeAspect="1" noMove="1" noResize="1" noEditPoints="1" noAdjustHandles="1" noChangeArrowheads="1" noChangeShapeType="1" noTextEdit="1"/>
+          </p:cNvSpPr>
           <p:nvPr>
             <p:extLst>
               <p:ext uri="{386F3935-93C4-4BCD-93E2-E3B085C9AB24}">
@@ -4892,65 +4737,17 @@
               </p:ext>
             </p:extLst>
           </p:nvPr>
-        </p:nvPicPr>
-        <p:blipFill>
-          <a:blip r:embed="rId4">
-            <a:extLst>
-              <a:ext uri="{28A0092B-C50C-407E-A947-70E740481C1C}">
-                <a14:useLocalDpi xmlns:a14="http://schemas.microsoft.com/office/drawing/2010/main" val="0"/>
-              </a:ext>
-            </a:extLst>
-          </a:blip>
-          <a:stretch>
-            <a:fillRect/>
-          </a:stretch>
-        </p:blipFill>
-        <p:spPr>
-          <a:xfrm>
-            <a:off x="45489" y="-5487"/>
-            <a:ext cx="12189867" cy="6858000"/>
-          </a:xfrm>
-          <a:prstGeom prst="rect">
-            <a:avLst/>
-          </a:prstGeom>
-        </p:spPr>
-      </p:pic>
-      <p:sp>
-        <p:nvSpPr>
-          <p:cNvPr id="16" name="Rectangle 15">
-            <a:extLst>
-              <a:ext uri="{FF2B5EF4-FFF2-40B4-BE49-F238E27FC236}">
-                <a16:creationId xmlns:a16="http://schemas.microsoft.com/office/drawing/2014/main" id="{A0B5529D-5CAA-4BF2-B5C9-34705E7661F9}"/>
-              </a:ext>
-              <a:ext uri="{C183D7F6-B498-43B3-948B-1728B52AA6E4}">
-                <adec:decorative xmlns:adec="http://schemas.microsoft.com/office/drawing/2017/decorative" val="1"/>
-              </a:ext>
-            </a:extLst>
-          </p:cNvPr>
-          <p:cNvSpPr>
-            <a:spLocks noGrp="1" noRot="1" noChangeAspect="1" noMove="1" noResize="1" noEditPoints="1" noAdjustHandles="1" noChangeArrowheads="1" noChangeShapeType="1" noTextEdit="1"/>
-          </p:cNvSpPr>
-          <p:nvPr>
-            <p:extLst>
-              <p:ext uri="{386F3935-93C4-4BCD-93E2-E3B085C9AB24}">
-                <p16:designElem xmlns:p16="http://schemas.microsoft.com/office/powerpoint/2015/main" val="1"/>
-              </p:ext>
-            </p:extLst>
-          </p:nvPr>
-        </p:nvSpPr>
-        <p:spPr>
-          <a:xfrm>
-            <a:off x="0" y="0"/>
-            <a:ext cx="959909" cy="6858000"/>
+        </p:nvSpPr>
+        <p:spPr>
+          <a:xfrm>
+            <a:off x="962042" y="0"/>
+            <a:ext cx="45719" cy="6858000"/>
           </a:xfrm>
           <a:prstGeom prst="rect">
             <a:avLst/>
           </a:prstGeom>
           <a:solidFill>
-            <a:schemeClr val="bg2">
-              <a:lumMod val="90000"/>
-              <a:lumOff val="10000"/>
-            </a:schemeClr>
+            <a:schemeClr val="accent6"/>
           </a:solidFill>
           <a:ln>
             <a:noFill/>
@@ -4972,13 +4769,21 @@
             <a:schemeClr val="lt1"/>
           </a:fontRef>
         </p:style>
-      </p:sp>
-      <p:sp>
-        <p:nvSpPr>
-          <p:cNvPr id="18" name="Freeform: Shape 17">
+        <p:txBody>
+          <a:bodyPr rtlCol="0" anchor="ctr"/>
+          <a:lstStyle/>
+          <a:p>
+            <a:pPr algn="ctr"/>
+            <a:endParaRPr lang="en-US"/>
+          </a:p>
+        </p:txBody>
+      </p:sp>
+      <p:sp>
+        <p:nvSpPr>
+          <p:cNvPr id="81" name="Rectangle 80">
             <a:extLst>
               <a:ext uri="{FF2B5EF4-FFF2-40B4-BE49-F238E27FC236}">
-                <a16:creationId xmlns:a16="http://schemas.microsoft.com/office/drawing/2014/main" id="{FBD68200-BC03-4015-860B-CD5C30CD76B8}"/>
+                <a16:creationId xmlns:a16="http://schemas.microsoft.com/office/drawing/2014/main" id="{7A72B882-D016-4849-AF04-88E39D13AC52}"/>
               </a:ext>
               <a:ext uri="{C183D7F6-B498-43B3-948B-1728B52AA6E4}">
                 <adec:decorative xmlns:adec="http://schemas.microsoft.com/office/drawing/2017/decorative" val="1"/>
@@ -4998,225 +4803,17 @@
         </p:nvSpPr>
         <p:spPr>
           <a:xfrm>
-            <a:off x="959910" y="0"/>
-            <a:ext cx="7869544" cy="6858000"/>
-          </a:xfrm>
-          <a:custGeom>
-            <a:avLst/>
-            <a:gdLst>
-              <a:gd name="connsiteX0" fmla="*/ 0 w 7821919"/>
-              <a:gd name="connsiteY0" fmla="*/ 0 h 6858000"/>
-              <a:gd name="connsiteX1" fmla="*/ 6983367 w 7821919"/>
-              <a:gd name="connsiteY1" fmla="*/ 0 h 6858000"/>
-              <a:gd name="connsiteX2" fmla="*/ 6982269 w 7821919"/>
-              <a:gd name="connsiteY2" fmla="*/ 1331 h 6858000"/>
-              <a:gd name="connsiteX3" fmla="*/ 6833782 w 7821919"/>
-              <a:gd name="connsiteY3" fmla="*/ 487443 h 6858000"/>
-              <a:gd name="connsiteX4" fmla="*/ 6851446 w 7821919"/>
-              <a:gd name="connsiteY4" fmla="*/ 662666 h 6858000"/>
-              <a:gd name="connsiteX5" fmla="*/ 6857532 w 7821919"/>
-              <a:gd name="connsiteY5" fmla="*/ 686333 h 6858000"/>
-              <a:gd name="connsiteX6" fmla="*/ 6806927 w 7821919"/>
-              <a:gd name="connsiteY6" fmla="*/ 699345 h 6858000"/>
-              <a:gd name="connsiteX7" fmla="*/ 5555365 w 7821919"/>
-              <a:gd name="connsiteY7" fmla="*/ 2400515 h 6858000"/>
-              <a:gd name="connsiteX8" fmla="*/ 7336617 w 7821919"/>
-              <a:gd name="connsiteY8" fmla="*/ 4181767 h 6858000"/>
-              <a:gd name="connsiteX9" fmla="*/ 7452815 w 7821919"/>
-              <a:gd name="connsiteY9" fmla="*/ 4175900 h 6858000"/>
-              <a:gd name="connsiteX10" fmla="*/ 7437456 w 7821919"/>
-              <a:gd name="connsiteY10" fmla="*/ 4225378 h 6858000"/>
-              <a:gd name="connsiteX11" fmla="*/ 7428275 w 7821919"/>
-              <a:gd name="connsiteY11" fmla="*/ 4316448 h 6858000"/>
-              <a:gd name="connsiteX12" fmla="*/ 7789089 w 7821919"/>
-              <a:gd name="connsiteY12" fmla="*/ 4759152 h 6858000"/>
-              <a:gd name="connsiteX13" fmla="*/ 7821919 w 7821919"/>
-              <a:gd name="connsiteY13" fmla="*/ 4762461 h 6858000"/>
-              <a:gd name="connsiteX14" fmla="*/ 7809638 w 7821919"/>
-              <a:gd name="connsiteY14" fmla="*/ 4785088 h 6858000"/>
-              <a:gd name="connsiteX15" fmla="*/ 7794661 w 7821919"/>
-              <a:gd name="connsiteY15" fmla="*/ 4833335 h 6858000"/>
-              <a:gd name="connsiteX16" fmla="*/ 7524776 w 7821919"/>
-              <a:gd name="connsiteY16" fmla="*/ 4917113 h 6858000"/>
-              <a:gd name="connsiteX17" fmla="*/ 6642110 w 7821919"/>
-              <a:gd name="connsiteY17" fmla="*/ 6248746 h 6858000"/>
-              <a:gd name="connsiteX18" fmla="*/ 6755682 w 7821919"/>
-              <a:gd name="connsiteY18" fmla="*/ 6811285 h 6858000"/>
-              <a:gd name="connsiteX19" fmla="*/ 6778185 w 7821919"/>
-              <a:gd name="connsiteY19" fmla="*/ 6858000 h 6858000"/>
-              <a:gd name="connsiteX20" fmla="*/ 0 w 7821919"/>
-              <a:gd name="connsiteY20" fmla="*/ 6858000 h 6858000"/>
-            </a:gdLst>
-            <a:ahLst/>
-            <a:cxnLst>
-              <a:cxn ang="0">
-                <a:pos x="connsiteX0" y="connsiteY0"/>
-              </a:cxn>
-              <a:cxn ang="0">
-                <a:pos x="connsiteX1" y="connsiteY1"/>
-              </a:cxn>
-              <a:cxn ang="0">
-                <a:pos x="connsiteX2" y="connsiteY2"/>
-              </a:cxn>
-              <a:cxn ang="0">
-                <a:pos x="connsiteX3" y="connsiteY3"/>
-              </a:cxn>
-              <a:cxn ang="0">
-                <a:pos x="connsiteX4" y="connsiteY4"/>
-              </a:cxn>
-              <a:cxn ang="0">
-                <a:pos x="connsiteX5" y="connsiteY5"/>
-              </a:cxn>
-              <a:cxn ang="0">
-                <a:pos x="connsiteX6" y="connsiteY6"/>
-              </a:cxn>
-              <a:cxn ang="0">
-                <a:pos x="connsiteX7" y="connsiteY7"/>
-              </a:cxn>
-              <a:cxn ang="0">
-                <a:pos x="connsiteX8" y="connsiteY8"/>
-              </a:cxn>
-              <a:cxn ang="0">
-                <a:pos x="connsiteX9" y="connsiteY9"/>
-              </a:cxn>
-              <a:cxn ang="0">
-                <a:pos x="connsiteX10" y="connsiteY10"/>
-              </a:cxn>
-              <a:cxn ang="0">
-                <a:pos x="connsiteX11" y="connsiteY11"/>
-              </a:cxn>
-              <a:cxn ang="0">
-                <a:pos x="connsiteX12" y="connsiteY12"/>
-              </a:cxn>
-              <a:cxn ang="0">
-                <a:pos x="connsiteX13" y="connsiteY13"/>
-              </a:cxn>
-              <a:cxn ang="0">
-                <a:pos x="connsiteX14" y="connsiteY14"/>
-              </a:cxn>
-              <a:cxn ang="0">
-                <a:pos x="connsiteX15" y="connsiteY15"/>
-              </a:cxn>
-              <a:cxn ang="0">
-                <a:pos x="connsiteX16" y="connsiteY16"/>
-              </a:cxn>
-              <a:cxn ang="0">
-                <a:pos x="connsiteX17" y="connsiteY17"/>
-              </a:cxn>
-              <a:cxn ang="0">
-                <a:pos x="connsiteX18" y="connsiteY18"/>
-              </a:cxn>
-              <a:cxn ang="0">
-                <a:pos x="connsiteX19" y="connsiteY19"/>
-              </a:cxn>
-              <a:cxn ang="0">
-                <a:pos x="connsiteX20" y="connsiteY20"/>
-              </a:cxn>
-            </a:cxnLst>
-            <a:rect l="l" t="t" r="r" b="b"/>
-            <a:pathLst>
-              <a:path w="7821919" h="6858000">
-                <a:moveTo>
-                  <a:pt x="0" y="0"/>
-                </a:moveTo>
-                <a:lnTo>
-                  <a:pt x="6983367" y="0"/>
-                </a:lnTo>
-                <a:lnTo>
-                  <a:pt x="6982269" y="1331"/>
-                </a:lnTo>
-                <a:cubicBezTo>
-                  <a:pt x="6888522" y="140095"/>
-                  <a:pt x="6833782" y="307376"/>
-                  <a:pt x="6833782" y="487443"/>
-                </a:cubicBezTo>
-                <a:cubicBezTo>
-                  <a:pt x="6833782" y="547466"/>
-                  <a:pt x="6839864" y="606067"/>
-                  <a:pt x="6851446" y="662666"/>
-                </a:cubicBezTo>
-                <a:lnTo>
-                  <a:pt x="6857532" y="686333"/>
-                </a:lnTo>
-                <a:lnTo>
-                  <a:pt x="6806927" y="699345"/>
-                </a:lnTo>
-                <a:cubicBezTo>
-                  <a:pt x="6081835" y="924872"/>
-                  <a:pt x="5555365" y="1601212"/>
-                  <a:pt x="5555365" y="2400515"/>
-                </a:cubicBezTo>
-                <a:cubicBezTo>
-                  <a:pt x="5555365" y="3384273"/>
-                  <a:pt x="6352859" y="4181767"/>
-                  <a:pt x="7336617" y="4181767"/>
-                </a:cubicBezTo>
-                <a:lnTo>
-                  <a:pt x="7452815" y="4175900"/>
-                </a:lnTo>
-                <a:lnTo>
-                  <a:pt x="7437456" y="4225378"/>
-                </a:lnTo>
-                <a:cubicBezTo>
-                  <a:pt x="7431436" y="4254794"/>
-                  <a:pt x="7428275" y="4285252"/>
-                  <a:pt x="7428275" y="4316448"/>
-                </a:cubicBezTo>
-                <a:cubicBezTo>
-                  <a:pt x="7428275" y="4534821"/>
-                  <a:pt x="7583172" y="4717015"/>
-                  <a:pt x="7789089" y="4759152"/>
-                </a:cubicBezTo>
-                <a:lnTo>
-                  <a:pt x="7821919" y="4762461"/>
-                </a:lnTo>
-                <a:lnTo>
-                  <a:pt x="7809638" y="4785088"/>
-                </a:lnTo>
-                <a:lnTo>
-                  <a:pt x="7794661" y="4833335"/>
-                </a:lnTo>
-                <a:lnTo>
-                  <a:pt x="7524776" y="4917113"/>
-                </a:lnTo>
-                <a:cubicBezTo>
-                  <a:pt x="7006070" y="5136507"/>
-                  <a:pt x="6642110" y="5650122"/>
-                  <a:pt x="6642110" y="6248746"/>
-                </a:cubicBezTo>
-                <a:cubicBezTo>
-                  <a:pt x="6642110" y="6448287"/>
-                  <a:pt x="6682550" y="6638383"/>
-                  <a:pt x="6755682" y="6811285"/>
-                </a:cubicBezTo>
-                <a:lnTo>
-                  <a:pt x="6778185" y="6858000"/>
-                </a:lnTo>
-                <a:lnTo>
-                  <a:pt x="0" y="6858000"/>
-                </a:lnTo>
-                <a:close/>
-              </a:path>
-            </a:pathLst>
-          </a:custGeom>
-          <a:gradFill>
-            <a:gsLst>
-              <a:gs pos="25996">
-                <a:srgbClr val="1F2D29">
-                  <a:alpha val="4000"/>
-                </a:srgbClr>
-              </a:gs>
-              <a:gs pos="20000">
-                <a:schemeClr val="bg2">
-                  <a:alpha val="0"/>
-                </a:schemeClr>
-              </a:gs>
-              <a:gs pos="100000">
-                <a:schemeClr val="bg2"/>
-              </a:gs>
-            </a:gsLst>
-            <a:lin ang="10800000" scaled="1"/>
-          </a:gradFill>
+            <a:off x="1007533" y="0"/>
+            <a:ext cx="10378001" cy="6858000"/>
+          </a:xfrm>
+          <a:prstGeom prst="rect">
+            <a:avLst/>
+          </a:prstGeom>
+          <a:solidFill>
+            <a:schemeClr val="bg2">
+              <a:alpha val="92000"/>
+            </a:schemeClr>
+          </a:solidFill>
           <a:ln>
             <a:noFill/>
           </a:ln>
@@ -5237,13 +4834,102 @@
             <a:schemeClr val="lt1"/>
           </a:fontRef>
         </p:style>
-      </p:sp>
-      <p:sp>
-        <p:nvSpPr>
-          <p:cNvPr id="20" name="Oval 19">
+        <p:txBody>
+          <a:bodyPr rtlCol="0" anchor="ctr"/>
+          <a:lstStyle/>
+          <a:p>
+            <a:pPr algn="ctr"/>
+            <a:endParaRPr lang="en-US"/>
+          </a:p>
+        </p:txBody>
+      </p:sp>
+      <p:sp>
+        <p:nvSpPr>
+          <p:cNvPr id="2" name="Título 1">
             <a:extLst>
               <a:ext uri="{FF2B5EF4-FFF2-40B4-BE49-F238E27FC236}">
-                <a16:creationId xmlns:a16="http://schemas.microsoft.com/office/drawing/2014/main" id="{332A6F87-AC28-4AA8-B8A6-AEBC67BD0D64}"/>
+                <a16:creationId xmlns:a16="http://schemas.microsoft.com/office/drawing/2014/main" id="{012A1E87-7F93-41C2-B776-0320377121AD}"/>
+              </a:ext>
+            </a:extLst>
+          </p:cNvPr>
+          <p:cNvSpPr>
+            <a:spLocks noGrp="1"/>
+          </p:cNvSpPr>
+          <p:nvPr>
+            <p:ph type="ctrTitle"/>
+          </p:nvPr>
+        </p:nvSpPr>
+        <p:spPr>
+          <a:xfrm>
+            <a:off x="1976398" y="5166420"/>
+            <a:ext cx="8440564" cy="1045052"/>
+          </a:xfrm>
+        </p:spPr>
+        <p:txBody>
+          <a:bodyPr>
+            <a:normAutofit/>
+          </a:bodyPr>
+          <a:lstStyle/>
+          <a:p>
+            <a:r>
+              <a:rPr lang="pt-BR" sz="3400"/>
+              <a:t>Gerenciamento de projetos PMBOK</a:t>
+            </a:r>
+            <a:br>
+              <a:rPr lang="pt-BR" sz="3400"/>
+            </a:br>
+            <a:r>
+              <a:rPr lang="pt-BR" sz="3400"/>
+              <a:t>C.H.A</a:t>
+            </a:r>
+          </a:p>
+        </p:txBody>
+      </p:sp>
+      <p:sp>
+        <p:nvSpPr>
+          <p:cNvPr id="3" name="Subtítulo 2">
+            <a:extLst>
+              <a:ext uri="{FF2B5EF4-FFF2-40B4-BE49-F238E27FC236}">
+                <a16:creationId xmlns:a16="http://schemas.microsoft.com/office/drawing/2014/main" id="{C9BAC176-CE77-4135-B9C1-481974DD0797}"/>
+              </a:ext>
+            </a:extLst>
+          </p:cNvPr>
+          <p:cNvSpPr>
+            <a:spLocks noGrp="1"/>
+          </p:cNvSpPr>
+          <p:nvPr>
+            <p:ph type="subTitle" idx="1"/>
+          </p:nvPr>
+        </p:nvSpPr>
+        <p:spPr>
+          <a:xfrm>
+            <a:off x="2124907" y="4759126"/>
+            <a:ext cx="8292055" cy="404576"/>
+          </a:xfrm>
+        </p:spPr>
+        <p:txBody>
+          <a:bodyPr>
+            <a:normAutofit/>
+          </a:bodyPr>
+          <a:lstStyle/>
+          <a:p>
+            <a:r>
+              <a:rPr lang="pt-BR" b="1" i="1" u="sng" dirty="0">
+                <a:solidFill>
+                  <a:srgbClr val="C00000"/>
+                </a:solidFill>
+              </a:rPr>
+              <a:t>Para geração de trabalho e renda.</a:t>
+            </a:r>
+          </a:p>
+        </p:txBody>
+      </p:sp>
+      <p:sp>
+        <p:nvSpPr>
+          <p:cNvPr id="83" name="Rectangle 82">
+            <a:extLst>
+              <a:ext uri="{FF2B5EF4-FFF2-40B4-BE49-F238E27FC236}">
+                <a16:creationId xmlns:a16="http://schemas.microsoft.com/office/drawing/2014/main" id="{41FF9E96-6955-4599-A2D0-1FF57939CBA3}"/>
               </a:ext>
               <a:ext uri="{C183D7F6-B498-43B3-948B-1728B52AA6E4}">
                 <adec:decorative xmlns:adec="http://schemas.microsoft.com/office/drawing/2017/decorative" val="1"/>
@@ -5263,27 +4949,15 @@
         </p:nvSpPr>
         <p:spPr>
           <a:xfrm>
-            <a:off x="1547567" y="2282700"/>
-            <a:ext cx="967148" cy="967148"/>
-          </a:xfrm>
-          <a:prstGeom prst="ellipse">
-            <a:avLst/>
-          </a:prstGeom>
-          <a:gradFill>
-            <a:gsLst>
-              <a:gs pos="0">
-                <a:schemeClr val="bg2">
-                  <a:alpha val="0"/>
-                </a:schemeClr>
-              </a:gs>
-              <a:gs pos="100000">
-                <a:schemeClr val="accent1">
-                  <a:alpha val="21000"/>
-                </a:schemeClr>
-              </a:gs>
-            </a:gsLst>
-            <a:lin ang="10800000" scaled="1"/>
-          </a:gradFill>
+            <a:off x="1650531" y="647188"/>
+            <a:ext cx="9091538" cy="3297243"/>
+          </a:xfrm>
+          <a:prstGeom prst="rect">
+            <a:avLst/>
+          </a:prstGeom>
+          <a:solidFill>
+            <a:schemeClr val="tx1"/>
+          </a:solidFill>
           <a:ln>
             <a:noFill/>
           </a:ln>
@@ -5315,79 +4989,333 @@
       </p:sp>
       <p:sp>
         <p:nvSpPr>
-          <p:cNvPr id="2" name="Título 1">
+          <p:cNvPr id="85" name="Rectangle 84">
             <a:extLst>
               <a:ext uri="{FF2B5EF4-FFF2-40B4-BE49-F238E27FC236}">
-                <a16:creationId xmlns:a16="http://schemas.microsoft.com/office/drawing/2014/main" id="{012A1E87-7F93-41C2-B776-0320377121AD}"/>
+                <a16:creationId xmlns:a16="http://schemas.microsoft.com/office/drawing/2014/main" id="{A15CFF31-2A56-4E24-9263-DC4342144D06}"/>
+              </a:ext>
+              <a:ext uri="{C183D7F6-B498-43B3-948B-1728B52AA6E4}">
+                <adec:decorative xmlns:adec="http://schemas.microsoft.com/office/drawing/2017/decorative" val="1"/>
               </a:ext>
             </a:extLst>
           </p:cNvPr>
           <p:cNvSpPr>
-            <a:spLocks noGrp="1"/>
-          </p:cNvSpPr>
-          <p:nvPr>
-            <p:ph type="ctrTitle"/>
-          </p:nvPr>
-        </p:nvSpPr>
-        <p:spPr>
-          <a:xfrm>
-            <a:off x="1003265" y="-10974"/>
-            <a:ext cx="7369642" cy="3608480"/>
-          </a:xfrm>
-        </p:spPr>
-        <p:txBody>
-          <a:bodyPr>
-            <a:normAutofit fontScale="90000"/>
+            <a:spLocks noGrp="1" noRot="1" noChangeAspect="1" noMove="1" noResize="1" noEditPoints="1" noAdjustHandles="1" noChangeArrowheads="1" noChangeShapeType="1" noTextEdit="1"/>
+          </p:cNvSpPr>
+          <p:nvPr>
+            <p:extLst>
+              <p:ext uri="{386F3935-93C4-4BCD-93E2-E3B085C9AB24}">
+                <p16:designElem xmlns:p16="http://schemas.microsoft.com/office/powerpoint/2015/main" val="1"/>
+              </p:ext>
+            </p:extLst>
+          </p:nvPr>
+        </p:nvSpPr>
+        <p:spPr>
+          <a:xfrm>
+            <a:off x="1882966" y="888935"/>
+            <a:ext cx="8613076" cy="2818547"/>
+          </a:xfrm>
+          <a:prstGeom prst="rect">
+            <a:avLst/>
+          </a:prstGeom>
+          <a:noFill/>
+          <a:ln w="9525">
+            <a:solidFill>
+              <a:schemeClr val="accent6">
+                <a:lumMod val="60000"/>
+                <a:lumOff val="40000"/>
+                <a:alpha val="80000"/>
+              </a:schemeClr>
+            </a:solidFill>
+          </a:ln>
+        </p:spPr>
+        <p:style>
+          <a:lnRef idx="2">
+            <a:schemeClr val="accent1">
+              <a:shade val="50000"/>
+            </a:schemeClr>
+          </a:lnRef>
+          <a:fillRef idx="1">
+            <a:schemeClr val="accent1"/>
+          </a:fillRef>
+          <a:effectRef idx="0">
+            <a:schemeClr val="accent1"/>
+          </a:effectRef>
+          <a:fontRef idx="minor">
+            <a:schemeClr val="lt1"/>
+          </a:fontRef>
+        </p:style>
+        <p:txBody>
+          <a:bodyPr rtlCol="0" anchor="ctr"/>
+          <a:lstStyle/>
+          <a:p>
+            <a:pPr algn="ctr"/>
+            <a:endParaRPr lang="en-US"/>
+          </a:p>
+        </p:txBody>
+      </p:sp>
+      <p:sp>
+        <p:nvSpPr>
+          <p:cNvPr id="87" name="Rectangle 86">
+            <a:extLst>
+              <a:ext uri="{FF2B5EF4-FFF2-40B4-BE49-F238E27FC236}">
+                <a16:creationId xmlns:a16="http://schemas.microsoft.com/office/drawing/2014/main" id="{8F8907EB-52AA-4516-BC6A-7861CE0774DC}"/>
+              </a:ext>
+              <a:ext uri="{C183D7F6-B498-43B3-948B-1728B52AA6E4}">
+                <adec:decorative xmlns:adec="http://schemas.microsoft.com/office/drawing/2017/decorative" val="1"/>
+              </a:ext>
+            </a:extLst>
+          </p:cNvPr>
+          <p:cNvSpPr>
+            <a:spLocks noGrp="1" noRot="1" noChangeAspect="1" noMove="1" noResize="1" noEditPoints="1" noAdjustHandles="1" noChangeArrowheads="1" noChangeShapeType="1" noTextEdit="1"/>
+          </p:cNvSpPr>
+          <p:nvPr>
+            <p:extLst>
+              <p:ext uri="{386F3935-93C4-4BCD-93E2-E3B085C9AB24}">
+                <p16:designElem xmlns:p16="http://schemas.microsoft.com/office/powerpoint/2015/main" val="1"/>
+              </p:ext>
+            </p:extLst>
+          </p:nvPr>
+        </p:nvSpPr>
+        <p:spPr>
+          <a:xfrm>
+            <a:off x="11387666" y="-2718"/>
+            <a:ext cx="27432" cy="6858000"/>
+          </a:xfrm>
+          <a:prstGeom prst="rect">
+            <a:avLst/>
+          </a:prstGeom>
+          <a:solidFill>
+            <a:schemeClr val="accent6"/>
+          </a:solidFill>
+          <a:ln>
+            <a:noFill/>
+          </a:ln>
+        </p:spPr>
+        <p:style>
+          <a:lnRef idx="2">
+            <a:schemeClr val="accent1">
+              <a:shade val="50000"/>
+            </a:schemeClr>
+          </a:lnRef>
+          <a:fillRef idx="1">
+            <a:schemeClr val="accent1"/>
+          </a:fillRef>
+          <a:effectRef idx="0">
+            <a:schemeClr val="accent1"/>
+          </a:effectRef>
+          <a:fontRef idx="minor">
+            <a:schemeClr val="lt1"/>
+          </a:fontRef>
+        </p:style>
+        <p:txBody>
+          <a:bodyPr rtlCol="0" anchor="ctr"/>
+          <a:lstStyle/>
+          <a:p>
+            <a:pPr algn="ctr"/>
+            <a:endParaRPr lang="en-US"/>
+          </a:p>
+        </p:txBody>
+      </p:sp>
+      <p:sp>
+        <p:nvSpPr>
+          <p:cNvPr id="4" name="Triângulo isósceles 3">
+            <a:extLst>
+              <a:ext uri="{FF2B5EF4-FFF2-40B4-BE49-F238E27FC236}">
+                <a16:creationId xmlns:a16="http://schemas.microsoft.com/office/drawing/2014/main" id="{6C132AC4-DE30-4764-AB53-EAFDC4412F82}"/>
+              </a:ext>
+            </a:extLst>
+          </p:cNvPr>
+          <p:cNvSpPr/>
+          <p:nvPr/>
+        </p:nvSpPr>
+        <p:spPr>
+          <a:xfrm>
+            <a:off x="4633912" y="1245057"/>
+            <a:ext cx="2524125" cy="2459707"/>
+          </a:xfrm>
+          <a:prstGeom prst="triangle">
+            <a:avLst/>
+          </a:prstGeom>
+        </p:spPr>
+        <p:style>
+          <a:lnRef idx="2">
+            <a:schemeClr val="accent1">
+              <a:shade val="50000"/>
+            </a:schemeClr>
+          </a:lnRef>
+          <a:fillRef idx="1">
+            <a:schemeClr val="accent1"/>
+          </a:fillRef>
+          <a:effectRef idx="0">
+            <a:schemeClr val="accent1"/>
+          </a:effectRef>
+          <a:fontRef idx="minor">
+            <a:schemeClr val="lt1"/>
+          </a:fontRef>
+        </p:style>
+        <p:txBody>
+          <a:bodyPr rtlCol="0" anchor="ctr"/>
+          <a:lstStyle/>
+          <a:p>
+            <a:pPr algn="ctr"/>
+            <a:endParaRPr lang="pt-BR"/>
+          </a:p>
+        </p:txBody>
+      </p:sp>
+      <p:sp>
+        <p:nvSpPr>
+          <p:cNvPr id="5" name="CaixaDeTexto 4">
+            <a:extLst>
+              <a:ext uri="{FF2B5EF4-FFF2-40B4-BE49-F238E27FC236}">
+                <a16:creationId xmlns:a16="http://schemas.microsoft.com/office/drawing/2014/main" id="{EE973EA3-1AC4-426D-951D-9D48D2E4E8BE}"/>
+              </a:ext>
+            </a:extLst>
+          </p:cNvPr>
+          <p:cNvSpPr txBox="1"/>
+          <p:nvPr/>
+        </p:nvSpPr>
+        <p:spPr>
+          <a:xfrm>
+            <a:off x="4937563" y="2536832"/>
+            <a:ext cx="1972207" cy="646331"/>
+          </a:xfrm>
+          <a:prstGeom prst="rect">
+            <a:avLst/>
+          </a:prstGeom>
+          <a:noFill/>
+        </p:spPr>
+        <p:txBody>
+          <a:bodyPr wrap="square" rtlCol="0">
+            <a:spAutoFit/>
           </a:bodyPr>
           <a:lstStyle/>
           <a:p>
-            <a:pPr algn="l"/>
+            <a:pPr algn="ctr"/>
             <a:r>
-              <a:rPr lang="pt-BR" sz="8000" dirty="0"/>
-              <a:t>Gerenciamento de projetos PMBOK</a:t>
+              <a:rPr lang="pt-BR" dirty="0">
+                <a:solidFill>
+                  <a:srgbClr val="FF0000"/>
+                </a:solidFill>
+              </a:rPr>
+              <a:t>Qualidade do projeto.</a:t>
             </a:r>
-            <a:br>
-              <a:rPr lang="pt-BR" sz="8000" dirty="0"/>
-            </a:br>
+          </a:p>
+        </p:txBody>
+      </p:sp>
+      <p:sp>
+        <p:nvSpPr>
+          <p:cNvPr id="6" name="CaixaDeTexto 5">
+            <a:extLst>
+              <a:ext uri="{FF2B5EF4-FFF2-40B4-BE49-F238E27FC236}">
+                <a16:creationId xmlns:a16="http://schemas.microsoft.com/office/drawing/2014/main" id="{8567C482-8EF5-4129-B0BF-5422D4BFF021}"/>
+              </a:ext>
+            </a:extLst>
+          </p:cNvPr>
+          <p:cNvSpPr txBox="1"/>
+          <p:nvPr/>
+        </p:nvSpPr>
+        <p:spPr>
+          <a:xfrm rot="17737106">
+            <a:off x="4583536" y="2213984"/>
+            <a:ext cx="1026780" cy="369332"/>
+          </a:xfrm>
+          <a:prstGeom prst="rect">
+            <a:avLst/>
+          </a:prstGeom>
+          <a:noFill/>
+        </p:spPr>
+        <p:txBody>
+          <a:bodyPr wrap="square" rtlCol="0">
+            <a:spAutoFit/>
+          </a:bodyPr>
+          <a:lstStyle/>
+          <a:p>
             <a:r>
-              <a:rPr lang="pt-BR" sz="8000" dirty="0"/>
-              <a:t>C.H.A</a:t>
+              <a:rPr lang="pt-BR" dirty="0">
+                <a:solidFill>
+                  <a:srgbClr val="C00000"/>
+                </a:solidFill>
+              </a:rPr>
+              <a:t>Tempo</a:t>
             </a:r>
           </a:p>
         </p:txBody>
       </p:sp>
       <p:sp>
         <p:nvSpPr>
-          <p:cNvPr id="3" name="Subtítulo 2">
+          <p:cNvPr id="7" name="CaixaDeTexto 6">
             <a:extLst>
               <a:ext uri="{FF2B5EF4-FFF2-40B4-BE49-F238E27FC236}">
-                <a16:creationId xmlns:a16="http://schemas.microsoft.com/office/drawing/2014/main" id="{C9BAC176-CE77-4135-B9C1-481974DD0797}"/>
+                <a16:creationId xmlns:a16="http://schemas.microsoft.com/office/drawing/2014/main" id="{471217E9-6770-4931-9B38-D67C04CB382F}"/>
               </a:ext>
             </a:extLst>
           </p:cNvPr>
-          <p:cNvSpPr>
-            <a:spLocks noGrp="1"/>
-          </p:cNvSpPr>
-          <p:nvPr>
-            <p:ph type="subTitle" idx="1"/>
-          </p:nvPr>
-        </p:nvSpPr>
-        <p:spPr>
-          <a:xfrm>
-            <a:off x="2037093" y="4009270"/>
-            <a:ext cx="6437630" cy="1335503"/>
-          </a:xfrm>
-        </p:spPr>
-        <p:txBody>
-          <a:bodyPr>
-            <a:normAutofit/>
+          <p:cNvSpPr txBox="1"/>
+          <p:nvPr/>
+        </p:nvSpPr>
+        <p:spPr>
+          <a:xfrm>
+            <a:off x="5418920" y="987752"/>
+            <a:ext cx="954107" cy="369332"/>
+          </a:xfrm>
+          <a:prstGeom prst="rect">
+            <a:avLst/>
+          </a:prstGeom>
+          <a:noFill/>
+        </p:spPr>
+        <p:txBody>
+          <a:bodyPr wrap="none" rtlCol="0">
+            <a:spAutoFit/>
           </a:bodyPr>
           <a:lstStyle/>
           <a:p>
-            <a:pPr algn="l"/>
             <a:r>
-              <a:rPr lang="pt-BR" sz="2800" dirty="0"/>
-              <a:t>Para geração de trabalho e renda.</a:t>
+              <a:rPr lang="pt-BR" dirty="0">
+                <a:solidFill>
+                  <a:srgbClr val="C00000"/>
+                </a:solidFill>
+              </a:rPr>
+              <a:t>Escopo</a:t>
+            </a:r>
+          </a:p>
+        </p:txBody>
+      </p:sp>
+      <p:sp>
+        <p:nvSpPr>
+          <p:cNvPr id="8" name="CaixaDeTexto 7">
+            <a:extLst>
+              <a:ext uri="{FF2B5EF4-FFF2-40B4-BE49-F238E27FC236}">
+                <a16:creationId xmlns:a16="http://schemas.microsoft.com/office/drawing/2014/main" id="{CFEF1B70-F864-4D1A-869D-8A0222ACE53D}"/>
+              </a:ext>
+            </a:extLst>
+          </p:cNvPr>
+          <p:cNvSpPr txBox="1"/>
+          <p:nvPr/>
+        </p:nvSpPr>
+        <p:spPr>
+          <a:xfrm rot="3803803">
+            <a:off x="6309637" y="2352833"/>
+            <a:ext cx="787395" cy="369332"/>
+          </a:xfrm>
+          <a:prstGeom prst="rect">
+            <a:avLst/>
+          </a:prstGeom>
+          <a:noFill/>
+        </p:spPr>
+        <p:txBody>
+          <a:bodyPr wrap="none" rtlCol="0">
+            <a:spAutoFit/>
+          </a:bodyPr>
+          <a:lstStyle/>
+          <a:p>
+            <a:r>
+              <a:rPr lang="pt-BR" dirty="0">
+                <a:solidFill>
+                  <a:srgbClr val="C00000"/>
+                </a:solidFill>
+              </a:rPr>
+              <a:t>Custo</a:t>
             </a:r>
           </a:p>
         </p:txBody>
@@ -5395,7 +5323,7 @@
     </p:spTree>
     <p:extLst>
       <p:ext uri="{BB962C8B-B14F-4D97-AF65-F5344CB8AC3E}">
-        <p14:creationId xmlns:p14="http://schemas.microsoft.com/office/powerpoint/2010/main" val="4212087550"/>
+        <p14:creationId xmlns:p14="http://schemas.microsoft.com/office/powerpoint/2010/main" val="696201144"/>
       </p:ext>
     </p:extLst>
   </p:cSld>
@@ -5570,21 +5498,21 @@
           <a:chExt cx="0" cy="0"/>
         </a:xfrm>
       </p:grpSpPr>
-      <p:sp useBgFill="1">
-        <p:nvSpPr>
-          <p:cNvPr id="71" name="Rectangle 70">
+      <p:pic>
+        <p:nvPicPr>
+          <p:cNvPr id="86" name="Picture 85">
             <a:extLst>
               <a:ext uri="{FF2B5EF4-FFF2-40B4-BE49-F238E27FC236}">
-                <a16:creationId xmlns:a16="http://schemas.microsoft.com/office/drawing/2014/main" id="{6784362B-1BC2-4D61-BBC1-75E5AFB9E53D}"/>
+                <a16:creationId xmlns:a16="http://schemas.microsoft.com/office/drawing/2014/main" id="{B1395C1E-2648-4FFC-AC7C-2C170835181E}"/>
               </a:ext>
               <a:ext uri="{C183D7F6-B498-43B3-948B-1728B52AA6E4}">
                 <adec:decorative xmlns:adec="http://schemas.microsoft.com/office/drawing/2017/decorative" val="1"/>
               </a:ext>
             </a:extLst>
           </p:cNvPr>
-          <p:cNvSpPr>
-            <a:spLocks noGrp="1" noRot="1" noChangeAspect="1" noMove="1" noResize="1" noEditPoints="1" noAdjustHandles="1" noChangeArrowheads="1" noChangeShapeType="1" noTextEdit="1"/>
-          </p:cNvSpPr>
+          <p:cNvPicPr>
+            <a:picLocks noGrp="1" noRot="1" noChangeAspect="1" noMove="1" noResize="1" noEditPoints="1" noAdjustHandles="1" noChangeArrowheads="1" noChangeShapeType="1" noCrop="1"/>
+          </p:cNvPicPr>
           <p:nvPr>
             <p:extLst>
               <p:ext uri="{386F3935-93C4-4BCD-93E2-E3B085C9AB24}">
@@ -5592,15 +5520,108 @@
               </p:ext>
             </p:extLst>
           </p:nvPr>
-        </p:nvSpPr>
+        </p:nvPicPr>
+        <p:blipFill>
+          <a:blip r:embed="rId3">
+            <a:extLst>
+              <a:ext uri="{28A0092B-C50C-407E-A947-70E740481C1C}">
+                <a14:useLocalDpi xmlns:a14="http://schemas.microsoft.com/office/drawing/2010/main" val="0"/>
+              </a:ext>
+            </a:extLst>
+          </a:blip>
+          <a:stretch>
+            <a:fillRect/>
+          </a:stretch>
+        </p:blipFill>
+        <p:spPr>
+          <a:xfrm>
+            <a:off x="2831794" y="2105202"/>
+            <a:ext cx="9360205" cy="4752798"/>
+          </a:xfrm>
+          <a:prstGeom prst="rect">
+            <a:avLst/>
+          </a:prstGeom>
+        </p:spPr>
+      </p:pic>
+      <p:pic>
+        <p:nvPicPr>
+          <p:cNvPr id="88" name="Picture 87">
+            <a:extLst>
+              <a:ext uri="{FF2B5EF4-FFF2-40B4-BE49-F238E27FC236}">
+                <a16:creationId xmlns:a16="http://schemas.microsoft.com/office/drawing/2014/main" id="{1C7379FE-10D6-4FEA-BEA3-5E2034A44C82}"/>
+              </a:ext>
+              <a:ext uri="{C183D7F6-B498-43B3-948B-1728B52AA6E4}">
+                <adec:decorative xmlns:adec="http://schemas.microsoft.com/office/drawing/2017/decorative" val="1"/>
+              </a:ext>
+            </a:extLst>
+          </p:cNvPr>
+          <p:cNvPicPr>
+            <a:picLocks noGrp="1" noRot="1" noChangeAspect="1" noMove="1" noResize="1" noEditPoints="1" noAdjustHandles="1" noChangeArrowheads="1" noChangeShapeType="1" noCrop="1"/>
+          </p:cNvPicPr>
+          <p:nvPr>
+            <p:extLst>
+              <p:ext uri="{386F3935-93C4-4BCD-93E2-E3B085C9AB24}">
+                <p16:designElem xmlns:p16="http://schemas.microsoft.com/office/powerpoint/2015/main" val="1"/>
+              </p:ext>
+            </p:extLst>
+          </p:nvPr>
+        </p:nvPicPr>
+        <p:blipFill>
+          <a:blip r:embed="rId4">
+            <a:extLst>
+              <a:ext uri="{28A0092B-C50C-407E-A947-70E740481C1C}">
+                <a14:useLocalDpi xmlns:a14="http://schemas.microsoft.com/office/drawing/2010/main" val="0"/>
+              </a:ext>
+            </a:extLst>
+          </a:blip>
+          <a:stretch>
+            <a:fillRect/>
+          </a:stretch>
+        </p:blipFill>
         <p:spPr>
           <a:xfrm>
             <a:off x="0" y="0"/>
-            <a:ext cx="12189867" cy="6855282"/>
-          </a:xfrm>
-          <a:prstGeom prst="rect">
-            <a:avLst/>
-          </a:prstGeom>
+            <a:ext cx="12189867" cy="6858000"/>
+          </a:xfrm>
+          <a:prstGeom prst="rect">
+            <a:avLst/>
+          </a:prstGeom>
+        </p:spPr>
+      </p:pic>
+      <p:sp>
+        <p:nvSpPr>
+          <p:cNvPr id="90" name="Rectangle 89">
+            <a:extLst>
+              <a:ext uri="{FF2B5EF4-FFF2-40B4-BE49-F238E27FC236}">
+                <a16:creationId xmlns:a16="http://schemas.microsoft.com/office/drawing/2014/main" id="{90FB7BFA-EBDD-467C-B253-EFA700504181}"/>
+              </a:ext>
+              <a:ext uri="{C183D7F6-B498-43B3-948B-1728B52AA6E4}">
+                <adec:decorative xmlns:adec="http://schemas.microsoft.com/office/drawing/2017/decorative" val="1"/>
+              </a:ext>
+            </a:extLst>
+          </p:cNvPr>
+          <p:cNvSpPr>
+            <a:spLocks noGrp="1" noRot="1" noChangeAspect="1" noMove="1" noResize="1" noEditPoints="1" noAdjustHandles="1" noChangeArrowheads="1" noChangeShapeType="1" noTextEdit="1"/>
+          </p:cNvSpPr>
+          <p:nvPr>
+            <p:extLst>
+              <p:ext uri="{386F3935-93C4-4BCD-93E2-E3B085C9AB24}">
+                <p16:designElem xmlns:p16="http://schemas.microsoft.com/office/powerpoint/2015/main" val="1"/>
+              </p:ext>
+            </p:extLst>
+          </p:nvPr>
+        </p:nvSpPr>
+        <p:spPr>
+          <a:xfrm>
+            <a:off x="0" y="0"/>
+            <a:ext cx="964174" cy="6858000"/>
+          </a:xfrm>
+          <a:prstGeom prst="rect">
+            <a:avLst/>
+          </a:prstGeom>
+          <a:solidFill>
+            <a:schemeClr val="bg2"/>
+          </a:solidFill>
           <a:ln>
             <a:noFill/>
           </a:ln>
@@ -5621,30 +5642,22 @@
             <a:schemeClr val="lt1"/>
           </a:fontRef>
         </p:style>
-        <p:txBody>
-          <a:bodyPr rtlCol="0" anchor="ctr"/>
-          <a:lstStyle/>
-          <a:p>
-            <a:pPr algn="ctr"/>
-            <a:endParaRPr lang="en-US"/>
-          </a:p>
-        </p:txBody>
-      </p:sp>
-      <p:pic>
-        <p:nvPicPr>
-          <p:cNvPr id="73" name="Picture 72">
+      </p:sp>
+      <p:sp>
+        <p:nvSpPr>
+          <p:cNvPr id="92" name="Rectangle 91">
             <a:extLst>
               <a:ext uri="{FF2B5EF4-FFF2-40B4-BE49-F238E27FC236}">
-                <a16:creationId xmlns:a16="http://schemas.microsoft.com/office/drawing/2014/main" id="{47FEC87D-B560-4AA1-90A4-F9F1D5A94522}"/>
+                <a16:creationId xmlns:a16="http://schemas.microsoft.com/office/drawing/2014/main" id="{23A9D773-2FA9-4E93-A01A-AEECF93EB47D}"/>
               </a:ext>
               <a:ext uri="{C183D7F6-B498-43B3-948B-1728B52AA6E4}">
                 <adec:decorative xmlns:adec="http://schemas.microsoft.com/office/drawing/2017/decorative" val="1"/>
               </a:ext>
             </a:extLst>
           </p:cNvPr>
-          <p:cNvPicPr>
-            <a:picLocks noGrp="1" noRot="1" noChangeAspect="1" noMove="1" noResize="1" noEditPoints="1" noAdjustHandles="1" noChangeArrowheads="1" noChangeShapeType="1" noCrop="1"/>
-          </p:cNvPicPr>
+          <p:cNvSpPr>
+            <a:spLocks noGrp="1" noRot="1" noChangeAspect="1" noMove="1" noResize="1" noEditPoints="1" noAdjustHandles="1" noChangeArrowheads="1" noChangeShapeType="1" noTextEdit="1"/>
+          </p:cNvSpPr>
           <p:nvPr>
             <p:extLst>
               <p:ext uri="{386F3935-93C4-4BCD-93E2-E3B085C9AB24}">
@@ -5652,108 +5665,17 @@
               </p:ext>
             </p:extLst>
           </p:nvPr>
-        </p:nvPicPr>
-        <p:blipFill>
-          <a:blip r:embed="rId3">
-            <a:extLst>
-              <a:ext uri="{28A0092B-C50C-407E-A947-70E740481C1C}">
-                <a14:useLocalDpi xmlns:a14="http://schemas.microsoft.com/office/drawing/2010/main" val="0"/>
-              </a:ext>
-            </a:extLst>
-          </a:blip>
-          <a:stretch>
-            <a:fillRect/>
-          </a:stretch>
-        </p:blipFill>
-        <p:spPr>
-          <a:xfrm>
-            <a:off x="2831794" y="2105202"/>
-            <a:ext cx="9360205" cy="4752798"/>
-          </a:xfrm>
-          <a:prstGeom prst="rect">
-            <a:avLst/>
-          </a:prstGeom>
-        </p:spPr>
-      </p:pic>
-      <p:pic>
-        <p:nvPicPr>
-          <p:cNvPr id="75" name="Picture 74">
-            <a:extLst>
-              <a:ext uri="{FF2B5EF4-FFF2-40B4-BE49-F238E27FC236}">
-                <a16:creationId xmlns:a16="http://schemas.microsoft.com/office/drawing/2014/main" id="{E9CBAC3D-8976-47FF-8E03-C8D4BDB35813}"/>
-              </a:ext>
-              <a:ext uri="{C183D7F6-B498-43B3-948B-1728B52AA6E4}">
-                <adec:decorative xmlns:adec="http://schemas.microsoft.com/office/drawing/2017/decorative" val="1"/>
-              </a:ext>
-            </a:extLst>
-          </p:cNvPr>
-          <p:cNvPicPr>
-            <a:picLocks noGrp="1" noRot="1" noChangeAspect="1" noMove="1" noResize="1" noEditPoints="1" noAdjustHandles="1" noChangeArrowheads="1" noChangeShapeType="1" noCrop="1"/>
-          </p:cNvPicPr>
-          <p:nvPr>
-            <p:extLst>
-              <p:ext uri="{386F3935-93C4-4BCD-93E2-E3B085C9AB24}">
-                <p16:designElem xmlns:p16="http://schemas.microsoft.com/office/powerpoint/2015/main" val="1"/>
-              </p:ext>
-            </p:extLst>
-          </p:nvPr>
-        </p:nvPicPr>
-        <p:blipFill>
-          <a:blip r:embed="rId4">
-            <a:alphaModFix/>
-            <a:extLst>
-              <a:ext uri="{28A0092B-C50C-407E-A947-70E740481C1C}">
-                <a14:useLocalDpi xmlns:a14="http://schemas.microsoft.com/office/drawing/2010/main" val="0"/>
-              </a:ext>
-            </a:extLst>
-          </a:blip>
-          <a:stretch>
-            <a:fillRect/>
-          </a:stretch>
-        </p:blipFill>
-        <p:spPr>
-          <a:xfrm>
-            <a:off x="0" y="0"/>
-            <a:ext cx="12189867" cy="6858000"/>
-          </a:xfrm>
-          <a:prstGeom prst="rect">
-            <a:avLst/>
-          </a:prstGeom>
-        </p:spPr>
-      </p:pic>
-      <p:sp>
-        <p:nvSpPr>
-          <p:cNvPr id="77" name="Rectangle 76">
-            <a:extLst>
-              <a:ext uri="{FF2B5EF4-FFF2-40B4-BE49-F238E27FC236}">
-                <a16:creationId xmlns:a16="http://schemas.microsoft.com/office/drawing/2014/main" id="{469431F3-C8DA-4F3D-BC23-56FBCBBB73A6}"/>
-              </a:ext>
-              <a:ext uri="{C183D7F6-B498-43B3-948B-1728B52AA6E4}">
-                <adec:decorative xmlns:adec="http://schemas.microsoft.com/office/drawing/2017/decorative" val="1"/>
-              </a:ext>
-            </a:extLst>
-          </p:cNvPr>
-          <p:cNvSpPr>
-            <a:spLocks noGrp="1" noRot="1" noChangeAspect="1" noMove="1" noResize="1" noEditPoints="1" noAdjustHandles="1" noChangeArrowheads="1" noChangeShapeType="1" noTextEdit="1"/>
-          </p:cNvSpPr>
-          <p:nvPr>
-            <p:extLst>
-              <p:ext uri="{386F3935-93C4-4BCD-93E2-E3B085C9AB24}">
-                <p16:designElem xmlns:p16="http://schemas.microsoft.com/office/powerpoint/2015/main" val="1"/>
-              </p:ext>
-            </p:extLst>
-          </p:nvPr>
-        </p:nvSpPr>
-        <p:spPr>
-          <a:xfrm>
-            <a:off x="0" y="0"/>
-            <a:ext cx="964174" cy="6858000"/>
+        </p:nvSpPr>
+        <p:spPr>
+          <a:xfrm>
+            <a:off x="962042" y="0"/>
+            <a:ext cx="45719" cy="6858000"/>
           </a:xfrm>
           <a:prstGeom prst="rect">
             <a:avLst/>
           </a:prstGeom>
           <a:solidFill>
-            <a:schemeClr val="bg2"/>
+            <a:schemeClr val="accent6"/>
           </a:solidFill>
           <a:ln>
             <a:noFill/>
@@ -5775,21 +5697,13 @@
             <a:schemeClr val="lt1"/>
           </a:fontRef>
         </p:style>
-        <p:txBody>
-          <a:bodyPr rtlCol="0" anchor="ctr"/>
-          <a:lstStyle/>
-          <a:p>
-            <a:pPr algn="ctr"/>
-            <a:endParaRPr lang="en-US"/>
-          </a:p>
-        </p:txBody>
-      </p:sp>
-      <p:sp>
-        <p:nvSpPr>
-          <p:cNvPr id="79" name="Rectangle 78">
+      </p:sp>
+      <p:sp>
+        <p:nvSpPr>
+          <p:cNvPr id="94" name="Rectangle 93">
             <a:extLst>
               <a:ext uri="{FF2B5EF4-FFF2-40B4-BE49-F238E27FC236}">
-                <a16:creationId xmlns:a16="http://schemas.microsoft.com/office/drawing/2014/main" id="{5A6FB8F0-8565-4EC3-917D-22A0CFB55CFF}"/>
+                <a16:creationId xmlns:a16="http://schemas.microsoft.com/office/drawing/2014/main" id="{D0A08A6F-C28D-4C68-9627-9B83F062FD65}"/>
               </a:ext>
               <a:ext uri="{C183D7F6-B498-43B3-948B-1728B52AA6E4}">
                 <adec:decorative xmlns:adec="http://schemas.microsoft.com/office/drawing/2017/decorative" val="1"/>
@@ -5809,8 +5723,8 @@
         </p:nvSpPr>
         <p:spPr>
           <a:xfrm>
-            <a:off x="4862940" y="0"/>
-            <a:ext cx="6524905" cy="6858000"/>
+            <a:off x="1004479" y="0"/>
+            <a:ext cx="10372316" cy="6858000"/>
           </a:xfrm>
           <a:prstGeom prst="rect">
             <a:avLst/>
@@ -5840,6 +5754,175 @@
             <a:schemeClr val="lt1"/>
           </a:fontRef>
         </p:style>
+      </p:sp>
+      <p:sp>
+        <p:nvSpPr>
+          <p:cNvPr id="96" name="Rectangle 95">
+            <a:extLst>
+              <a:ext uri="{FF2B5EF4-FFF2-40B4-BE49-F238E27FC236}">
+                <a16:creationId xmlns:a16="http://schemas.microsoft.com/office/drawing/2014/main" id="{D6DAD309-1212-498F-ABAD-388FFD322A8D}"/>
+              </a:ext>
+              <a:ext uri="{C183D7F6-B498-43B3-948B-1728B52AA6E4}">
+                <adec:decorative xmlns:adec="http://schemas.microsoft.com/office/drawing/2017/decorative" val="1"/>
+              </a:ext>
+            </a:extLst>
+          </p:cNvPr>
+          <p:cNvSpPr>
+            <a:spLocks noGrp="1" noRot="1" noChangeAspect="1" noMove="1" noResize="1" noEditPoints="1" noAdjustHandles="1" noChangeArrowheads="1" noChangeShapeType="1" noTextEdit="1"/>
+          </p:cNvSpPr>
+          <p:nvPr>
+            <p:extLst>
+              <p:ext uri="{386F3935-93C4-4BCD-93E2-E3B085C9AB24}">
+                <p16:designElem xmlns:p16="http://schemas.microsoft.com/office/powerpoint/2015/main" val="1"/>
+              </p:ext>
+            </p:extLst>
+          </p:nvPr>
+        </p:nvSpPr>
+        <p:spPr>
+          <a:xfrm>
+            <a:off x="11377328" y="0"/>
+            <a:ext cx="27432" cy="6858000"/>
+          </a:xfrm>
+          <a:prstGeom prst="rect">
+            <a:avLst/>
+          </a:prstGeom>
+          <a:solidFill>
+            <a:schemeClr val="accent6"/>
+          </a:solidFill>
+          <a:ln>
+            <a:noFill/>
+          </a:ln>
+        </p:spPr>
+        <p:style>
+          <a:lnRef idx="2">
+            <a:schemeClr val="accent1">
+              <a:shade val="50000"/>
+            </a:schemeClr>
+          </a:lnRef>
+          <a:fillRef idx="1">
+            <a:schemeClr val="accent1"/>
+          </a:fillRef>
+          <a:effectRef idx="0">
+            <a:schemeClr val="accent1"/>
+          </a:effectRef>
+          <a:fontRef idx="minor">
+            <a:schemeClr val="lt1"/>
+          </a:fontRef>
+        </p:style>
+      </p:sp>
+      <p:sp>
+        <p:nvSpPr>
+          <p:cNvPr id="98" name="TextBox 97">
+            <a:extLst>
+              <a:ext uri="{FF2B5EF4-FFF2-40B4-BE49-F238E27FC236}">
+                <a16:creationId xmlns:a16="http://schemas.microsoft.com/office/drawing/2014/main" id="{8F297EF4-1A36-4B32-9046-62BAFD8D81AA}"/>
+              </a:ext>
+              <a:ext uri="{C183D7F6-B498-43B3-948B-1728B52AA6E4}">
+                <adec:decorative xmlns:adec="http://schemas.microsoft.com/office/drawing/2017/decorative" val="1"/>
+              </a:ext>
+            </a:extLst>
+          </p:cNvPr>
+          <p:cNvSpPr txBox="1">
+            <a:spLocks noGrp="1" noRot="1" noChangeAspect="1" noMove="1" noResize="1" noEditPoints="1" noAdjustHandles="1" noChangeArrowheads="1" noChangeShapeType="1" noTextEdit="1"/>
+          </p:cNvSpPr>
+          <p:nvPr>
+            <p:extLst>
+              <p:ext uri="{386F3935-93C4-4BCD-93E2-E3B085C9AB24}">
+                <p16:designElem xmlns:p16="http://schemas.microsoft.com/office/powerpoint/2015/main" val="1"/>
+              </p:ext>
+            </p:extLst>
+          </p:nvPr>
+        </p:nvSpPr>
+        <p:spPr>
+          <a:xfrm>
+            <a:off x="2194943" y="641225"/>
+            <a:ext cx="415636" cy="369332"/>
+          </a:xfrm>
+          <a:prstGeom prst="rect">
+            <a:avLst/>
+          </a:prstGeom>
+          <a:noFill/>
+        </p:spPr>
+        <p:txBody>
+          <a:bodyPr wrap="square" rtlCol="0">
+            <a:spAutoFit/>
+          </a:bodyPr>
+          <a:lstStyle/>
+          <a:p>
+            <a:pPr algn="r">
+              <a:spcAft>
+                <a:spcPts val="600"/>
+              </a:spcAft>
+            </a:pPr>
+            <a:r>
+              <a:rPr lang="en-US" sz="1800" dirty="0">
+                <a:solidFill>
+                  <a:schemeClr val="accent6"/>
+                </a:solidFill>
+                <a:latin typeface="Wingdings 3" panose="05040102010807070707" pitchFamily="18" charset="2"/>
+              </a:rPr>
+              <a:t>z</a:t>
+            </a:r>
+            <a:endParaRPr lang="en-US" sz="1000" dirty="0">
+              <a:solidFill>
+                <a:schemeClr val="accent6"/>
+              </a:solidFill>
+              <a:latin typeface="MS Shell Dlg 2" panose="020B0604030504040204" pitchFamily="34" charset="0"/>
+            </a:endParaRPr>
+          </a:p>
+        </p:txBody>
+      </p:sp>
+      <p:sp useBgFill="1">
+        <p:nvSpPr>
+          <p:cNvPr id="100" name="Rectangle 99">
+            <a:extLst>
+              <a:ext uri="{FF2B5EF4-FFF2-40B4-BE49-F238E27FC236}">
+                <a16:creationId xmlns:a16="http://schemas.microsoft.com/office/drawing/2014/main" id="{5C20B5AE-2DF3-4293-AD4D-C11AD233A6B4}"/>
+              </a:ext>
+              <a:ext uri="{C183D7F6-B498-43B3-948B-1728B52AA6E4}">
+                <adec:decorative xmlns:adec="http://schemas.microsoft.com/office/drawing/2017/decorative" val="1"/>
+              </a:ext>
+            </a:extLst>
+          </p:cNvPr>
+          <p:cNvSpPr>
+            <a:spLocks noGrp="1" noRot="1" noChangeAspect="1" noMove="1" noResize="1" noEditPoints="1" noAdjustHandles="1" noChangeArrowheads="1" noChangeShapeType="1" noTextEdit="1"/>
+          </p:cNvSpPr>
+          <p:nvPr>
+            <p:extLst>
+              <p:ext uri="{386F3935-93C4-4BCD-93E2-E3B085C9AB24}">
+                <p16:designElem xmlns:p16="http://schemas.microsoft.com/office/powerpoint/2015/main" val="1"/>
+              </p:ext>
+            </p:extLst>
+          </p:nvPr>
+        </p:nvSpPr>
+        <p:spPr>
+          <a:xfrm>
+            <a:off x="0" y="0"/>
+            <a:ext cx="12189867" cy="6855282"/>
+          </a:xfrm>
+          <a:prstGeom prst="rect">
+            <a:avLst/>
+          </a:prstGeom>
+          <a:ln>
+            <a:noFill/>
+          </a:ln>
+        </p:spPr>
+        <p:style>
+          <a:lnRef idx="2">
+            <a:schemeClr val="accent1">
+              <a:shade val="50000"/>
+            </a:schemeClr>
+          </a:lnRef>
+          <a:fillRef idx="1">
+            <a:schemeClr val="accent1"/>
+          </a:fillRef>
+          <a:effectRef idx="0">
+            <a:schemeClr val="accent1"/>
+          </a:effectRef>
+          <a:fontRef idx="minor">
+            <a:schemeClr val="lt1"/>
+          </a:fontRef>
+        </p:style>
         <p:txBody>
           <a:bodyPr rtlCol="0" anchor="ctr"/>
           <a:lstStyle/>
@@ -5851,10 +5934,431 @@
       </p:sp>
       <p:pic>
         <p:nvPicPr>
-          <p:cNvPr id="1026" name="Picture 2" descr="Imagens de Ponto de interrogação, fotografias de stock Ponto de interrogação  | Depositphotos">
+          <p:cNvPr id="102" name="Picture 101">
             <a:extLst>
               <a:ext uri="{FF2B5EF4-FFF2-40B4-BE49-F238E27FC236}">
-                <a16:creationId xmlns:a16="http://schemas.microsoft.com/office/drawing/2014/main" id="{9250AD3A-B3BD-4C12-BF56-A3768F50287E}"/>
+                <a16:creationId xmlns:a16="http://schemas.microsoft.com/office/drawing/2014/main" id="{300F2A8D-0033-418D-871B-CD795773E1D5}"/>
+              </a:ext>
+              <a:ext uri="{C183D7F6-B498-43B3-948B-1728B52AA6E4}">
+                <adec:decorative xmlns:adec="http://schemas.microsoft.com/office/drawing/2017/decorative" val="1"/>
+              </a:ext>
+            </a:extLst>
+          </p:cNvPr>
+          <p:cNvPicPr>
+            <a:picLocks noGrp="1" noRot="1" noChangeAspect="1" noMove="1" noResize="1" noEditPoints="1" noAdjustHandles="1" noChangeArrowheads="1" noChangeShapeType="1" noCrop="1"/>
+          </p:cNvPicPr>
+          <p:nvPr>
+            <p:extLst>
+              <p:ext uri="{386F3935-93C4-4BCD-93E2-E3B085C9AB24}">
+                <p16:designElem xmlns:p16="http://schemas.microsoft.com/office/powerpoint/2015/main" val="1"/>
+              </p:ext>
+            </p:extLst>
+          </p:nvPr>
+        </p:nvPicPr>
+        <p:blipFill>
+          <a:blip r:embed="rId3">
+            <a:extLst>
+              <a:ext uri="{28A0092B-C50C-407E-A947-70E740481C1C}">
+                <a14:useLocalDpi xmlns:a14="http://schemas.microsoft.com/office/drawing/2010/main" val="0"/>
+              </a:ext>
+            </a:extLst>
+          </a:blip>
+          <a:stretch>
+            <a:fillRect/>
+          </a:stretch>
+        </p:blipFill>
+        <p:spPr>
+          <a:xfrm>
+            <a:off x="2831794" y="2105202"/>
+            <a:ext cx="9360205" cy="4752798"/>
+          </a:xfrm>
+          <a:prstGeom prst="rect">
+            <a:avLst/>
+          </a:prstGeom>
+        </p:spPr>
+      </p:pic>
+      <p:pic>
+        <p:nvPicPr>
+          <p:cNvPr id="104" name="Picture 103">
+            <a:extLst>
+              <a:ext uri="{FF2B5EF4-FFF2-40B4-BE49-F238E27FC236}">
+                <a16:creationId xmlns:a16="http://schemas.microsoft.com/office/drawing/2014/main" id="{C6EEF6DB-B22A-4752-AB3B-7D18C7B0C9BA}"/>
+              </a:ext>
+              <a:ext uri="{C183D7F6-B498-43B3-948B-1728B52AA6E4}">
+                <adec:decorative xmlns:adec="http://schemas.microsoft.com/office/drawing/2017/decorative" val="1"/>
+              </a:ext>
+            </a:extLst>
+          </p:cNvPr>
+          <p:cNvPicPr>
+            <a:picLocks noGrp="1" noRot="1" noChangeAspect="1" noMove="1" noResize="1" noEditPoints="1" noAdjustHandles="1" noChangeArrowheads="1" noChangeShapeType="1" noCrop="1"/>
+          </p:cNvPicPr>
+          <p:nvPr>
+            <p:extLst>
+              <p:ext uri="{386F3935-93C4-4BCD-93E2-E3B085C9AB24}">
+                <p16:designElem xmlns:p16="http://schemas.microsoft.com/office/powerpoint/2015/main" val="1"/>
+              </p:ext>
+            </p:extLst>
+          </p:nvPr>
+        </p:nvPicPr>
+        <p:blipFill>
+          <a:blip r:embed="rId4">
+            <a:alphaModFix/>
+            <a:extLst>
+              <a:ext uri="{28A0092B-C50C-407E-A947-70E740481C1C}">
+                <a14:useLocalDpi xmlns:a14="http://schemas.microsoft.com/office/drawing/2010/main" val="0"/>
+              </a:ext>
+            </a:extLst>
+          </a:blip>
+          <a:stretch>
+            <a:fillRect/>
+          </a:stretch>
+        </p:blipFill>
+        <p:spPr>
+          <a:xfrm>
+            <a:off x="0" y="0"/>
+            <a:ext cx="12189867" cy="6858000"/>
+          </a:xfrm>
+          <a:prstGeom prst="rect">
+            <a:avLst/>
+          </a:prstGeom>
+        </p:spPr>
+      </p:pic>
+      <p:sp>
+        <p:nvSpPr>
+          <p:cNvPr id="106" name="Rectangle 105">
+            <a:extLst>
+              <a:ext uri="{FF2B5EF4-FFF2-40B4-BE49-F238E27FC236}">
+                <a16:creationId xmlns:a16="http://schemas.microsoft.com/office/drawing/2014/main" id="{95F478F0-A936-4A06-87B1-1673DAA3C24C}"/>
+              </a:ext>
+              <a:ext uri="{C183D7F6-B498-43B3-948B-1728B52AA6E4}">
+                <adec:decorative xmlns:adec="http://schemas.microsoft.com/office/drawing/2017/decorative" val="1"/>
+              </a:ext>
+            </a:extLst>
+          </p:cNvPr>
+          <p:cNvSpPr>
+            <a:spLocks noGrp="1" noRot="1" noChangeAspect="1" noMove="1" noResize="1" noEditPoints="1" noAdjustHandles="1" noChangeArrowheads="1" noChangeShapeType="1" noTextEdit="1"/>
+          </p:cNvSpPr>
+          <p:nvPr>
+            <p:extLst>
+              <p:ext uri="{386F3935-93C4-4BCD-93E2-E3B085C9AB24}">
+                <p16:designElem xmlns:p16="http://schemas.microsoft.com/office/powerpoint/2015/main" val="1"/>
+              </p:ext>
+            </p:extLst>
+          </p:nvPr>
+        </p:nvSpPr>
+        <p:spPr>
+          <a:xfrm>
+            <a:off x="0" y="0"/>
+            <a:ext cx="964174" cy="6858000"/>
+          </a:xfrm>
+          <a:prstGeom prst="rect">
+            <a:avLst/>
+          </a:prstGeom>
+          <a:solidFill>
+            <a:schemeClr val="bg2"/>
+          </a:solidFill>
+          <a:ln>
+            <a:noFill/>
+          </a:ln>
+        </p:spPr>
+        <p:style>
+          <a:lnRef idx="2">
+            <a:schemeClr val="accent1">
+              <a:shade val="50000"/>
+            </a:schemeClr>
+          </a:lnRef>
+          <a:fillRef idx="1">
+            <a:schemeClr val="accent1"/>
+          </a:fillRef>
+          <a:effectRef idx="0">
+            <a:schemeClr val="accent1"/>
+          </a:effectRef>
+          <a:fontRef idx="minor">
+            <a:schemeClr val="lt1"/>
+          </a:fontRef>
+        </p:style>
+        <p:txBody>
+          <a:bodyPr rtlCol="0" anchor="ctr"/>
+          <a:lstStyle/>
+          <a:p>
+            <a:pPr algn="ctr"/>
+            <a:endParaRPr lang="en-US"/>
+          </a:p>
+        </p:txBody>
+      </p:sp>
+      <p:sp>
+        <p:nvSpPr>
+          <p:cNvPr id="108" name="Rectangle 107">
+            <a:extLst>
+              <a:ext uri="{FF2B5EF4-FFF2-40B4-BE49-F238E27FC236}">
+                <a16:creationId xmlns:a16="http://schemas.microsoft.com/office/drawing/2014/main" id="{1A17DFA8-DCB0-4F81-8ACD-2EF401B7B754}"/>
+              </a:ext>
+              <a:ext uri="{C183D7F6-B498-43B3-948B-1728B52AA6E4}">
+                <adec:decorative xmlns:adec="http://schemas.microsoft.com/office/drawing/2017/decorative" val="1"/>
+              </a:ext>
+            </a:extLst>
+          </p:cNvPr>
+          <p:cNvSpPr>
+            <a:spLocks noGrp="1" noRot="1" noChangeAspect="1" noMove="1" noResize="1" noEditPoints="1" noAdjustHandles="1" noChangeArrowheads="1" noChangeShapeType="1" noTextEdit="1"/>
+          </p:cNvSpPr>
+          <p:nvPr>
+            <p:extLst>
+              <p:ext uri="{386F3935-93C4-4BCD-93E2-E3B085C9AB24}">
+                <p16:designElem xmlns:p16="http://schemas.microsoft.com/office/powerpoint/2015/main" val="1"/>
+              </p:ext>
+            </p:extLst>
+          </p:nvPr>
+        </p:nvSpPr>
+        <p:spPr>
+          <a:xfrm>
+            <a:off x="962042" y="0"/>
+            <a:ext cx="45719" cy="6858000"/>
+          </a:xfrm>
+          <a:prstGeom prst="rect">
+            <a:avLst/>
+          </a:prstGeom>
+          <a:solidFill>
+            <a:schemeClr val="accent6"/>
+          </a:solidFill>
+          <a:ln>
+            <a:noFill/>
+          </a:ln>
+        </p:spPr>
+        <p:style>
+          <a:lnRef idx="2">
+            <a:schemeClr val="accent1">
+              <a:shade val="50000"/>
+            </a:schemeClr>
+          </a:lnRef>
+          <a:fillRef idx="1">
+            <a:schemeClr val="accent1"/>
+          </a:fillRef>
+          <a:effectRef idx="0">
+            <a:schemeClr val="accent1"/>
+          </a:effectRef>
+          <a:fontRef idx="minor">
+            <a:schemeClr val="lt1"/>
+          </a:fontRef>
+        </p:style>
+        <p:txBody>
+          <a:bodyPr rtlCol="0" anchor="ctr"/>
+          <a:lstStyle/>
+          <a:p>
+            <a:pPr algn="ctr"/>
+            <a:endParaRPr lang="en-US"/>
+          </a:p>
+        </p:txBody>
+      </p:sp>
+      <p:sp>
+        <p:nvSpPr>
+          <p:cNvPr id="110" name="Rectangle 109">
+            <a:extLst>
+              <a:ext uri="{FF2B5EF4-FFF2-40B4-BE49-F238E27FC236}">
+                <a16:creationId xmlns:a16="http://schemas.microsoft.com/office/drawing/2014/main" id="{4C92049A-F832-48F5-B41A-162E03B40AAA}"/>
+              </a:ext>
+              <a:ext uri="{C183D7F6-B498-43B3-948B-1728B52AA6E4}">
+                <adec:decorative xmlns:adec="http://schemas.microsoft.com/office/drawing/2017/decorative" val="1"/>
+              </a:ext>
+            </a:extLst>
+          </p:cNvPr>
+          <p:cNvSpPr>
+            <a:spLocks noGrp="1" noRot="1" noChangeAspect="1" noMove="1" noResize="1" noEditPoints="1" noAdjustHandles="1" noChangeArrowheads="1" noChangeShapeType="1" noTextEdit="1"/>
+          </p:cNvSpPr>
+          <p:nvPr>
+            <p:extLst>
+              <p:ext uri="{386F3935-93C4-4BCD-93E2-E3B085C9AB24}">
+                <p16:designElem xmlns:p16="http://schemas.microsoft.com/office/powerpoint/2015/main" val="1"/>
+              </p:ext>
+            </p:extLst>
+          </p:nvPr>
+        </p:nvSpPr>
+        <p:spPr>
+          <a:xfrm>
+            <a:off x="1007533" y="0"/>
+            <a:ext cx="10378001" cy="6858000"/>
+          </a:xfrm>
+          <a:prstGeom prst="rect">
+            <a:avLst/>
+          </a:prstGeom>
+          <a:solidFill>
+            <a:schemeClr val="bg2">
+              <a:alpha val="92000"/>
+            </a:schemeClr>
+          </a:solidFill>
+          <a:ln>
+            <a:noFill/>
+          </a:ln>
+        </p:spPr>
+        <p:style>
+          <a:lnRef idx="2">
+            <a:schemeClr val="accent1">
+              <a:shade val="50000"/>
+            </a:schemeClr>
+          </a:lnRef>
+          <a:fillRef idx="1">
+            <a:schemeClr val="accent1"/>
+          </a:fillRef>
+          <a:effectRef idx="0">
+            <a:schemeClr val="accent1"/>
+          </a:effectRef>
+          <a:fontRef idx="minor">
+            <a:schemeClr val="lt1"/>
+          </a:fontRef>
+        </p:style>
+        <p:txBody>
+          <a:bodyPr rtlCol="0" anchor="ctr"/>
+          <a:lstStyle/>
+          <a:p>
+            <a:pPr algn="ctr"/>
+            <a:endParaRPr lang="en-US"/>
+          </a:p>
+        </p:txBody>
+      </p:sp>
+      <p:sp>
+        <p:nvSpPr>
+          <p:cNvPr id="2" name="Título 1">
+            <a:extLst>
+              <a:ext uri="{FF2B5EF4-FFF2-40B4-BE49-F238E27FC236}">
+                <a16:creationId xmlns:a16="http://schemas.microsoft.com/office/drawing/2014/main" id="{012A1E87-7F93-41C2-B776-0320377121AD}"/>
+              </a:ext>
+            </a:extLst>
+          </p:cNvPr>
+          <p:cNvSpPr>
+            <a:spLocks noGrp="1"/>
+          </p:cNvSpPr>
+          <p:nvPr>
+            <p:ph type="ctrTitle"/>
+          </p:nvPr>
+        </p:nvSpPr>
+        <p:spPr>
+          <a:xfrm>
+            <a:off x="1964445" y="808056"/>
+            <a:ext cx="2668106" cy="1077229"/>
+          </a:xfrm>
+        </p:spPr>
+        <p:txBody>
+          <a:bodyPr vert="horz" lIns="91440" tIns="45720" rIns="91440" bIns="45720" rtlCol="0" anchor="t">
+            <a:normAutofit fontScale="90000"/>
+          </a:bodyPr>
+          <a:lstStyle/>
+          <a:p>
+            <a:pPr algn="l"/>
+            <a:r>
+              <a:rPr lang="pt-BR" sz="2800" dirty="0"/>
+              <a:t>Gerenciamento</a:t>
+            </a:r>
+            <a:r>
+              <a:rPr lang="en-US" sz="2800" dirty="0"/>
+              <a:t> de </a:t>
+            </a:r>
+            <a:r>
+              <a:rPr lang="en-US" sz="2800" dirty="0" err="1"/>
+              <a:t>riscos</a:t>
+            </a:r>
+            <a:r>
+              <a:rPr lang="en-US" sz="2800" dirty="0"/>
+              <a:t> no </a:t>
+            </a:r>
+            <a:r>
+              <a:rPr lang="en-US" sz="2800" dirty="0" err="1"/>
+              <a:t>projeto</a:t>
+            </a:r>
+            <a:r>
+              <a:rPr lang="en-US" sz="2800" dirty="0"/>
+              <a:t>.</a:t>
+            </a:r>
+          </a:p>
+        </p:txBody>
+      </p:sp>
+      <p:sp>
+        <p:nvSpPr>
+          <p:cNvPr id="3" name="Subtítulo 2">
+            <a:extLst>
+              <a:ext uri="{FF2B5EF4-FFF2-40B4-BE49-F238E27FC236}">
+                <a16:creationId xmlns:a16="http://schemas.microsoft.com/office/drawing/2014/main" id="{C9BAC176-CE77-4135-B9C1-481974DD0797}"/>
+              </a:ext>
+            </a:extLst>
+          </p:cNvPr>
+          <p:cNvSpPr>
+            <a:spLocks noGrp="1"/>
+          </p:cNvSpPr>
+          <p:nvPr>
+            <p:ph type="subTitle" idx="1"/>
+          </p:nvPr>
+        </p:nvSpPr>
+        <p:spPr>
+          <a:xfrm>
+            <a:off x="1964444" y="2052116"/>
+            <a:ext cx="2664217" cy="3997828"/>
+          </a:xfrm>
+        </p:spPr>
+        <p:txBody>
+          <a:bodyPr vert="horz" lIns="91440" tIns="45720" rIns="91440" bIns="45720" rtlCol="0" anchor="ctr">
+            <a:normAutofit/>
+          </a:bodyPr>
+          <a:lstStyle/>
+          <a:p>
+            <a:pPr algn="l">
+              <a:buFont typeface="Wingdings" panose="05000000000000000000" pitchFamily="2" charset="2"/>
+              <a:buChar char="§"/>
+            </a:pPr>
+            <a:endParaRPr lang="en-US" sz="1600" dirty="0"/>
+          </a:p>
+          <a:p>
+            <a:pPr algn="l">
+              <a:buFont typeface="Wingdings" panose="05000000000000000000" pitchFamily="2" charset="2"/>
+              <a:buChar char="§"/>
+            </a:pPr>
+            <a:r>
+              <a:rPr lang="en-US" sz="1600" dirty="0" err="1"/>
+              <a:t>Exemplo</a:t>
+            </a:r>
+            <a:r>
+              <a:rPr lang="en-US" sz="1600" dirty="0"/>
+              <a:t> 01</a:t>
+            </a:r>
+          </a:p>
+          <a:p>
+            <a:pPr algn="l">
+              <a:buFont typeface="Wingdings" panose="05000000000000000000" pitchFamily="2" charset="2"/>
+              <a:buChar char="§"/>
+            </a:pPr>
+            <a:r>
+              <a:rPr lang="en-US" sz="1600" dirty="0"/>
+              <a:t>A </a:t>
+            </a:r>
+            <a:r>
+              <a:rPr lang="en-US" sz="1600" dirty="0" err="1"/>
+              <a:t>construção</a:t>
+            </a:r>
+            <a:r>
+              <a:rPr lang="en-US" sz="1600" dirty="0"/>
+              <a:t> de </a:t>
+            </a:r>
+            <a:r>
+              <a:rPr lang="en-US" sz="1600" dirty="0" err="1"/>
+              <a:t>uma</a:t>
+            </a:r>
+            <a:r>
+              <a:rPr lang="en-US" sz="1600" dirty="0"/>
+              <a:t> casa.</a:t>
+            </a:r>
+          </a:p>
+          <a:p>
+            <a:pPr algn="l">
+              <a:buFont typeface="Wingdings" panose="05000000000000000000" pitchFamily="2" charset="2"/>
+              <a:buChar char="§"/>
+            </a:pPr>
+            <a:endParaRPr lang="pt-BR" sz="1600" dirty="0"/>
+          </a:p>
+        </p:txBody>
+      </p:sp>
+      <p:pic>
+        <p:nvPicPr>
+          <p:cNvPr id="4098" name="Picture 2" descr="Modelos de EPI provam que proteção é sustentabilidade -TEM Sustentável">
+            <a:extLst>
+              <a:ext uri="{FF2B5EF4-FFF2-40B4-BE49-F238E27FC236}">
+                <a16:creationId xmlns:a16="http://schemas.microsoft.com/office/drawing/2014/main" id="{153E99E7-916D-4297-AAF4-05627E1DBE03}"/>
               </a:ext>
             </a:extLst>
           </p:cNvPr>
@@ -5871,13 +6375,13 @@
               </a:ext>
             </a:extLst>
           </a:blip>
-          <a:srcRect l="23630" r="20156"/>
+          <a:srcRect l="2960"/>
           <a:stretch/>
         </p:blipFill>
         <p:spPr bwMode="auto">
           <a:xfrm>
-            <a:off x="1007760" y="227"/>
-            <a:ext cx="3855179" cy="6858000"/>
+            <a:off x="5436752" y="10"/>
+            <a:ext cx="5948167" cy="3432582"/>
           </a:xfrm>
           <a:prstGeom prst="rect">
             <a:avLst/>
@@ -5899,12 +6403,62 @@
           </a:extLst>
         </p:spPr>
       </p:pic>
-      <p:sp>
-        <p:nvSpPr>
-          <p:cNvPr id="81" name="Rectangle 80">
+      <p:pic>
+        <p:nvPicPr>
+          <p:cNvPr id="2050" name="Picture 2" descr="NORMAS PARA APROVAÇÃO DE PROJETOS DE CASAS NA PREFEITURA - Dicas de  Arquitetura">
             <a:extLst>
               <a:ext uri="{FF2B5EF4-FFF2-40B4-BE49-F238E27FC236}">
-                <a16:creationId xmlns:a16="http://schemas.microsoft.com/office/drawing/2014/main" id="{90E85565-5837-4630-B749-8EB5508C9767}"/>
+                <a16:creationId xmlns:a16="http://schemas.microsoft.com/office/drawing/2014/main" id="{A3F66602-BF41-4161-BF09-46D4F96DDAE2}"/>
+              </a:ext>
+            </a:extLst>
+          </p:cNvPr>
+          <p:cNvPicPr>
+            <a:picLocks noChangeAspect="1" noChangeArrowheads="1"/>
+          </p:cNvPicPr>
+          <p:nvPr/>
+        </p:nvPicPr>
+        <p:blipFill rotWithShape="1">
+          <a:blip r:embed="rId6">
+            <a:extLst>
+              <a:ext uri="{28A0092B-C50C-407E-A947-70E740481C1C}">
+                <a14:useLocalDpi xmlns:a14="http://schemas.microsoft.com/office/drawing/2010/main" val="0"/>
+              </a:ext>
+            </a:extLst>
+          </a:blip>
+          <a:srcRect l="4177" r="-2" b="-2"/>
+          <a:stretch/>
+        </p:blipFill>
+        <p:spPr bwMode="auto">
+          <a:xfrm>
+            <a:off x="5436753" y="3425635"/>
+            <a:ext cx="5948167" cy="3432592"/>
+          </a:xfrm>
+          <a:prstGeom prst="rect">
+            <a:avLst/>
+          </a:prstGeom>
+          <a:noFill/>
+          <a:ln w="12700">
+            <a:solidFill>
+              <a:schemeClr val="tx1"/>
+            </a:solidFill>
+          </a:ln>
+          <a:extLst>
+            <a:ext uri="{909E8E84-426E-40DD-AFC4-6F175D3DCCD1}">
+              <a14:hiddenFill xmlns:a14="http://schemas.microsoft.com/office/drawing/2010/main">
+                <a:solidFill>
+                  <a:srgbClr val="FFFFFF"/>
+                </a:solidFill>
+              </a14:hiddenFill>
+            </a:ext>
+          </a:extLst>
+        </p:spPr>
+      </p:pic>
+      <p:sp>
+        <p:nvSpPr>
+          <p:cNvPr id="112" name="Rectangle 111">
+            <a:extLst>
+              <a:ext uri="{FF2B5EF4-FFF2-40B4-BE49-F238E27FC236}">
+                <a16:creationId xmlns:a16="http://schemas.microsoft.com/office/drawing/2014/main" id="{80D2A828-1594-434F-8D9B-E1475EF72CE1}"/>
               </a:ext>
               <a:ext uri="{C183D7F6-B498-43B3-948B-1728B52AA6E4}">
                 <adec:decorative xmlns:adec="http://schemas.microsoft.com/office/drawing/2017/decorative" val="1"/>
@@ -5924,8 +6478,8 @@
         </p:nvSpPr>
         <p:spPr>
           <a:xfrm>
-            <a:off x="962042" y="0"/>
-            <a:ext cx="45719" cy="6858000"/>
+            <a:off x="11387666" y="0"/>
+            <a:ext cx="27432" cy="6858000"/>
           </a:xfrm>
           <a:prstGeom prst="rect">
             <a:avLst/>
@@ -5962,6 +6516,437 @@
           </a:p>
         </p:txBody>
       </p:sp>
+    </p:spTree>
+    <p:extLst>
+      <p:ext uri="{BB962C8B-B14F-4D97-AF65-F5344CB8AC3E}">
+        <p14:creationId xmlns:p14="http://schemas.microsoft.com/office/powerpoint/2010/main" val="86641519"/>
+      </p:ext>
+    </p:extLst>
+  </p:cSld>
+  <p:clrMapOvr>
+    <a:masterClrMapping/>
+  </p:clrMapOvr>
+</p:sld>
+</file>
+
+<file path=ppt/slides/slide3.xml><?xml version="1.0" encoding="utf-8"?>
+<p:sld xmlns:a="http://schemas.openxmlformats.org/drawingml/2006/main" xmlns:r="http://schemas.openxmlformats.org/officeDocument/2006/relationships" xmlns:p="http://schemas.openxmlformats.org/presentationml/2006/main">
+  <p:cSld>
+    <p:bg>
+      <p:bgPr>
+        <a:blipFill rotWithShape="1">
+          <a:blip r:embed="rId2"/>
+          <a:stretch/>
+        </a:blipFill>
+        <a:effectLst/>
+      </p:bgPr>
+    </p:bg>
+    <p:spTree>
+      <p:nvGrpSpPr>
+        <p:cNvPr id="1" name=""/>
+        <p:cNvGrpSpPr/>
+        <p:nvPr/>
+      </p:nvGrpSpPr>
+      <p:grpSpPr>
+        <a:xfrm>
+          <a:off x="0" y="0"/>
+          <a:ext cx="0" cy="0"/>
+          <a:chOff x="0" y="0"/>
+          <a:chExt cx="0" cy="0"/>
+        </a:xfrm>
+      </p:grpSpPr>
+      <p:sp useBgFill="1">
+        <p:nvSpPr>
+          <p:cNvPr id="71" name="Rectangle 70">
+            <a:extLst>
+              <a:ext uri="{FF2B5EF4-FFF2-40B4-BE49-F238E27FC236}">
+                <a16:creationId xmlns:a16="http://schemas.microsoft.com/office/drawing/2014/main" id="{6784362B-1BC2-4D61-BBC1-75E5AFB9E53D}"/>
+              </a:ext>
+              <a:ext uri="{C183D7F6-B498-43B3-948B-1728B52AA6E4}">
+                <adec:decorative xmlns:adec="http://schemas.microsoft.com/office/drawing/2017/decorative" val="1"/>
+              </a:ext>
+            </a:extLst>
+          </p:cNvPr>
+          <p:cNvSpPr>
+            <a:spLocks noGrp="1" noRot="1" noChangeAspect="1" noMove="1" noResize="1" noEditPoints="1" noAdjustHandles="1" noChangeArrowheads="1" noChangeShapeType="1" noTextEdit="1"/>
+          </p:cNvSpPr>
+          <p:nvPr>
+            <p:extLst>
+              <p:ext uri="{386F3935-93C4-4BCD-93E2-E3B085C9AB24}">
+                <p16:designElem xmlns:p16="http://schemas.microsoft.com/office/powerpoint/2015/main" val="1"/>
+              </p:ext>
+            </p:extLst>
+          </p:nvPr>
+        </p:nvSpPr>
+        <p:spPr>
+          <a:xfrm>
+            <a:off x="0" y="0"/>
+            <a:ext cx="12189867" cy="6855282"/>
+          </a:xfrm>
+          <a:prstGeom prst="rect">
+            <a:avLst/>
+          </a:prstGeom>
+          <a:ln>
+            <a:noFill/>
+          </a:ln>
+        </p:spPr>
+        <p:style>
+          <a:lnRef idx="2">
+            <a:schemeClr val="accent1">
+              <a:shade val="50000"/>
+            </a:schemeClr>
+          </a:lnRef>
+          <a:fillRef idx="1">
+            <a:schemeClr val="accent1"/>
+          </a:fillRef>
+          <a:effectRef idx="0">
+            <a:schemeClr val="accent1"/>
+          </a:effectRef>
+          <a:fontRef idx="minor">
+            <a:schemeClr val="lt1"/>
+          </a:fontRef>
+        </p:style>
+        <p:txBody>
+          <a:bodyPr rtlCol="0" anchor="ctr"/>
+          <a:lstStyle/>
+          <a:p>
+            <a:pPr algn="ctr"/>
+            <a:endParaRPr lang="en-US"/>
+          </a:p>
+        </p:txBody>
+      </p:sp>
+      <p:pic>
+        <p:nvPicPr>
+          <p:cNvPr id="73" name="Picture 72">
+            <a:extLst>
+              <a:ext uri="{FF2B5EF4-FFF2-40B4-BE49-F238E27FC236}">
+                <a16:creationId xmlns:a16="http://schemas.microsoft.com/office/drawing/2014/main" id="{47FEC87D-B560-4AA1-90A4-F9F1D5A94522}"/>
+              </a:ext>
+              <a:ext uri="{C183D7F6-B498-43B3-948B-1728B52AA6E4}">
+                <adec:decorative xmlns:adec="http://schemas.microsoft.com/office/drawing/2017/decorative" val="1"/>
+              </a:ext>
+            </a:extLst>
+          </p:cNvPr>
+          <p:cNvPicPr>
+            <a:picLocks noGrp="1" noRot="1" noChangeAspect="1" noMove="1" noResize="1" noEditPoints="1" noAdjustHandles="1" noChangeArrowheads="1" noChangeShapeType="1" noCrop="1"/>
+          </p:cNvPicPr>
+          <p:nvPr>
+            <p:extLst>
+              <p:ext uri="{386F3935-93C4-4BCD-93E2-E3B085C9AB24}">
+                <p16:designElem xmlns:p16="http://schemas.microsoft.com/office/powerpoint/2015/main" val="1"/>
+              </p:ext>
+            </p:extLst>
+          </p:nvPr>
+        </p:nvPicPr>
+        <p:blipFill>
+          <a:blip r:embed="rId3">
+            <a:extLst>
+              <a:ext uri="{28A0092B-C50C-407E-A947-70E740481C1C}">
+                <a14:useLocalDpi xmlns:a14="http://schemas.microsoft.com/office/drawing/2010/main" val="0"/>
+              </a:ext>
+            </a:extLst>
+          </a:blip>
+          <a:stretch>
+            <a:fillRect/>
+          </a:stretch>
+        </p:blipFill>
+        <p:spPr>
+          <a:xfrm>
+            <a:off x="2831794" y="2105202"/>
+            <a:ext cx="9360205" cy="4752798"/>
+          </a:xfrm>
+          <a:prstGeom prst="rect">
+            <a:avLst/>
+          </a:prstGeom>
+        </p:spPr>
+      </p:pic>
+      <p:pic>
+        <p:nvPicPr>
+          <p:cNvPr id="75" name="Picture 74">
+            <a:extLst>
+              <a:ext uri="{FF2B5EF4-FFF2-40B4-BE49-F238E27FC236}">
+                <a16:creationId xmlns:a16="http://schemas.microsoft.com/office/drawing/2014/main" id="{E9CBAC3D-8976-47FF-8E03-C8D4BDB35813}"/>
+              </a:ext>
+              <a:ext uri="{C183D7F6-B498-43B3-948B-1728B52AA6E4}">
+                <adec:decorative xmlns:adec="http://schemas.microsoft.com/office/drawing/2017/decorative" val="1"/>
+              </a:ext>
+            </a:extLst>
+          </p:cNvPr>
+          <p:cNvPicPr>
+            <a:picLocks noGrp="1" noRot="1" noChangeAspect="1" noMove="1" noResize="1" noEditPoints="1" noAdjustHandles="1" noChangeArrowheads="1" noChangeShapeType="1" noCrop="1"/>
+          </p:cNvPicPr>
+          <p:nvPr>
+            <p:extLst>
+              <p:ext uri="{386F3935-93C4-4BCD-93E2-E3B085C9AB24}">
+                <p16:designElem xmlns:p16="http://schemas.microsoft.com/office/powerpoint/2015/main" val="1"/>
+              </p:ext>
+            </p:extLst>
+          </p:nvPr>
+        </p:nvPicPr>
+        <p:blipFill>
+          <a:blip r:embed="rId4">
+            <a:alphaModFix/>
+            <a:extLst>
+              <a:ext uri="{28A0092B-C50C-407E-A947-70E740481C1C}">
+                <a14:useLocalDpi xmlns:a14="http://schemas.microsoft.com/office/drawing/2010/main" val="0"/>
+              </a:ext>
+            </a:extLst>
+          </a:blip>
+          <a:stretch>
+            <a:fillRect/>
+          </a:stretch>
+        </p:blipFill>
+        <p:spPr>
+          <a:xfrm>
+            <a:off x="0" y="0"/>
+            <a:ext cx="12189867" cy="6858000"/>
+          </a:xfrm>
+          <a:prstGeom prst="rect">
+            <a:avLst/>
+          </a:prstGeom>
+        </p:spPr>
+      </p:pic>
+      <p:sp>
+        <p:nvSpPr>
+          <p:cNvPr id="77" name="Rectangle 76">
+            <a:extLst>
+              <a:ext uri="{FF2B5EF4-FFF2-40B4-BE49-F238E27FC236}">
+                <a16:creationId xmlns:a16="http://schemas.microsoft.com/office/drawing/2014/main" id="{469431F3-C8DA-4F3D-BC23-56FBCBBB73A6}"/>
+              </a:ext>
+              <a:ext uri="{C183D7F6-B498-43B3-948B-1728B52AA6E4}">
+                <adec:decorative xmlns:adec="http://schemas.microsoft.com/office/drawing/2017/decorative" val="1"/>
+              </a:ext>
+            </a:extLst>
+          </p:cNvPr>
+          <p:cNvSpPr>
+            <a:spLocks noGrp="1" noRot="1" noChangeAspect="1" noMove="1" noResize="1" noEditPoints="1" noAdjustHandles="1" noChangeArrowheads="1" noChangeShapeType="1" noTextEdit="1"/>
+          </p:cNvSpPr>
+          <p:nvPr>
+            <p:extLst>
+              <p:ext uri="{386F3935-93C4-4BCD-93E2-E3B085C9AB24}">
+                <p16:designElem xmlns:p16="http://schemas.microsoft.com/office/powerpoint/2015/main" val="1"/>
+              </p:ext>
+            </p:extLst>
+          </p:nvPr>
+        </p:nvSpPr>
+        <p:spPr>
+          <a:xfrm>
+            <a:off x="0" y="0"/>
+            <a:ext cx="964174" cy="6858000"/>
+          </a:xfrm>
+          <a:prstGeom prst="rect">
+            <a:avLst/>
+          </a:prstGeom>
+          <a:solidFill>
+            <a:schemeClr val="bg2"/>
+          </a:solidFill>
+          <a:ln>
+            <a:noFill/>
+          </a:ln>
+        </p:spPr>
+        <p:style>
+          <a:lnRef idx="2">
+            <a:schemeClr val="accent1">
+              <a:shade val="50000"/>
+            </a:schemeClr>
+          </a:lnRef>
+          <a:fillRef idx="1">
+            <a:schemeClr val="accent1"/>
+          </a:fillRef>
+          <a:effectRef idx="0">
+            <a:schemeClr val="accent1"/>
+          </a:effectRef>
+          <a:fontRef idx="minor">
+            <a:schemeClr val="lt1"/>
+          </a:fontRef>
+        </p:style>
+        <p:txBody>
+          <a:bodyPr rtlCol="0" anchor="ctr"/>
+          <a:lstStyle/>
+          <a:p>
+            <a:pPr algn="ctr"/>
+            <a:endParaRPr lang="en-US"/>
+          </a:p>
+        </p:txBody>
+      </p:sp>
+      <p:sp>
+        <p:nvSpPr>
+          <p:cNvPr id="79" name="Rectangle 78">
+            <a:extLst>
+              <a:ext uri="{FF2B5EF4-FFF2-40B4-BE49-F238E27FC236}">
+                <a16:creationId xmlns:a16="http://schemas.microsoft.com/office/drawing/2014/main" id="{5A6FB8F0-8565-4EC3-917D-22A0CFB55CFF}"/>
+              </a:ext>
+              <a:ext uri="{C183D7F6-B498-43B3-948B-1728B52AA6E4}">
+                <adec:decorative xmlns:adec="http://schemas.microsoft.com/office/drawing/2017/decorative" val="1"/>
+              </a:ext>
+            </a:extLst>
+          </p:cNvPr>
+          <p:cNvSpPr>
+            <a:spLocks noGrp="1" noRot="1" noChangeAspect="1" noMove="1" noResize="1" noEditPoints="1" noAdjustHandles="1" noChangeArrowheads="1" noChangeShapeType="1" noTextEdit="1"/>
+          </p:cNvSpPr>
+          <p:nvPr>
+            <p:extLst>
+              <p:ext uri="{386F3935-93C4-4BCD-93E2-E3B085C9AB24}">
+                <p16:designElem xmlns:p16="http://schemas.microsoft.com/office/powerpoint/2015/main" val="1"/>
+              </p:ext>
+            </p:extLst>
+          </p:nvPr>
+        </p:nvSpPr>
+        <p:spPr>
+          <a:xfrm>
+            <a:off x="4862940" y="0"/>
+            <a:ext cx="6524905" cy="6858000"/>
+          </a:xfrm>
+          <a:prstGeom prst="rect">
+            <a:avLst/>
+          </a:prstGeom>
+          <a:solidFill>
+            <a:schemeClr val="bg2">
+              <a:alpha val="92000"/>
+            </a:schemeClr>
+          </a:solidFill>
+          <a:ln>
+            <a:noFill/>
+          </a:ln>
+        </p:spPr>
+        <p:style>
+          <a:lnRef idx="2">
+            <a:schemeClr val="accent1">
+              <a:shade val="50000"/>
+            </a:schemeClr>
+          </a:lnRef>
+          <a:fillRef idx="1">
+            <a:schemeClr val="accent1"/>
+          </a:fillRef>
+          <a:effectRef idx="0">
+            <a:schemeClr val="accent1"/>
+          </a:effectRef>
+          <a:fontRef idx="minor">
+            <a:schemeClr val="lt1"/>
+          </a:fontRef>
+        </p:style>
+        <p:txBody>
+          <a:bodyPr rtlCol="0" anchor="ctr"/>
+          <a:lstStyle/>
+          <a:p>
+            <a:pPr algn="ctr"/>
+            <a:endParaRPr lang="en-US"/>
+          </a:p>
+        </p:txBody>
+      </p:sp>
+      <p:pic>
+        <p:nvPicPr>
+          <p:cNvPr id="1026" name="Picture 2" descr="Imagens de Ponto de interrogação, fotografias de stock Ponto de interrogação  | Depositphotos">
+            <a:extLst>
+              <a:ext uri="{FF2B5EF4-FFF2-40B4-BE49-F238E27FC236}">
+                <a16:creationId xmlns:a16="http://schemas.microsoft.com/office/drawing/2014/main" id="{9250AD3A-B3BD-4C12-BF56-A3768F50287E}"/>
+              </a:ext>
+            </a:extLst>
+          </p:cNvPr>
+          <p:cNvPicPr>
+            <a:picLocks noChangeAspect="1" noChangeArrowheads="1"/>
+          </p:cNvPicPr>
+          <p:nvPr/>
+        </p:nvPicPr>
+        <p:blipFill rotWithShape="1">
+          <a:blip r:embed="rId5">
+            <a:extLst>
+              <a:ext uri="{28A0092B-C50C-407E-A947-70E740481C1C}">
+                <a14:useLocalDpi xmlns:a14="http://schemas.microsoft.com/office/drawing/2010/main" val="0"/>
+              </a:ext>
+            </a:extLst>
+          </a:blip>
+          <a:srcRect l="23630" r="20156"/>
+          <a:stretch/>
+        </p:blipFill>
+        <p:spPr bwMode="auto">
+          <a:xfrm>
+            <a:off x="1007760" y="227"/>
+            <a:ext cx="3855179" cy="6858000"/>
+          </a:xfrm>
+          <a:prstGeom prst="rect">
+            <a:avLst/>
+          </a:prstGeom>
+          <a:noFill/>
+          <a:ln w="12700">
+            <a:solidFill>
+              <a:schemeClr val="tx1"/>
+            </a:solidFill>
+          </a:ln>
+          <a:extLst>
+            <a:ext uri="{909E8E84-426E-40DD-AFC4-6F175D3DCCD1}">
+              <a14:hiddenFill xmlns:a14="http://schemas.microsoft.com/office/drawing/2010/main">
+                <a:solidFill>
+                  <a:srgbClr val="FFFFFF"/>
+                </a:solidFill>
+              </a14:hiddenFill>
+            </a:ext>
+          </a:extLst>
+        </p:spPr>
+      </p:pic>
+      <p:sp>
+        <p:nvSpPr>
+          <p:cNvPr id="81" name="Rectangle 80">
+            <a:extLst>
+              <a:ext uri="{FF2B5EF4-FFF2-40B4-BE49-F238E27FC236}">
+                <a16:creationId xmlns:a16="http://schemas.microsoft.com/office/drawing/2014/main" id="{90E85565-5837-4630-B749-8EB5508C9767}"/>
+              </a:ext>
+              <a:ext uri="{C183D7F6-B498-43B3-948B-1728B52AA6E4}">
+                <adec:decorative xmlns:adec="http://schemas.microsoft.com/office/drawing/2017/decorative" val="1"/>
+              </a:ext>
+            </a:extLst>
+          </p:cNvPr>
+          <p:cNvSpPr>
+            <a:spLocks noGrp="1" noRot="1" noChangeAspect="1" noMove="1" noResize="1" noEditPoints="1" noAdjustHandles="1" noChangeArrowheads="1" noChangeShapeType="1" noTextEdit="1"/>
+          </p:cNvSpPr>
+          <p:nvPr>
+            <p:extLst>
+              <p:ext uri="{386F3935-93C4-4BCD-93E2-E3B085C9AB24}">
+                <p16:designElem xmlns:p16="http://schemas.microsoft.com/office/powerpoint/2015/main" val="1"/>
+              </p:ext>
+            </p:extLst>
+          </p:nvPr>
+        </p:nvSpPr>
+        <p:spPr>
+          <a:xfrm>
+            <a:off x="962042" y="0"/>
+            <a:ext cx="45719" cy="6858000"/>
+          </a:xfrm>
+          <a:prstGeom prst="rect">
+            <a:avLst/>
+          </a:prstGeom>
+          <a:solidFill>
+            <a:schemeClr val="accent6"/>
+          </a:solidFill>
+          <a:ln>
+            <a:noFill/>
+          </a:ln>
+        </p:spPr>
+        <p:style>
+          <a:lnRef idx="2">
+            <a:schemeClr val="accent1">
+              <a:shade val="50000"/>
+            </a:schemeClr>
+          </a:lnRef>
+          <a:fillRef idx="1">
+            <a:schemeClr val="accent1"/>
+          </a:fillRef>
+          <a:effectRef idx="0">
+            <a:schemeClr val="accent1"/>
+          </a:effectRef>
+          <a:fontRef idx="minor">
+            <a:schemeClr val="lt1"/>
+          </a:fontRef>
+        </p:style>
+        <p:txBody>
+          <a:bodyPr rtlCol="0" anchor="ctr"/>
+          <a:lstStyle/>
+          <a:p>
+            <a:pPr algn="ctr"/>
+            <a:endParaRPr lang="en-US"/>
+          </a:p>
+        </p:txBody>
+      </p:sp>
       <p:sp>
         <p:nvSpPr>
           <p:cNvPr id="2" name="Título 1">
@@ -6033,7 +7018,7 @@
           <a:p>
             <a:r>
               <a:rPr lang="pt-BR" dirty="0"/>
-              <a:t>O que é um projeto?</a:t>
+              <a:t>Você é resistente?</a:t>
             </a:r>
           </a:p>
           <a:p>
@@ -6434,7 +7419,7 @@
 </p:sld>
 </file>
 
-<file path=ppt/slides/slide3.xml><?xml version="1.0" encoding="utf-8"?>
+<file path=ppt/slides/slide4.xml><?xml version="1.0" encoding="utf-8"?>
 <p:sld xmlns:a="http://schemas.openxmlformats.org/drawingml/2006/main" xmlns:r="http://schemas.openxmlformats.org/officeDocument/2006/relationships" xmlns:p="http://schemas.openxmlformats.org/presentationml/2006/main">
   <p:cSld>
     <p:bg>
@@ -6462,10 +7447,10 @@
       </p:grpSpPr>
       <p:pic>
         <p:nvPicPr>
-          <p:cNvPr id="2052" name="Picture 70">
+          <p:cNvPr id="256" name="Picture 255">
             <a:extLst>
               <a:ext uri="{FF2B5EF4-FFF2-40B4-BE49-F238E27FC236}">
-                <a16:creationId xmlns:a16="http://schemas.microsoft.com/office/drawing/2014/main" id="{2FA3880A-8D8F-466C-A4A1-F07BCDD3719C}"/>
+                <a16:creationId xmlns:a16="http://schemas.microsoft.com/office/drawing/2014/main" id="{E36DEE5D-D3C8-4CDA-A56E-16DC9827FD76}"/>
               </a:ext>
               <a:ext uri="{C183D7F6-B498-43B3-948B-1728B52AA6E4}">
                 <adec:decorative xmlns:adec="http://schemas.microsoft.com/office/drawing/2017/decorative" val="1"/>
@@ -6507,10 +7492,10 @@
       </p:pic>
       <p:pic>
         <p:nvPicPr>
-          <p:cNvPr id="2053" name="Picture 72">
+          <p:cNvPr id="257" name="Picture 256">
             <a:extLst>
               <a:ext uri="{FF2B5EF4-FFF2-40B4-BE49-F238E27FC236}">
-                <a16:creationId xmlns:a16="http://schemas.microsoft.com/office/drawing/2014/main" id="{3C0A64CB-20A1-4508-B568-284EB04F78EE}"/>
+                <a16:creationId xmlns:a16="http://schemas.microsoft.com/office/drawing/2014/main" id="{921FED63-87F5-43C8-B3EE-EE55402F411A}"/>
               </a:ext>
               <a:ext uri="{C183D7F6-B498-43B3-948B-1728B52AA6E4}">
                 <adec:decorative xmlns:adec="http://schemas.microsoft.com/office/drawing/2017/decorative" val="1"/>
@@ -6552,10 +7537,10 @@
       </p:pic>
       <p:sp>
         <p:nvSpPr>
-          <p:cNvPr id="2054" name="Rectangle 74">
+          <p:cNvPr id="258" name="Rectangle 257">
             <a:extLst>
               <a:ext uri="{FF2B5EF4-FFF2-40B4-BE49-F238E27FC236}">
-                <a16:creationId xmlns:a16="http://schemas.microsoft.com/office/drawing/2014/main" id="{8DA14841-53A4-4935-BE65-C8373B8A6D06}"/>
+                <a16:creationId xmlns:a16="http://schemas.microsoft.com/office/drawing/2014/main" id="{DAB9C36F-D5DA-4963-8F46-ACB29FC5861B}"/>
               </a:ext>
               <a:ext uri="{C183D7F6-B498-43B3-948B-1728B52AA6E4}">
                 <adec:decorative xmlns:adec="http://schemas.microsoft.com/office/drawing/2017/decorative" val="1"/>
@@ -6607,10 +7592,10 @@
       </p:sp>
       <p:sp>
         <p:nvSpPr>
-          <p:cNvPr id="2055" name="Rectangle 76">
+          <p:cNvPr id="259" name="Rectangle 258">
             <a:extLst>
               <a:ext uri="{FF2B5EF4-FFF2-40B4-BE49-F238E27FC236}">
-                <a16:creationId xmlns:a16="http://schemas.microsoft.com/office/drawing/2014/main" id="{9877C2CF-B2DD-41C8-8B5E-152673376B41}"/>
+                <a16:creationId xmlns:a16="http://schemas.microsoft.com/office/drawing/2014/main" id="{9E9699F7-F6C8-4681-8B5B-3689D902BA61}"/>
               </a:ext>
               <a:ext uri="{C183D7F6-B498-43B3-948B-1728B52AA6E4}">
                 <adec:decorative xmlns:adec="http://schemas.microsoft.com/office/drawing/2017/decorative" val="1"/>
@@ -6662,10 +7647,10 @@
       </p:sp>
       <p:sp>
         <p:nvSpPr>
-          <p:cNvPr id="2056" name="Rectangle 78">
+          <p:cNvPr id="260" name="Rectangle 259">
             <a:extLst>
               <a:ext uri="{FF2B5EF4-FFF2-40B4-BE49-F238E27FC236}">
-                <a16:creationId xmlns:a16="http://schemas.microsoft.com/office/drawing/2014/main" id="{24923D72-7E69-464B-94C5-B2530008D094}"/>
+                <a16:creationId xmlns:a16="http://schemas.microsoft.com/office/drawing/2014/main" id="{6BB1C8BF-527A-4A07-8D1A-BA478C26A82C}"/>
               </a:ext>
               <a:ext uri="{C183D7F6-B498-43B3-948B-1728B52AA6E4}">
                 <adec:decorative xmlns:adec="http://schemas.microsoft.com/office/drawing/2017/decorative" val="1"/>
@@ -6719,10 +7704,10 @@
       </p:sp>
       <p:sp>
         <p:nvSpPr>
-          <p:cNvPr id="2057" name="Rectangle 80">
+          <p:cNvPr id="261" name="Rectangle 260">
             <a:extLst>
               <a:ext uri="{FF2B5EF4-FFF2-40B4-BE49-F238E27FC236}">
-                <a16:creationId xmlns:a16="http://schemas.microsoft.com/office/drawing/2014/main" id="{A00CCC86-7A88-4DFF-A0D0-6604606A2AEA}"/>
+                <a16:creationId xmlns:a16="http://schemas.microsoft.com/office/drawing/2014/main" id="{1CC61B11-D36C-47A4-949A-184AF54536D0}"/>
               </a:ext>
               <a:ext uri="{C183D7F6-B498-43B3-948B-1728B52AA6E4}">
                 <adec:decorative xmlns:adec="http://schemas.microsoft.com/office/drawing/2017/decorative" val="1"/>
@@ -6774,10 +7759,10 @@
       </p:sp>
       <p:sp>
         <p:nvSpPr>
-          <p:cNvPr id="2058" name="TextBox 82">
+          <p:cNvPr id="262" name="TextBox 261">
             <a:extLst>
               <a:ext uri="{FF2B5EF4-FFF2-40B4-BE49-F238E27FC236}">
-                <a16:creationId xmlns:a16="http://schemas.microsoft.com/office/drawing/2014/main" id="{E1F8ABFD-155B-4386-AE33-6E13057CFCF3}"/>
+                <a16:creationId xmlns:a16="http://schemas.microsoft.com/office/drawing/2014/main" id="{94F26682-BEDD-43B3-923D-F48F80D79EBB}"/>
               </a:ext>
               <a:ext uri="{C183D7F6-B498-43B3-948B-1728B52AA6E4}">
                 <adec:decorative xmlns:adec="http://schemas.microsoft.com/office/drawing/2017/decorative" val="1"/>
@@ -6836,10 +7821,10 @@
       </p:sp>
       <p:sp useBgFill="1">
         <p:nvSpPr>
-          <p:cNvPr id="2059" name="Rectangle 84">
+          <p:cNvPr id="263" name="Rectangle 262">
             <a:extLst>
               <a:ext uri="{FF2B5EF4-FFF2-40B4-BE49-F238E27FC236}">
-                <a16:creationId xmlns:a16="http://schemas.microsoft.com/office/drawing/2014/main" id="{E0FD3BE6-42AF-4DB6-A3B6-F879A81AD832}"/>
+                <a16:creationId xmlns:a16="http://schemas.microsoft.com/office/drawing/2014/main" id="{BEACE05B-DD4B-49CA-8B36-42AB86F26791}"/>
               </a:ext>
               <a:ext uri="{C183D7F6-B498-43B3-948B-1728B52AA6E4}">
                 <adec:decorative xmlns:adec="http://schemas.microsoft.com/office/drawing/2017/decorative" val="1"/>
@@ -6896,10 +7881,10 @@
       </p:sp>
       <p:pic>
         <p:nvPicPr>
-          <p:cNvPr id="2060" name="Picture 86">
+          <p:cNvPr id="264" name="Picture 263">
             <a:extLst>
               <a:ext uri="{FF2B5EF4-FFF2-40B4-BE49-F238E27FC236}">
-                <a16:creationId xmlns:a16="http://schemas.microsoft.com/office/drawing/2014/main" id="{F5BBAA22-23CD-49A7-B26C-BF3E0B830BB0}"/>
+                <a16:creationId xmlns:a16="http://schemas.microsoft.com/office/drawing/2014/main" id="{52C30AB2-7674-40F9-8AB1-D2C1DCF0F849}"/>
               </a:ext>
               <a:ext uri="{C183D7F6-B498-43B3-948B-1728B52AA6E4}">
                 <adec:decorative xmlns:adec="http://schemas.microsoft.com/office/drawing/2017/decorative" val="1"/>
@@ -6941,10 +7926,10 @@
       </p:pic>
       <p:pic>
         <p:nvPicPr>
-          <p:cNvPr id="2061" name="Picture 88">
+          <p:cNvPr id="265" name="Picture 264">
             <a:extLst>
               <a:ext uri="{FF2B5EF4-FFF2-40B4-BE49-F238E27FC236}">
-                <a16:creationId xmlns:a16="http://schemas.microsoft.com/office/drawing/2014/main" id="{19A4E5EA-9A8F-4B0F-97B2-4219590ADDB0}"/>
+                <a16:creationId xmlns:a16="http://schemas.microsoft.com/office/drawing/2014/main" id="{A1940200-11D3-410C-928D-086B097BF4CC}"/>
               </a:ext>
               <a:ext uri="{C183D7F6-B498-43B3-948B-1728B52AA6E4}">
                 <adec:decorative xmlns:adec="http://schemas.microsoft.com/office/drawing/2017/decorative" val="1"/>
@@ -6987,10 +7972,10 @@
       </p:pic>
       <p:sp>
         <p:nvSpPr>
-          <p:cNvPr id="2062" name="Rectangle 90">
+          <p:cNvPr id="266" name="Rectangle 265">
             <a:extLst>
               <a:ext uri="{FF2B5EF4-FFF2-40B4-BE49-F238E27FC236}">
-                <a16:creationId xmlns:a16="http://schemas.microsoft.com/office/drawing/2014/main" id="{8B2AECAC-4D7A-44FE-82A3-4F4E7C40AA7F}"/>
+                <a16:creationId xmlns:a16="http://schemas.microsoft.com/office/drawing/2014/main" id="{88A0F036-D010-440E-B0F6-60BE061DA9BD}"/>
               </a:ext>
               <a:ext uri="{C183D7F6-B498-43B3-948B-1728B52AA6E4}">
                 <adec:decorative xmlns:adec="http://schemas.microsoft.com/office/drawing/2017/decorative" val="1"/>
@@ -7050,10 +8035,10 @@
       </p:sp>
       <p:sp>
         <p:nvSpPr>
-          <p:cNvPr id="2063" name="Rectangle 92">
+          <p:cNvPr id="267" name="Rectangle 266">
             <a:extLst>
               <a:ext uri="{FF2B5EF4-FFF2-40B4-BE49-F238E27FC236}">
-                <a16:creationId xmlns:a16="http://schemas.microsoft.com/office/drawing/2014/main" id="{07CF9B3A-47A7-40CC-A48B-C907AA1488D3}"/>
+                <a16:creationId xmlns:a16="http://schemas.microsoft.com/office/drawing/2014/main" id="{C0924ADE-4F29-4C67-93A1-12878961D597}"/>
               </a:ext>
               <a:ext uri="{C183D7F6-B498-43B3-948B-1728B52AA6E4}">
                 <adec:decorative xmlns:adec="http://schemas.microsoft.com/office/drawing/2017/decorative" val="1"/>
@@ -7113,10 +8098,10 @@
       </p:sp>
       <p:sp>
         <p:nvSpPr>
-          <p:cNvPr id="2064" name="Rectangle 94">
+          <p:cNvPr id="268" name="Rectangle 267">
             <a:extLst>
               <a:ext uri="{FF2B5EF4-FFF2-40B4-BE49-F238E27FC236}">
-                <a16:creationId xmlns:a16="http://schemas.microsoft.com/office/drawing/2014/main" id="{2BCCD6A9-FBF3-4766-A22F-60972DCD324C}"/>
+                <a16:creationId xmlns:a16="http://schemas.microsoft.com/office/drawing/2014/main" id="{A558B7FC-B15C-4181-8C8F-069F0DCDD87B}"/>
               </a:ext>
               <a:ext uri="{C183D7F6-B498-43B3-948B-1728B52AA6E4}">
                 <adec:decorative xmlns:adec="http://schemas.microsoft.com/office/drawing/2017/decorative" val="1"/>
@@ -7194,8 +8179,8 @@
         </p:nvSpPr>
         <p:spPr>
           <a:xfrm>
-            <a:off x="1969803" y="808056"/>
-            <a:ext cx="8608037" cy="1077229"/>
+            <a:off x="1964445" y="808056"/>
+            <a:ext cx="2668106" cy="1077229"/>
           </a:xfrm>
         </p:spPr>
         <p:txBody>
@@ -7206,27 +8191,144 @@
           <a:p>
             <a:pPr algn="l"/>
             <a:r>
-              <a:rPr lang="en-US" sz="3400" dirty="0" err="1"/>
-              <a:t>Gerenciamento</a:t>
+              <a:rPr lang="en-US" sz="2800"/>
+              <a:t>Gerenciamento de projetos</a:t>
             </a:r>
+          </a:p>
+        </p:txBody>
+      </p:sp>
+      <p:sp>
+        <p:nvSpPr>
+          <p:cNvPr id="3" name="Subtítulo 2">
+            <a:extLst>
+              <a:ext uri="{FF2B5EF4-FFF2-40B4-BE49-F238E27FC236}">
+                <a16:creationId xmlns:a16="http://schemas.microsoft.com/office/drawing/2014/main" id="{C9BAC176-CE77-4135-B9C1-481974DD0797}"/>
+              </a:ext>
+            </a:extLst>
+          </p:cNvPr>
+          <p:cNvSpPr>
+            <a:spLocks noGrp="1"/>
+          </p:cNvSpPr>
+          <p:nvPr>
+            <p:ph type="subTitle" idx="1"/>
+          </p:nvPr>
+        </p:nvSpPr>
+        <p:spPr>
+          <a:xfrm>
+            <a:off x="1964444" y="2052116"/>
+            <a:ext cx="2664217" cy="3997828"/>
+          </a:xfrm>
+        </p:spPr>
+        <p:txBody>
+          <a:bodyPr vert="horz" lIns="91440" tIns="45720" rIns="91440" bIns="45720" rtlCol="0" anchor="ctr">
+            <a:normAutofit/>
+          </a:bodyPr>
+          <a:lstStyle/>
+          <a:p>
+            <a:pPr algn="l">
+              <a:buFont typeface="Wingdings" panose="05000000000000000000" pitchFamily="2" charset="2"/>
+              <a:buChar char="§"/>
+            </a:pPr>
+            <a:endParaRPr lang="en-US" sz="1600"/>
+          </a:p>
+          <a:p>
+            <a:pPr algn="l">
+              <a:buFont typeface="Wingdings" panose="05000000000000000000" pitchFamily="2" charset="2"/>
+              <a:buChar char="§"/>
+            </a:pPr>
             <a:r>
-              <a:rPr lang="en-US" sz="3400" dirty="0"/>
-              <a:t> de </a:t>
+              <a:rPr lang="en-US" sz="1600"/>
+              <a:t>Exemplo 02</a:t>
             </a:r>
+          </a:p>
+          <a:p>
+            <a:pPr algn="l">
+              <a:buFont typeface="Wingdings" panose="05000000000000000000" pitchFamily="2" charset="2"/>
+              <a:buChar char="§"/>
+            </a:pPr>
             <a:r>
-              <a:rPr lang="en-US" sz="3400" dirty="0" err="1"/>
-              <a:t>projetos</a:t>
+              <a:rPr lang="en-US" sz="1600"/>
+              <a:t>Fazer um curso.</a:t>
             </a:r>
-            <a:endParaRPr lang="en-US" sz="3400" dirty="0"/>
+          </a:p>
+          <a:p>
+            <a:pPr algn="l">
+              <a:buFont typeface="Wingdings" panose="05000000000000000000" pitchFamily="2" charset="2"/>
+              <a:buChar char="§"/>
+            </a:pPr>
+            <a:endParaRPr lang="en-US" sz="1600"/>
+          </a:p>
+        </p:txBody>
+      </p:sp>
+      <p:sp>
+        <p:nvSpPr>
+          <p:cNvPr id="269" name="Rectangle 268">
+            <a:extLst>
+              <a:ext uri="{FF2B5EF4-FFF2-40B4-BE49-F238E27FC236}">
+                <a16:creationId xmlns:a16="http://schemas.microsoft.com/office/drawing/2014/main" id="{586BA7C7-2276-4D13-B14F-2649D09E8A1F}"/>
+              </a:ext>
+              <a:ext uri="{C183D7F6-B498-43B3-948B-1728B52AA6E4}">
+                <adec:decorative xmlns:adec="http://schemas.microsoft.com/office/drawing/2017/decorative" val="1"/>
+              </a:ext>
+            </a:extLst>
+          </p:cNvPr>
+          <p:cNvSpPr>
+            <a:spLocks noGrp="1" noRot="1" noChangeAspect="1" noMove="1" noResize="1" noEditPoints="1" noAdjustHandles="1" noChangeArrowheads="1" noChangeShapeType="1" noTextEdit="1"/>
+          </p:cNvSpPr>
+          <p:nvPr>
+            <p:extLst>
+              <p:ext uri="{386F3935-93C4-4BCD-93E2-E3B085C9AB24}">
+                <p16:designElem xmlns:p16="http://schemas.microsoft.com/office/powerpoint/2015/main" val="1"/>
+              </p:ext>
+            </p:extLst>
+          </p:nvPr>
+        </p:nvSpPr>
+        <p:spPr>
+          <a:xfrm>
+            <a:off x="5428845" y="0"/>
+            <a:ext cx="5957634" cy="6858000"/>
+          </a:xfrm>
+          <a:prstGeom prst="rect">
+            <a:avLst/>
+          </a:prstGeom>
+          <a:solidFill>
+            <a:schemeClr val="tx1"/>
+          </a:solidFill>
+          <a:ln>
+            <a:noFill/>
+          </a:ln>
+        </p:spPr>
+        <p:style>
+          <a:lnRef idx="2">
+            <a:schemeClr val="accent1">
+              <a:shade val="50000"/>
+            </a:schemeClr>
+          </a:lnRef>
+          <a:fillRef idx="1">
+            <a:schemeClr val="accent1"/>
+          </a:fillRef>
+          <a:effectRef idx="0">
+            <a:schemeClr val="accent1"/>
+          </a:effectRef>
+          <a:fontRef idx="minor">
+            <a:schemeClr val="lt1"/>
+          </a:fontRef>
+        </p:style>
+        <p:txBody>
+          <a:bodyPr rtlCol="0" anchor="ctr"/>
+          <a:lstStyle/>
+          <a:p>
+            <a:pPr algn="ctr"/>
+            <a:endParaRPr lang="en-US"/>
           </a:p>
         </p:txBody>
       </p:sp>
       <p:pic>
         <p:nvPicPr>
-          <p:cNvPr id="2050" name="Picture 2" descr="NORMAS PARA APROVAÇÃO DE PROJETOS DE CASAS NA PREFEITURA - Dicas de  Arquitetura">
+          <p:cNvPr id="2054" name="Picture 6" descr="Notebook com Linux vale a pena? Veja prós e contras antes de comprar |  Notebooks | TechTudo">
             <a:extLst>
               <a:ext uri="{FF2B5EF4-FFF2-40B4-BE49-F238E27FC236}">
-                <a16:creationId xmlns:a16="http://schemas.microsoft.com/office/drawing/2014/main" id="{A3F66602-BF41-4161-BF09-46D4F96DDAE2}"/>
+                <a16:creationId xmlns:a16="http://schemas.microsoft.com/office/drawing/2014/main" id="{90524A05-9F6D-458A-BB27-8C2A8799DE91}"/>
               </a:ext>
             </a:extLst>
           </p:cNvPr>
@@ -7235,7 +8337,7 @@
           </p:cNvPicPr>
           <p:nvPr/>
         </p:nvPicPr>
-        <p:blipFill rotWithShape="1">
+        <p:blipFill>
           <a:blip r:embed="rId5">
             <a:extLst>
               <a:ext uri="{28A0092B-C50C-407E-A947-70E740481C1C}">
@@ -7243,50 +8345,22 @@
               </a:ext>
             </a:extLst>
           </a:blip>
-          <a:srcRect l="23176" r="14336"/>
-          <a:stretch/>
+          <a:stretch>
+            <a:fillRect/>
+          </a:stretch>
         </p:blipFill>
         <p:spPr bwMode="auto">
           <a:xfrm>
-            <a:off x="2286938" y="2364159"/>
-            <a:ext cx="3801451" cy="3364051"/>
+            <a:off x="5750057" y="959555"/>
+            <a:ext cx="2502819" cy="1665512"/>
           </a:xfrm>
           <a:prstGeom prst="rect">
             <a:avLst/>
           </a:prstGeom>
           <a:noFill/>
-          <a:ln>
-            <a:gradFill flip="none" rotWithShape="1">
-              <a:gsLst>
-                <a:gs pos="86000">
-                  <a:schemeClr val="accent6">
-                    <a:lumMod val="67000"/>
-                  </a:schemeClr>
-                </a:gs>
-                <a:gs pos="20000">
-                  <a:schemeClr val="accent6">
-                    <a:lumMod val="97000"/>
-                    <a:lumOff val="3000"/>
-                  </a:schemeClr>
-                </a:gs>
-                <a:gs pos="100000">
-                  <a:schemeClr val="accent6">
-                    <a:lumMod val="60000"/>
-                    <a:lumOff val="40000"/>
-                  </a:schemeClr>
-                </a:gs>
-              </a:gsLst>
-              <a:lin ang="16200000" scaled="1"/>
-              <a:tileRect/>
-            </a:gradFill>
+          <a:ln w="12700">
+            <a:noFill/>
           </a:ln>
-          <a:effectLst>
-            <a:innerShdw blurRad="127000">
-              <a:prstClr val="black">
-                <a:alpha val="90000"/>
-              </a:prstClr>
-            </a:innerShdw>
-          </a:effectLst>
           <a:extLst>
             <a:ext uri="{909E8E84-426E-40DD-AFC4-6F175D3DCCD1}">
               <a14:hiddenFill xmlns:a14="http://schemas.microsoft.com/office/drawing/2010/main">
@@ -7298,638 +8372,12 @@
           </a:extLst>
         </p:spPr>
       </p:pic>
-      <p:sp>
-        <p:nvSpPr>
-          <p:cNvPr id="3" name="Subtítulo 2">
-            <a:extLst>
-              <a:ext uri="{FF2B5EF4-FFF2-40B4-BE49-F238E27FC236}">
-                <a16:creationId xmlns:a16="http://schemas.microsoft.com/office/drawing/2014/main" id="{C9BAC176-CE77-4135-B9C1-481974DD0797}"/>
-              </a:ext>
-            </a:extLst>
-          </p:cNvPr>
-          <p:cNvSpPr>
-            <a:spLocks noGrp="1"/>
-          </p:cNvSpPr>
-          <p:nvPr>
-            <p:ph type="subTitle" idx="1"/>
-          </p:nvPr>
-        </p:nvSpPr>
-        <p:spPr>
-          <a:xfrm>
-            <a:off x="6477333" y="2718"/>
-            <a:ext cx="3808534" cy="3997828"/>
-          </a:xfrm>
-        </p:spPr>
-        <p:txBody>
-          <a:bodyPr vert="horz" lIns="91440" tIns="45720" rIns="91440" bIns="45720" rtlCol="0" anchor="ctr">
-            <a:normAutofit/>
-          </a:bodyPr>
-          <a:lstStyle/>
-          <a:p>
-            <a:pPr algn="l"/>
-            <a:endParaRPr lang="en-US" dirty="0"/>
-          </a:p>
-          <a:p>
-            <a:pPr algn="l">
-              <a:buFont typeface="Wingdings" panose="05000000000000000000" pitchFamily="2" charset="2"/>
-              <a:buChar char="§"/>
-            </a:pPr>
-            <a:r>
-              <a:rPr lang="en-US" dirty="0" err="1"/>
-              <a:t>Exemplo</a:t>
-            </a:r>
-            <a:r>
-              <a:rPr lang="en-US" dirty="0"/>
-              <a:t> 01</a:t>
-            </a:r>
-          </a:p>
-          <a:p>
-            <a:pPr algn="l">
-              <a:buFont typeface="Wingdings" panose="05000000000000000000" pitchFamily="2" charset="2"/>
-              <a:buChar char="§"/>
-            </a:pPr>
-            <a:r>
-              <a:rPr lang="en-US" dirty="0"/>
-              <a:t>A </a:t>
-            </a:r>
-            <a:r>
-              <a:rPr lang="en-US" dirty="0" err="1"/>
-              <a:t>construção</a:t>
-            </a:r>
-            <a:r>
-              <a:rPr lang="en-US" dirty="0"/>
-              <a:t> de </a:t>
-            </a:r>
-            <a:r>
-              <a:rPr lang="en-US" dirty="0" err="1"/>
-              <a:t>uma</a:t>
-            </a:r>
-            <a:r>
-              <a:rPr lang="en-US" dirty="0"/>
-              <a:t> casa.</a:t>
-            </a:r>
-          </a:p>
-          <a:p>
-            <a:pPr algn="l">
-              <a:buFont typeface="Wingdings" panose="05000000000000000000" pitchFamily="2" charset="2"/>
-              <a:buChar char="§"/>
-            </a:pPr>
-            <a:endParaRPr lang="en-US" dirty="0"/>
-          </a:p>
-        </p:txBody>
-      </p:sp>
-      <p:sp>
-        <p:nvSpPr>
-          <p:cNvPr id="2065" name="Rectangle 96">
-            <a:extLst>
-              <a:ext uri="{FF2B5EF4-FFF2-40B4-BE49-F238E27FC236}">
-                <a16:creationId xmlns:a16="http://schemas.microsoft.com/office/drawing/2014/main" id="{4889AD22-2126-4A1E-8BEB-EED54DD3023E}"/>
-              </a:ext>
-              <a:ext uri="{C183D7F6-B498-43B3-948B-1728B52AA6E4}">
-                <adec:decorative xmlns:adec="http://schemas.microsoft.com/office/drawing/2017/decorative" val="1"/>
-              </a:ext>
-            </a:extLst>
-          </p:cNvPr>
-          <p:cNvSpPr>
-            <a:spLocks noGrp="1" noRot="1" noChangeAspect="1" noMove="1" noResize="1" noEditPoints="1" noAdjustHandles="1" noChangeArrowheads="1" noChangeShapeType="1" noTextEdit="1"/>
-          </p:cNvSpPr>
-          <p:nvPr>
-            <p:extLst>
-              <p:ext uri="{386F3935-93C4-4BCD-93E2-E3B085C9AB24}">
-                <p16:designElem xmlns:p16="http://schemas.microsoft.com/office/powerpoint/2015/main" val="1"/>
-              </p:ext>
-            </p:extLst>
-          </p:nvPr>
-        </p:nvSpPr>
-        <p:spPr>
-          <a:xfrm>
-            <a:off x="11387666" y="-2718"/>
-            <a:ext cx="27432" cy="6858000"/>
-          </a:xfrm>
-          <a:prstGeom prst="rect">
-            <a:avLst/>
-          </a:prstGeom>
-          <a:solidFill>
-            <a:schemeClr val="accent6"/>
-          </a:solidFill>
-          <a:ln>
-            <a:noFill/>
-          </a:ln>
-        </p:spPr>
-        <p:style>
-          <a:lnRef idx="2">
-            <a:schemeClr val="accent1">
-              <a:shade val="50000"/>
-            </a:schemeClr>
-          </a:lnRef>
-          <a:fillRef idx="1">
-            <a:schemeClr val="accent1"/>
-          </a:fillRef>
-          <a:effectRef idx="0">
-            <a:schemeClr val="accent1"/>
-          </a:effectRef>
-          <a:fontRef idx="minor">
-            <a:schemeClr val="lt1"/>
-          </a:fontRef>
-        </p:style>
-        <p:txBody>
-          <a:bodyPr rtlCol="0" anchor="ctr"/>
-          <a:lstStyle/>
-          <a:p>
-            <a:pPr algn="ctr"/>
-            <a:endParaRPr lang="en-US"/>
-          </a:p>
-        </p:txBody>
-      </p:sp>
-    </p:spTree>
-    <p:extLst>
-      <p:ext uri="{BB962C8B-B14F-4D97-AF65-F5344CB8AC3E}">
-        <p14:creationId xmlns:p14="http://schemas.microsoft.com/office/powerpoint/2010/main" val="86641519"/>
-      </p:ext>
-    </p:extLst>
-  </p:cSld>
-  <p:clrMapOvr>
-    <a:masterClrMapping/>
-  </p:clrMapOvr>
-</p:sld>
-</file>
-
-<file path=ppt/slides/slide4.xml><?xml version="1.0" encoding="utf-8"?>
-<p:sld xmlns:a="http://schemas.openxmlformats.org/drawingml/2006/main" xmlns:r="http://schemas.openxmlformats.org/officeDocument/2006/relationships" xmlns:p="http://schemas.openxmlformats.org/presentationml/2006/main">
-  <p:cSld>
-    <p:bg>
-      <p:bgPr>
-        <a:blipFill rotWithShape="1">
-          <a:blip r:embed="rId2"/>
-          <a:stretch/>
-        </a:blipFill>
-        <a:effectLst/>
-      </p:bgPr>
-    </p:bg>
-    <p:spTree>
-      <p:nvGrpSpPr>
-        <p:cNvPr id="1" name=""/>
-        <p:cNvGrpSpPr/>
-        <p:nvPr/>
-      </p:nvGrpSpPr>
-      <p:grpSpPr>
-        <a:xfrm>
-          <a:off x="0" y="0"/>
-          <a:ext cx="0" cy="0"/>
-          <a:chOff x="0" y="0"/>
-          <a:chExt cx="0" cy="0"/>
-        </a:xfrm>
-      </p:grpSpPr>
-      <p:sp useBgFill="1">
-        <p:nvSpPr>
-          <p:cNvPr id="71" name="Rectangle 70">
-            <a:extLst>
-              <a:ext uri="{FF2B5EF4-FFF2-40B4-BE49-F238E27FC236}">
-                <a16:creationId xmlns:a16="http://schemas.microsoft.com/office/drawing/2014/main" id="{393CD2B5-370C-4E54-BF07-77E46BC7D126}"/>
-              </a:ext>
-              <a:ext uri="{C183D7F6-B498-43B3-948B-1728B52AA6E4}">
-                <adec:decorative xmlns:adec="http://schemas.microsoft.com/office/drawing/2017/decorative" val="1"/>
-              </a:ext>
-            </a:extLst>
-          </p:cNvPr>
-          <p:cNvSpPr>
-            <a:spLocks noGrp="1" noRot="1" noChangeAspect="1" noMove="1" noResize="1" noEditPoints="1" noAdjustHandles="1" noChangeArrowheads="1" noChangeShapeType="1" noTextEdit="1"/>
-          </p:cNvSpPr>
-          <p:nvPr>
-            <p:extLst>
-              <p:ext uri="{386F3935-93C4-4BCD-93E2-E3B085C9AB24}">
-                <p16:designElem xmlns:p16="http://schemas.microsoft.com/office/powerpoint/2015/main" val="1"/>
-              </p:ext>
-            </p:extLst>
-          </p:nvPr>
-        </p:nvSpPr>
-        <p:spPr>
-          <a:xfrm>
-            <a:off x="0" y="0"/>
-            <a:ext cx="12189867" cy="6855282"/>
-          </a:xfrm>
-          <a:prstGeom prst="rect">
-            <a:avLst/>
-          </a:prstGeom>
-          <a:ln>
-            <a:noFill/>
-          </a:ln>
-        </p:spPr>
-        <p:style>
-          <a:lnRef idx="2">
-            <a:schemeClr val="accent1">
-              <a:shade val="50000"/>
-            </a:schemeClr>
-          </a:lnRef>
-          <a:fillRef idx="1">
-            <a:schemeClr val="accent1"/>
-          </a:fillRef>
-          <a:effectRef idx="0">
-            <a:schemeClr val="accent1"/>
-          </a:effectRef>
-          <a:fontRef idx="minor">
-            <a:schemeClr val="lt1"/>
-          </a:fontRef>
-        </p:style>
-        <p:txBody>
-          <a:bodyPr rtlCol="0" anchor="ctr"/>
-          <a:lstStyle/>
-          <a:p>
-            <a:pPr algn="ctr"/>
-            <a:endParaRPr lang="en-US"/>
-          </a:p>
-        </p:txBody>
-      </p:sp>
       <p:pic>
         <p:nvPicPr>
-          <p:cNvPr id="73" name="Picture 72">
+          <p:cNvPr id="2050" name="Picture 2" descr="Antiga máquina de escrever da marca Olivetti Lettera 82">
             <a:extLst>
               <a:ext uri="{FF2B5EF4-FFF2-40B4-BE49-F238E27FC236}">
-                <a16:creationId xmlns:a16="http://schemas.microsoft.com/office/drawing/2014/main" id="{521321C5-E7EE-49D4-8BF3-7DD5F4260FFD}"/>
-              </a:ext>
-              <a:ext uri="{C183D7F6-B498-43B3-948B-1728B52AA6E4}">
-                <adec:decorative xmlns:adec="http://schemas.microsoft.com/office/drawing/2017/decorative" val="1"/>
-              </a:ext>
-            </a:extLst>
-          </p:cNvPr>
-          <p:cNvPicPr>
-            <a:picLocks noGrp="1" noRot="1" noChangeAspect="1" noMove="1" noResize="1" noEditPoints="1" noAdjustHandles="1" noChangeArrowheads="1" noChangeShapeType="1" noCrop="1"/>
-          </p:cNvPicPr>
-          <p:nvPr>
-            <p:extLst>
-              <p:ext uri="{386F3935-93C4-4BCD-93E2-E3B085C9AB24}">
-                <p16:designElem xmlns:p16="http://schemas.microsoft.com/office/powerpoint/2015/main" val="1"/>
-              </p:ext>
-            </p:extLst>
-          </p:nvPr>
-        </p:nvPicPr>
-        <p:blipFill>
-          <a:blip r:embed="rId3">
-            <a:extLst>
-              <a:ext uri="{28A0092B-C50C-407E-A947-70E740481C1C}">
-                <a14:useLocalDpi xmlns:a14="http://schemas.microsoft.com/office/drawing/2010/main" val="0"/>
-              </a:ext>
-            </a:extLst>
-          </a:blip>
-          <a:stretch>
-            <a:fillRect/>
-          </a:stretch>
-        </p:blipFill>
-        <p:spPr>
-          <a:xfrm>
-            <a:off x="2831794" y="2105202"/>
-            <a:ext cx="9360205" cy="4752798"/>
-          </a:xfrm>
-          <a:prstGeom prst="rect">
-            <a:avLst/>
-          </a:prstGeom>
-        </p:spPr>
-      </p:pic>
-      <p:pic>
-        <p:nvPicPr>
-          <p:cNvPr id="75" name="Picture 74">
-            <a:extLst>
-              <a:ext uri="{FF2B5EF4-FFF2-40B4-BE49-F238E27FC236}">
-                <a16:creationId xmlns:a16="http://schemas.microsoft.com/office/drawing/2014/main" id="{B4F98145-516D-4594-B0F0-0F5C85DAF2E2}"/>
-              </a:ext>
-              <a:ext uri="{C183D7F6-B498-43B3-948B-1728B52AA6E4}">
-                <adec:decorative xmlns:adec="http://schemas.microsoft.com/office/drawing/2017/decorative" val="1"/>
-              </a:ext>
-            </a:extLst>
-          </p:cNvPr>
-          <p:cNvPicPr>
-            <a:picLocks noGrp="1" noRot="1" noChangeAspect="1" noMove="1" noResize="1" noEditPoints="1" noAdjustHandles="1" noChangeArrowheads="1" noChangeShapeType="1" noCrop="1"/>
-          </p:cNvPicPr>
-          <p:nvPr>
-            <p:extLst>
-              <p:ext uri="{386F3935-93C4-4BCD-93E2-E3B085C9AB24}">
-                <p16:designElem xmlns:p16="http://schemas.microsoft.com/office/powerpoint/2015/main" val="1"/>
-              </p:ext>
-            </p:extLst>
-          </p:nvPr>
-        </p:nvPicPr>
-        <p:blipFill>
-          <a:blip r:embed="rId4">
-            <a:alphaModFix/>
-            <a:extLst>
-              <a:ext uri="{28A0092B-C50C-407E-A947-70E740481C1C}">
-                <a14:useLocalDpi xmlns:a14="http://schemas.microsoft.com/office/drawing/2010/main" val="0"/>
-              </a:ext>
-            </a:extLst>
-          </a:blip>
-          <a:stretch>
-            <a:fillRect/>
-          </a:stretch>
-        </p:blipFill>
-        <p:spPr>
-          <a:xfrm>
-            <a:off x="0" y="0"/>
-            <a:ext cx="12189867" cy="6858000"/>
-          </a:xfrm>
-          <a:prstGeom prst="rect">
-            <a:avLst/>
-          </a:prstGeom>
-        </p:spPr>
-      </p:pic>
-      <p:sp>
-        <p:nvSpPr>
-          <p:cNvPr id="77" name="Rectangle 76">
-            <a:extLst>
-              <a:ext uri="{FF2B5EF4-FFF2-40B4-BE49-F238E27FC236}">
-                <a16:creationId xmlns:a16="http://schemas.microsoft.com/office/drawing/2014/main" id="{249DD94E-466E-443D-84D4-95364BF81702}"/>
-              </a:ext>
-              <a:ext uri="{C183D7F6-B498-43B3-948B-1728B52AA6E4}">
-                <adec:decorative xmlns:adec="http://schemas.microsoft.com/office/drawing/2017/decorative" val="1"/>
-              </a:ext>
-            </a:extLst>
-          </p:cNvPr>
-          <p:cNvSpPr>
-            <a:spLocks noGrp="1" noRot="1" noChangeAspect="1" noMove="1" noResize="1" noEditPoints="1" noAdjustHandles="1" noChangeArrowheads="1" noChangeShapeType="1" noTextEdit="1"/>
-          </p:cNvSpPr>
-          <p:nvPr>
-            <p:extLst>
-              <p:ext uri="{386F3935-93C4-4BCD-93E2-E3B085C9AB24}">
-                <p16:designElem xmlns:p16="http://schemas.microsoft.com/office/powerpoint/2015/main" val="1"/>
-              </p:ext>
-            </p:extLst>
-          </p:nvPr>
-        </p:nvSpPr>
-        <p:spPr>
-          <a:xfrm>
-            <a:off x="0" y="0"/>
-            <a:ext cx="964174" cy="6858000"/>
-          </a:xfrm>
-          <a:prstGeom prst="rect">
-            <a:avLst/>
-          </a:prstGeom>
-          <a:solidFill>
-            <a:schemeClr val="bg2"/>
-          </a:solidFill>
-          <a:ln>
-            <a:noFill/>
-          </a:ln>
-        </p:spPr>
-        <p:style>
-          <a:lnRef idx="2">
-            <a:schemeClr val="accent1">
-              <a:shade val="50000"/>
-            </a:schemeClr>
-          </a:lnRef>
-          <a:fillRef idx="1">
-            <a:schemeClr val="accent1"/>
-          </a:fillRef>
-          <a:effectRef idx="0">
-            <a:schemeClr val="accent1"/>
-          </a:effectRef>
-          <a:fontRef idx="minor">
-            <a:schemeClr val="lt1"/>
-          </a:fontRef>
-        </p:style>
-        <p:txBody>
-          <a:bodyPr rtlCol="0" anchor="ctr"/>
-          <a:lstStyle/>
-          <a:p>
-            <a:pPr algn="ctr"/>
-            <a:endParaRPr lang="en-US"/>
-          </a:p>
-        </p:txBody>
-      </p:sp>
-      <p:sp>
-        <p:nvSpPr>
-          <p:cNvPr id="79" name="Rectangle 78">
-            <a:extLst>
-              <a:ext uri="{FF2B5EF4-FFF2-40B4-BE49-F238E27FC236}">
-                <a16:creationId xmlns:a16="http://schemas.microsoft.com/office/drawing/2014/main" id="{D730E5A1-76E1-474B-9303-1A42C5373327}"/>
-              </a:ext>
-              <a:ext uri="{C183D7F6-B498-43B3-948B-1728B52AA6E4}">
-                <adec:decorative xmlns:adec="http://schemas.microsoft.com/office/drawing/2017/decorative" val="1"/>
-              </a:ext>
-            </a:extLst>
-          </p:cNvPr>
-          <p:cNvSpPr>
-            <a:spLocks noGrp="1" noRot="1" noChangeAspect="1" noMove="1" noResize="1" noEditPoints="1" noAdjustHandles="1" noChangeArrowheads="1" noChangeShapeType="1" noTextEdit="1"/>
-          </p:cNvSpPr>
-          <p:nvPr>
-            <p:extLst>
-              <p:ext uri="{386F3935-93C4-4BCD-93E2-E3B085C9AB24}">
-                <p16:designElem xmlns:p16="http://schemas.microsoft.com/office/powerpoint/2015/main" val="1"/>
-              </p:ext>
-            </p:extLst>
-          </p:nvPr>
-        </p:nvSpPr>
-        <p:spPr>
-          <a:xfrm>
-            <a:off x="962042" y="0"/>
-            <a:ext cx="45719" cy="6858000"/>
-          </a:xfrm>
-          <a:prstGeom prst="rect">
-            <a:avLst/>
-          </a:prstGeom>
-          <a:solidFill>
-            <a:schemeClr val="accent6"/>
-          </a:solidFill>
-          <a:ln>
-            <a:noFill/>
-          </a:ln>
-        </p:spPr>
-        <p:style>
-          <a:lnRef idx="2">
-            <a:schemeClr val="accent1">
-              <a:shade val="50000"/>
-            </a:schemeClr>
-          </a:lnRef>
-          <a:fillRef idx="1">
-            <a:schemeClr val="accent1"/>
-          </a:fillRef>
-          <a:effectRef idx="0">
-            <a:schemeClr val="accent1"/>
-          </a:effectRef>
-          <a:fontRef idx="minor">
-            <a:schemeClr val="lt1"/>
-          </a:fontRef>
-        </p:style>
-        <p:txBody>
-          <a:bodyPr rtlCol="0" anchor="ctr"/>
-          <a:lstStyle/>
-          <a:p>
-            <a:pPr algn="ctr"/>
-            <a:endParaRPr lang="en-US"/>
-          </a:p>
-        </p:txBody>
-      </p:sp>
-      <p:sp>
-        <p:nvSpPr>
-          <p:cNvPr id="81" name="Rectangle 80">
-            <a:extLst>
-              <a:ext uri="{FF2B5EF4-FFF2-40B4-BE49-F238E27FC236}">
-                <a16:creationId xmlns:a16="http://schemas.microsoft.com/office/drawing/2014/main" id="{25E42092-1184-49FF-8DE1-34B280A4F1E3}"/>
-              </a:ext>
-              <a:ext uri="{C183D7F6-B498-43B3-948B-1728B52AA6E4}">
-                <adec:decorative xmlns:adec="http://schemas.microsoft.com/office/drawing/2017/decorative" val="1"/>
-              </a:ext>
-            </a:extLst>
-          </p:cNvPr>
-          <p:cNvSpPr>
-            <a:spLocks noGrp="1" noRot="1" noChangeAspect="1" noMove="1" noResize="1" noEditPoints="1" noAdjustHandles="1" noChangeArrowheads="1" noChangeShapeType="1" noTextEdit="1"/>
-          </p:cNvSpPr>
-          <p:nvPr>
-            <p:extLst>
-              <p:ext uri="{386F3935-93C4-4BCD-93E2-E3B085C9AB24}">
-                <p16:designElem xmlns:p16="http://schemas.microsoft.com/office/powerpoint/2015/main" val="1"/>
-              </p:ext>
-            </p:extLst>
-          </p:nvPr>
-        </p:nvSpPr>
-        <p:spPr>
-          <a:xfrm>
-            <a:off x="1007533" y="0"/>
-            <a:ext cx="10378001" cy="6858000"/>
-          </a:xfrm>
-          <a:prstGeom prst="rect">
-            <a:avLst/>
-          </a:prstGeom>
-          <a:solidFill>
-            <a:schemeClr val="bg2">
-              <a:alpha val="92000"/>
-            </a:schemeClr>
-          </a:solidFill>
-          <a:ln>
-            <a:noFill/>
-          </a:ln>
-        </p:spPr>
-        <p:style>
-          <a:lnRef idx="2">
-            <a:schemeClr val="accent1">
-              <a:shade val="50000"/>
-            </a:schemeClr>
-          </a:lnRef>
-          <a:fillRef idx="1">
-            <a:schemeClr val="accent1"/>
-          </a:fillRef>
-          <a:effectRef idx="0">
-            <a:schemeClr val="accent1"/>
-          </a:effectRef>
-          <a:fontRef idx="minor">
-            <a:schemeClr val="lt1"/>
-          </a:fontRef>
-        </p:style>
-        <p:txBody>
-          <a:bodyPr rtlCol="0" anchor="ctr"/>
-          <a:lstStyle/>
-          <a:p>
-            <a:pPr algn="ctr"/>
-            <a:endParaRPr lang="en-US"/>
-          </a:p>
-        </p:txBody>
-      </p:sp>
-      <p:sp>
-        <p:nvSpPr>
-          <p:cNvPr id="2" name="Título 1">
-            <a:extLst>
-              <a:ext uri="{FF2B5EF4-FFF2-40B4-BE49-F238E27FC236}">
-                <a16:creationId xmlns:a16="http://schemas.microsoft.com/office/drawing/2014/main" id="{012A1E87-7F93-41C2-B776-0320377121AD}"/>
-              </a:ext>
-            </a:extLst>
-          </p:cNvPr>
-          <p:cNvSpPr>
-            <a:spLocks noGrp="1"/>
-          </p:cNvSpPr>
-          <p:nvPr>
-            <p:ph type="ctrTitle"/>
-          </p:nvPr>
-        </p:nvSpPr>
-        <p:spPr>
-          <a:xfrm>
-            <a:off x="1969803" y="2729751"/>
-            <a:ext cx="4688241" cy="2268559"/>
-          </a:xfrm>
-        </p:spPr>
-        <p:txBody>
-          <a:bodyPr>
-            <a:normAutofit/>
-          </a:bodyPr>
-          <a:lstStyle/>
-          <a:p>
-            <a:r>
-              <a:rPr lang="pt-BR" sz="5000"/>
-              <a:t>Gerenciamento de projetos</a:t>
-            </a:r>
-          </a:p>
-        </p:txBody>
-      </p:sp>
-      <p:sp>
-        <p:nvSpPr>
-          <p:cNvPr id="3" name="Subtítulo 2">
-            <a:extLst>
-              <a:ext uri="{FF2B5EF4-FFF2-40B4-BE49-F238E27FC236}">
-                <a16:creationId xmlns:a16="http://schemas.microsoft.com/office/drawing/2014/main" id="{C9BAC176-CE77-4135-B9C1-481974DD0797}"/>
-              </a:ext>
-            </a:extLst>
-          </p:cNvPr>
-          <p:cNvSpPr>
-            <a:spLocks noGrp="1"/>
-          </p:cNvSpPr>
-          <p:nvPr>
-            <p:ph type="subTitle" idx="1"/>
-          </p:nvPr>
-        </p:nvSpPr>
-        <p:spPr>
-          <a:xfrm>
-            <a:off x="2124907" y="1569539"/>
-            <a:ext cx="4510182" cy="1160213"/>
-          </a:xfrm>
-        </p:spPr>
-        <p:txBody>
-          <a:bodyPr>
-            <a:normAutofit/>
-          </a:bodyPr>
-          <a:lstStyle/>
-          <a:p>
-            <a:pPr>
-              <a:lnSpc>
-                <a:spcPct val="110000"/>
-              </a:lnSpc>
-            </a:pPr>
-            <a:endParaRPr lang="pt-BR" sz="1100"/>
-          </a:p>
-          <a:p>
-            <a:pPr>
-              <a:lnSpc>
-                <a:spcPct val="110000"/>
-              </a:lnSpc>
-            </a:pPr>
-            <a:r>
-              <a:rPr lang="pt-BR" sz="1100"/>
-              <a:t>Exemplo 02</a:t>
-            </a:r>
-          </a:p>
-          <a:p>
-            <a:pPr>
-              <a:lnSpc>
-                <a:spcPct val="110000"/>
-              </a:lnSpc>
-            </a:pPr>
-            <a:r>
-              <a:rPr lang="pt-BR" sz="1100"/>
-              <a:t>Fazer um curso.</a:t>
-            </a:r>
-          </a:p>
-          <a:p>
-            <a:pPr>
-              <a:lnSpc>
-                <a:spcPct val="110000"/>
-              </a:lnSpc>
-            </a:pPr>
-            <a:endParaRPr lang="pt-BR" sz="1100"/>
-          </a:p>
-        </p:txBody>
-      </p:sp>
-      <p:pic>
-        <p:nvPicPr>
-          <p:cNvPr id="3074" name="Picture 2" descr="MTUR TEM 21 CURSOS GRATUITOS COM INSCRIÇÕES ABERTAS - Águas do Oeste  Catarinense Convention &amp; Visitors Bureau">
-            <a:extLst>
-              <a:ext uri="{FF2B5EF4-FFF2-40B4-BE49-F238E27FC236}">
-                <a16:creationId xmlns:a16="http://schemas.microsoft.com/office/drawing/2014/main" id="{CF4F16F4-E739-444F-8559-2A6D733F00C3}"/>
+                <a16:creationId xmlns:a16="http://schemas.microsoft.com/office/drawing/2014/main" id="{84D58F28-8FEE-49F3-B808-DCD2FAD46218}"/>
               </a:ext>
             </a:extLst>
           </p:cNvPr>
@@ -7938,58 +8386,30 @@
           </p:cNvPicPr>
           <p:nvPr/>
         </p:nvPicPr>
-        <p:blipFill rotWithShape="1">
-          <a:blip r:embed="rId5">
+        <p:blipFill>
+          <a:blip r:embed="rId6">
             <a:extLst>
               <a:ext uri="{28A0092B-C50C-407E-A947-70E740481C1C}">
                 <a14:useLocalDpi xmlns:a14="http://schemas.microsoft.com/office/drawing/2010/main" val="0"/>
               </a:ext>
             </a:extLst>
           </a:blip>
-          <a:srcRect l="28034" r="16544" b="1"/>
-          <a:stretch/>
+          <a:stretch>
+            <a:fillRect/>
+          </a:stretch>
         </p:blipFill>
         <p:spPr bwMode="auto">
           <a:xfrm>
-            <a:off x="1320574" y="61694"/>
-            <a:ext cx="2639236" cy="2666698"/>
+            <a:off x="8655239" y="316486"/>
+            <a:ext cx="2310796" cy="2949459"/>
           </a:xfrm>
           <a:prstGeom prst="rect">
             <a:avLst/>
           </a:prstGeom>
           <a:noFill/>
-          <a:ln>
-            <a:gradFill flip="none" rotWithShape="1">
-              <a:gsLst>
-                <a:gs pos="86000">
-                  <a:schemeClr val="accent6">
-                    <a:lumMod val="67000"/>
-                  </a:schemeClr>
-                </a:gs>
-                <a:gs pos="20000">
-                  <a:schemeClr val="accent6">
-                    <a:lumMod val="97000"/>
-                    <a:lumOff val="3000"/>
-                  </a:schemeClr>
-                </a:gs>
-                <a:gs pos="100000">
-                  <a:schemeClr val="accent6">
-                    <a:lumMod val="60000"/>
-                    <a:lumOff val="40000"/>
-                  </a:schemeClr>
-                </a:gs>
-              </a:gsLst>
-              <a:lin ang="16200000" scaled="1"/>
-              <a:tileRect/>
-            </a:gradFill>
+          <a:ln w="12700">
+            <a:noFill/>
           </a:ln>
-          <a:effectLst>
-            <a:innerShdw blurRad="127000">
-              <a:prstClr val="black">
-                <a:alpha val="90000"/>
-              </a:prstClr>
-            </a:innerShdw>
-          </a:effectLst>
           <a:extLst>
             <a:ext uri="{909E8E84-426E-40DD-AFC4-6F175D3DCCD1}">
               <a14:hiddenFill xmlns:a14="http://schemas.microsoft.com/office/drawing/2010/main">
@@ -8003,10 +8423,375 @@
       </p:pic>
       <p:sp>
         <p:nvSpPr>
-          <p:cNvPr id="83" name="Rectangle 82">
+          <p:cNvPr id="270" name="Rectangle 269">
             <a:extLst>
               <a:ext uri="{FF2B5EF4-FFF2-40B4-BE49-F238E27FC236}">
-                <a16:creationId xmlns:a16="http://schemas.microsoft.com/office/drawing/2014/main" id="{E30419FB-3F46-4553-9607-D1AA2CAF1DA9}"/>
+                <a16:creationId xmlns:a16="http://schemas.microsoft.com/office/drawing/2014/main" id="{4AE2713F-F7A8-4BE0-98B3-C682F1610B91}"/>
+              </a:ext>
+              <a:ext uri="{C183D7F6-B498-43B3-948B-1728B52AA6E4}">
+                <adec:decorative xmlns:adec="http://schemas.microsoft.com/office/drawing/2017/decorative" val="1"/>
+              </a:ext>
+            </a:extLst>
+          </p:cNvPr>
+          <p:cNvSpPr>
+            <a:spLocks noGrp="1" noRot="1" noChangeAspect="1" noMove="1" noResize="1" noEditPoints="1" noAdjustHandles="1" noChangeArrowheads="1" noChangeShapeType="1" noTextEdit="1"/>
+          </p:cNvSpPr>
+          <p:nvPr>
+            <p:extLst>
+              <p:ext uri="{386F3935-93C4-4BCD-93E2-E3B085C9AB24}">
+                <p16:designElem xmlns:p16="http://schemas.microsoft.com/office/powerpoint/2015/main" val="1"/>
+              </p:ext>
+            </p:extLst>
+          </p:nvPr>
+        </p:nvSpPr>
+        <p:spPr>
+          <a:xfrm>
+            <a:off x="5663761" y="233120"/>
+            <a:ext cx="2665434" cy="3113093"/>
+          </a:xfrm>
+          <a:prstGeom prst="rect">
+            <a:avLst/>
+          </a:prstGeom>
+          <a:noFill/>
+          <a:ln w="9525">
+            <a:solidFill>
+              <a:schemeClr val="accent6">
+                <a:lumMod val="60000"/>
+                <a:lumOff val="40000"/>
+                <a:alpha val="80000"/>
+              </a:schemeClr>
+            </a:solidFill>
+          </a:ln>
+        </p:spPr>
+        <p:style>
+          <a:lnRef idx="2">
+            <a:schemeClr val="accent1">
+              <a:shade val="50000"/>
+            </a:schemeClr>
+          </a:lnRef>
+          <a:fillRef idx="1">
+            <a:schemeClr val="accent1"/>
+          </a:fillRef>
+          <a:effectRef idx="0">
+            <a:schemeClr val="accent1"/>
+          </a:effectRef>
+          <a:fontRef idx="minor">
+            <a:schemeClr val="lt1"/>
+          </a:fontRef>
+        </p:style>
+        <p:txBody>
+          <a:bodyPr rtlCol="0" anchor="ctr"/>
+          <a:lstStyle/>
+          <a:p>
+            <a:pPr algn="ctr"/>
+            <a:endParaRPr lang="en-US"/>
+          </a:p>
+        </p:txBody>
+      </p:sp>
+      <p:sp>
+        <p:nvSpPr>
+          <p:cNvPr id="271" name="Rectangle 270">
+            <a:extLst>
+              <a:ext uri="{FF2B5EF4-FFF2-40B4-BE49-F238E27FC236}">
+                <a16:creationId xmlns:a16="http://schemas.microsoft.com/office/drawing/2014/main" id="{4D78C5D7-9B27-449A-BBE7-BC1278A4ED27}"/>
+              </a:ext>
+              <a:ext uri="{C183D7F6-B498-43B3-948B-1728B52AA6E4}">
+                <adec:decorative xmlns:adec="http://schemas.microsoft.com/office/drawing/2017/decorative" val="1"/>
+              </a:ext>
+            </a:extLst>
+          </p:cNvPr>
+          <p:cNvSpPr>
+            <a:spLocks noGrp="1" noRot="1" noChangeAspect="1" noMove="1" noResize="1" noEditPoints="1" noAdjustHandles="1" noChangeArrowheads="1" noChangeShapeType="1" noTextEdit="1"/>
+          </p:cNvSpPr>
+          <p:nvPr>
+            <p:extLst>
+              <p:ext uri="{386F3935-93C4-4BCD-93E2-E3B085C9AB24}">
+                <p16:designElem xmlns:p16="http://schemas.microsoft.com/office/powerpoint/2015/main" val="1"/>
+              </p:ext>
+            </p:extLst>
+          </p:nvPr>
+        </p:nvSpPr>
+        <p:spPr>
+          <a:xfrm>
+            <a:off x="8476571" y="231089"/>
+            <a:ext cx="2665434" cy="3113093"/>
+          </a:xfrm>
+          <a:prstGeom prst="rect">
+            <a:avLst/>
+          </a:prstGeom>
+          <a:noFill/>
+          <a:ln w="9525">
+            <a:solidFill>
+              <a:schemeClr val="accent6">
+                <a:lumMod val="60000"/>
+                <a:lumOff val="40000"/>
+                <a:alpha val="80000"/>
+              </a:schemeClr>
+            </a:solidFill>
+          </a:ln>
+        </p:spPr>
+        <p:style>
+          <a:lnRef idx="2">
+            <a:schemeClr val="accent1">
+              <a:shade val="50000"/>
+            </a:schemeClr>
+          </a:lnRef>
+          <a:fillRef idx="1">
+            <a:schemeClr val="accent1"/>
+          </a:fillRef>
+          <a:effectRef idx="0">
+            <a:schemeClr val="accent1"/>
+          </a:effectRef>
+          <a:fontRef idx="minor">
+            <a:schemeClr val="lt1"/>
+          </a:fontRef>
+        </p:style>
+        <p:txBody>
+          <a:bodyPr rtlCol="0" anchor="ctr"/>
+          <a:lstStyle/>
+          <a:p>
+            <a:pPr algn="ctr"/>
+            <a:endParaRPr lang="en-US"/>
+          </a:p>
+        </p:txBody>
+      </p:sp>
+      <p:pic>
+        <p:nvPicPr>
+          <p:cNvPr id="3074" name="Picture 2" descr="MTUR TEM 21 CURSOS GRATUITOS COM INSCRIÇÕES ABERTAS - Águas do Oeste  Catarinense Convention &amp; Visitors Bureau">
+            <a:extLst>
+              <a:ext uri="{FF2B5EF4-FFF2-40B4-BE49-F238E27FC236}">
+                <a16:creationId xmlns:a16="http://schemas.microsoft.com/office/drawing/2014/main" id="{CF4F16F4-E739-444F-8559-2A6D733F00C3}"/>
+              </a:ext>
+            </a:extLst>
+          </p:cNvPr>
+          <p:cNvPicPr>
+            <a:picLocks noChangeAspect="1" noChangeArrowheads="1"/>
+          </p:cNvPicPr>
+          <p:nvPr/>
+        </p:nvPicPr>
+        <p:blipFill rotWithShape="1">
+          <a:blip r:embed="rId7">
+            <a:extLst>
+              <a:ext uri="{28A0092B-C50C-407E-A947-70E740481C1C}">
+                <a14:useLocalDpi xmlns:a14="http://schemas.microsoft.com/office/drawing/2010/main" val="0"/>
+              </a:ext>
+            </a:extLst>
+          </a:blip>
+          <a:srcRect l="28034" r="16544" b="1"/>
+          <a:stretch/>
+        </p:blipFill>
+        <p:spPr bwMode="auto">
+          <a:xfrm>
+            <a:off x="5750057" y="3794115"/>
+            <a:ext cx="2502819" cy="2528893"/>
+          </a:xfrm>
+          <a:prstGeom prst="rect">
+            <a:avLst/>
+          </a:prstGeom>
+          <a:noFill/>
+          <a:ln w="12700">
+            <a:noFill/>
+          </a:ln>
+          <a:extLst>
+            <a:ext uri="{909E8E84-426E-40DD-AFC4-6F175D3DCCD1}">
+              <a14:hiddenFill xmlns:a14="http://schemas.microsoft.com/office/drawing/2010/main">
+                <a:solidFill>
+                  <a:srgbClr val="FFFFFF"/>
+                </a:solidFill>
+              </a14:hiddenFill>
+            </a:ext>
+          </a:extLst>
+        </p:spPr>
+      </p:pic>
+      <p:sp>
+        <p:nvSpPr>
+          <p:cNvPr id="272" name="Rectangle 271">
+            <a:extLst>
+              <a:ext uri="{FF2B5EF4-FFF2-40B4-BE49-F238E27FC236}">
+                <a16:creationId xmlns:a16="http://schemas.microsoft.com/office/drawing/2014/main" id="{7DE9FBAC-D025-4348-BA7F-835AE4AF5300}"/>
+              </a:ext>
+              <a:ext uri="{C183D7F6-B498-43B3-948B-1728B52AA6E4}">
+                <adec:decorative xmlns:adec="http://schemas.microsoft.com/office/drawing/2017/decorative" val="1"/>
+              </a:ext>
+            </a:extLst>
+          </p:cNvPr>
+          <p:cNvSpPr>
+            <a:spLocks noGrp="1" noRot="1" noChangeAspect="1" noMove="1" noResize="1" noEditPoints="1" noAdjustHandles="1" noChangeArrowheads="1" noChangeShapeType="1" noTextEdit="1"/>
+          </p:cNvSpPr>
+          <p:nvPr>
+            <p:extLst>
+              <p:ext uri="{386F3935-93C4-4BCD-93E2-E3B085C9AB24}">
+                <p16:designElem xmlns:p16="http://schemas.microsoft.com/office/powerpoint/2015/main" val="1"/>
+              </p:ext>
+            </p:extLst>
+          </p:nvPr>
+        </p:nvSpPr>
+        <p:spPr>
+          <a:xfrm>
+            <a:off x="5663761" y="3507621"/>
+            <a:ext cx="2665434" cy="3113093"/>
+          </a:xfrm>
+          <a:prstGeom prst="rect">
+            <a:avLst/>
+          </a:prstGeom>
+          <a:noFill/>
+          <a:ln w="9525">
+            <a:solidFill>
+              <a:schemeClr val="accent6">
+                <a:lumMod val="60000"/>
+                <a:lumOff val="40000"/>
+                <a:alpha val="80000"/>
+              </a:schemeClr>
+            </a:solidFill>
+          </a:ln>
+        </p:spPr>
+        <p:style>
+          <a:lnRef idx="2">
+            <a:schemeClr val="accent1">
+              <a:shade val="50000"/>
+            </a:schemeClr>
+          </a:lnRef>
+          <a:fillRef idx="1">
+            <a:schemeClr val="accent1"/>
+          </a:fillRef>
+          <a:effectRef idx="0">
+            <a:schemeClr val="accent1"/>
+          </a:effectRef>
+          <a:fontRef idx="minor">
+            <a:schemeClr val="lt1"/>
+          </a:fontRef>
+        </p:style>
+        <p:txBody>
+          <a:bodyPr rtlCol="0" anchor="ctr"/>
+          <a:lstStyle/>
+          <a:p>
+            <a:pPr algn="ctr"/>
+            <a:endParaRPr lang="en-US"/>
+          </a:p>
+        </p:txBody>
+      </p:sp>
+      <p:pic>
+        <p:nvPicPr>
+          <p:cNvPr id="2052" name="Picture 4" descr="Mundo Antigo&amp;Companhia: Olivetti Lettera 32">
+            <a:extLst>
+              <a:ext uri="{FF2B5EF4-FFF2-40B4-BE49-F238E27FC236}">
+                <a16:creationId xmlns:a16="http://schemas.microsoft.com/office/drawing/2014/main" id="{99BB97A3-9B1D-40BD-9160-35F09FA288A3}"/>
+              </a:ext>
+            </a:extLst>
+          </p:cNvPr>
+          <p:cNvPicPr>
+            <a:picLocks noChangeAspect="1" noChangeArrowheads="1"/>
+          </p:cNvPicPr>
+          <p:nvPr/>
+        </p:nvPicPr>
+        <p:blipFill>
+          <a:blip r:embed="rId8">
+            <a:extLst>
+              <a:ext uri="{28A0092B-C50C-407E-A947-70E740481C1C}">
+                <a14:useLocalDpi xmlns:a14="http://schemas.microsoft.com/office/drawing/2010/main" val="0"/>
+              </a:ext>
+            </a:extLst>
+          </a:blip>
+          <a:stretch>
+            <a:fillRect/>
+          </a:stretch>
+        </p:blipFill>
+        <p:spPr bwMode="auto">
+          <a:xfrm>
+            <a:off x="8565468" y="4111260"/>
+            <a:ext cx="2490339" cy="1891885"/>
+          </a:xfrm>
+          <a:prstGeom prst="rect">
+            <a:avLst/>
+          </a:prstGeom>
+          <a:noFill/>
+          <a:ln w="12700">
+            <a:noFill/>
+          </a:ln>
+          <a:extLst>
+            <a:ext uri="{909E8E84-426E-40DD-AFC4-6F175D3DCCD1}">
+              <a14:hiddenFill xmlns:a14="http://schemas.microsoft.com/office/drawing/2010/main">
+                <a:solidFill>
+                  <a:srgbClr val="FFFFFF"/>
+                </a:solidFill>
+              </a14:hiddenFill>
+            </a:ext>
+          </a:extLst>
+        </p:spPr>
+      </p:pic>
+      <p:sp>
+        <p:nvSpPr>
+          <p:cNvPr id="273" name="Rectangle 272">
+            <a:extLst>
+              <a:ext uri="{FF2B5EF4-FFF2-40B4-BE49-F238E27FC236}">
+                <a16:creationId xmlns:a16="http://schemas.microsoft.com/office/drawing/2014/main" id="{17D75F59-1C68-4FE9-B753-7E04837447B8}"/>
+              </a:ext>
+              <a:ext uri="{C183D7F6-B498-43B3-948B-1728B52AA6E4}">
+                <adec:decorative xmlns:adec="http://schemas.microsoft.com/office/drawing/2017/decorative" val="1"/>
+              </a:ext>
+            </a:extLst>
+          </p:cNvPr>
+          <p:cNvSpPr>
+            <a:spLocks noGrp="1" noRot="1" noChangeAspect="1" noMove="1" noResize="1" noEditPoints="1" noAdjustHandles="1" noChangeArrowheads="1" noChangeShapeType="1" noTextEdit="1"/>
+          </p:cNvSpPr>
+          <p:nvPr>
+            <p:extLst>
+              <p:ext uri="{386F3935-93C4-4BCD-93E2-E3B085C9AB24}">
+                <p16:designElem xmlns:p16="http://schemas.microsoft.com/office/powerpoint/2015/main" val="1"/>
+              </p:ext>
+            </p:extLst>
+          </p:nvPr>
+        </p:nvSpPr>
+        <p:spPr>
+          <a:xfrm>
+            <a:off x="8476571" y="3505431"/>
+            <a:ext cx="2665434" cy="3113093"/>
+          </a:xfrm>
+          <a:prstGeom prst="rect">
+            <a:avLst/>
+          </a:prstGeom>
+          <a:noFill/>
+          <a:ln w="9525">
+            <a:solidFill>
+              <a:schemeClr val="accent6">
+                <a:lumMod val="60000"/>
+                <a:lumOff val="40000"/>
+                <a:alpha val="80000"/>
+              </a:schemeClr>
+            </a:solidFill>
+          </a:ln>
+        </p:spPr>
+        <p:style>
+          <a:lnRef idx="2">
+            <a:schemeClr val="accent1">
+              <a:shade val="50000"/>
+            </a:schemeClr>
+          </a:lnRef>
+          <a:fillRef idx="1">
+            <a:schemeClr val="accent1"/>
+          </a:fillRef>
+          <a:effectRef idx="0">
+            <a:schemeClr val="accent1"/>
+          </a:effectRef>
+          <a:fontRef idx="minor">
+            <a:schemeClr val="lt1"/>
+          </a:fontRef>
+        </p:style>
+        <p:txBody>
+          <a:bodyPr rtlCol="0" anchor="ctr"/>
+          <a:lstStyle/>
+          <a:p>
+            <a:pPr algn="ctr"/>
+            <a:endParaRPr lang="en-US"/>
+          </a:p>
+        </p:txBody>
+      </p:sp>
+      <p:sp>
+        <p:nvSpPr>
+          <p:cNvPr id="274" name="Rectangle 273">
+            <a:extLst>
+              <a:ext uri="{FF2B5EF4-FFF2-40B4-BE49-F238E27FC236}">
+                <a16:creationId xmlns:a16="http://schemas.microsoft.com/office/drawing/2014/main" id="{901E9B0E-F2C4-40FF-B9B8-58A7EEF3AE68}"/>
               </a:ext>
               <a:ext uri="{C183D7F6-B498-43B3-948B-1728B52AA6E4}">
                 <adec:decorative xmlns:adec="http://schemas.microsoft.com/office/drawing/2017/decorative" val="1"/>
@@ -8105,10 +8890,10 @@
       </p:grpSpPr>
       <p:pic>
         <p:nvPicPr>
-          <p:cNvPr id="135" name="Picture 134">
+          <p:cNvPr id="137" name="Picture 136">
             <a:extLst>
               <a:ext uri="{FF2B5EF4-FFF2-40B4-BE49-F238E27FC236}">
-                <a16:creationId xmlns:a16="http://schemas.microsoft.com/office/drawing/2014/main" id="{2FA3880A-8D8F-466C-A4A1-F07BCDD3719C}"/>
+                <a16:creationId xmlns:a16="http://schemas.microsoft.com/office/drawing/2014/main" id="{27792309-2D28-41BC-84CF-A610592772C5}"/>
               </a:ext>
               <a:ext uri="{C183D7F6-B498-43B3-948B-1728B52AA6E4}">
                 <adec:decorative xmlns:adec="http://schemas.microsoft.com/office/drawing/2017/decorative" val="1"/>
@@ -8150,10 +8935,10 @@
       </p:pic>
       <p:pic>
         <p:nvPicPr>
-          <p:cNvPr id="137" name="Picture 136">
+          <p:cNvPr id="139" name="Picture 138">
             <a:extLst>
               <a:ext uri="{FF2B5EF4-FFF2-40B4-BE49-F238E27FC236}">
-                <a16:creationId xmlns:a16="http://schemas.microsoft.com/office/drawing/2014/main" id="{3C0A64CB-20A1-4508-B568-284EB04F78EE}"/>
+                <a16:creationId xmlns:a16="http://schemas.microsoft.com/office/drawing/2014/main" id="{A4A77C25-5F33-4CC5-AAF6-E8103126E98B}"/>
               </a:ext>
               <a:ext uri="{C183D7F6-B498-43B3-948B-1728B52AA6E4}">
                 <adec:decorative xmlns:adec="http://schemas.microsoft.com/office/drawing/2017/decorative" val="1"/>
@@ -8195,10 +8980,10 @@
       </p:pic>
       <p:sp>
         <p:nvSpPr>
-          <p:cNvPr id="139" name="Rectangle 138">
+          <p:cNvPr id="141" name="Rectangle 140">
             <a:extLst>
               <a:ext uri="{FF2B5EF4-FFF2-40B4-BE49-F238E27FC236}">
-                <a16:creationId xmlns:a16="http://schemas.microsoft.com/office/drawing/2014/main" id="{8DA14841-53A4-4935-BE65-C8373B8A6D06}"/>
+                <a16:creationId xmlns:a16="http://schemas.microsoft.com/office/drawing/2014/main" id="{D3777338-BF67-4A6E-A733-9D0E81C8ACB1}"/>
               </a:ext>
               <a:ext uri="{C183D7F6-B498-43B3-948B-1728B52AA6E4}">
                 <adec:decorative xmlns:adec="http://schemas.microsoft.com/office/drawing/2017/decorative" val="1"/>
@@ -8250,10 +9035,10 @@
       </p:sp>
       <p:sp>
         <p:nvSpPr>
-          <p:cNvPr id="141" name="Rectangle 140">
+          <p:cNvPr id="143" name="Rectangle 142">
             <a:extLst>
               <a:ext uri="{FF2B5EF4-FFF2-40B4-BE49-F238E27FC236}">
-                <a16:creationId xmlns:a16="http://schemas.microsoft.com/office/drawing/2014/main" id="{9877C2CF-B2DD-41C8-8B5E-152673376B41}"/>
+                <a16:creationId xmlns:a16="http://schemas.microsoft.com/office/drawing/2014/main" id="{AC70F0F3-B393-4F7C-9317-B73BFE59F6A0}"/>
               </a:ext>
               <a:ext uri="{C183D7F6-B498-43B3-948B-1728B52AA6E4}">
                 <adec:decorative xmlns:adec="http://schemas.microsoft.com/office/drawing/2017/decorative" val="1"/>
@@ -8305,10 +9090,10 @@
       </p:sp>
       <p:sp>
         <p:nvSpPr>
-          <p:cNvPr id="143" name="Rectangle 142">
+          <p:cNvPr id="145" name="Rectangle 144">
             <a:extLst>
               <a:ext uri="{FF2B5EF4-FFF2-40B4-BE49-F238E27FC236}">
-                <a16:creationId xmlns:a16="http://schemas.microsoft.com/office/drawing/2014/main" id="{24923D72-7E69-464B-94C5-B2530008D094}"/>
+                <a16:creationId xmlns:a16="http://schemas.microsoft.com/office/drawing/2014/main" id="{06B9E37E-2605-48C1-A18D-B57D87301DF0}"/>
               </a:ext>
               <a:ext uri="{C183D7F6-B498-43B3-948B-1728B52AA6E4}">
                 <adec:decorative xmlns:adec="http://schemas.microsoft.com/office/drawing/2017/decorative" val="1"/>
@@ -8362,10 +9147,10 @@
       </p:sp>
       <p:sp>
         <p:nvSpPr>
-          <p:cNvPr id="145" name="Rectangle 144">
+          <p:cNvPr id="147" name="Rectangle 146">
             <a:extLst>
               <a:ext uri="{FF2B5EF4-FFF2-40B4-BE49-F238E27FC236}">
-                <a16:creationId xmlns:a16="http://schemas.microsoft.com/office/drawing/2014/main" id="{A00CCC86-7A88-4DFF-A0D0-6604606A2AEA}"/>
+                <a16:creationId xmlns:a16="http://schemas.microsoft.com/office/drawing/2014/main" id="{8DE633AC-CE93-42B2-817C-417CF38A5508}"/>
               </a:ext>
               <a:ext uri="{C183D7F6-B498-43B3-948B-1728B52AA6E4}">
                 <adec:decorative xmlns:adec="http://schemas.microsoft.com/office/drawing/2017/decorative" val="1"/>
@@ -8417,10 +9202,10 @@
       </p:sp>
       <p:sp>
         <p:nvSpPr>
-          <p:cNvPr id="147" name="TextBox 146">
+          <p:cNvPr id="149" name="TextBox 148">
             <a:extLst>
               <a:ext uri="{FF2B5EF4-FFF2-40B4-BE49-F238E27FC236}">
-                <a16:creationId xmlns:a16="http://schemas.microsoft.com/office/drawing/2014/main" id="{E1F8ABFD-155B-4386-AE33-6E13057CFCF3}"/>
+                <a16:creationId xmlns:a16="http://schemas.microsoft.com/office/drawing/2014/main" id="{EE201BE5-DA89-47D9-983C-C69E24D1D957}"/>
               </a:ext>
               <a:ext uri="{C183D7F6-B498-43B3-948B-1728B52AA6E4}">
                 <adec:decorative xmlns:adec="http://schemas.microsoft.com/office/drawing/2017/decorative" val="1"/>
@@ -8479,10 +9264,10 @@
       </p:sp>
       <p:sp useBgFill="1">
         <p:nvSpPr>
-          <p:cNvPr id="149" name="Rectangle 148">
+          <p:cNvPr id="151" name="Rectangle 150">
             <a:extLst>
               <a:ext uri="{FF2B5EF4-FFF2-40B4-BE49-F238E27FC236}">
-                <a16:creationId xmlns:a16="http://schemas.microsoft.com/office/drawing/2014/main" id="{B3408E4B-2DDD-4FB3-9181-7D8A09775FB3}"/>
+                <a16:creationId xmlns:a16="http://schemas.microsoft.com/office/drawing/2014/main" id="{9ED1176E-8E8A-44E6-9BB7-81681F8A6C3A}"/>
               </a:ext>
               <a:ext uri="{C183D7F6-B498-43B3-948B-1728B52AA6E4}">
                 <adec:decorative xmlns:adec="http://schemas.microsoft.com/office/drawing/2017/decorative" val="1"/>
@@ -8539,10 +9324,10 @@
       </p:sp>
       <p:pic>
         <p:nvPicPr>
-          <p:cNvPr id="151" name="Picture 150">
+          <p:cNvPr id="153" name="Picture 152">
             <a:extLst>
               <a:ext uri="{FF2B5EF4-FFF2-40B4-BE49-F238E27FC236}">
-                <a16:creationId xmlns:a16="http://schemas.microsoft.com/office/drawing/2014/main" id="{3FCA32F3-0B4B-449A-8A9D-309A1B678252}"/>
+                <a16:creationId xmlns:a16="http://schemas.microsoft.com/office/drawing/2014/main" id="{904C700D-AD7C-45AB-A071-F0E6C3C8A10E}"/>
               </a:ext>
               <a:ext uri="{C183D7F6-B498-43B3-948B-1728B52AA6E4}">
                 <adec:decorative xmlns:adec="http://schemas.microsoft.com/office/drawing/2017/decorative" val="1"/>
@@ -8584,10 +9369,10 @@
       </p:pic>
       <p:pic>
         <p:nvPicPr>
-          <p:cNvPr id="153" name="Picture 152">
+          <p:cNvPr id="155" name="Picture 154">
             <a:extLst>
               <a:ext uri="{FF2B5EF4-FFF2-40B4-BE49-F238E27FC236}">
-                <a16:creationId xmlns:a16="http://schemas.microsoft.com/office/drawing/2014/main" id="{D1C78E1D-D549-4B5E-B65A-7353ED14D838}"/>
+                <a16:creationId xmlns:a16="http://schemas.microsoft.com/office/drawing/2014/main" id="{533ABD19-0610-48B2-BDFC-9A13BCF76B57}"/>
               </a:ext>
               <a:ext uri="{C183D7F6-B498-43B3-948B-1728B52AA6E4}">
                 <adec:decorative xmlns:adec="http://schemas.microsoft.com/office/drawing/2017/decorative" val="1"/>
@@ -8630,10 +9415,10 @@
       </p:pic>
       <p:sp>
         <p:nvSpPr>
-          <p:cNvPr id="155" name="Rectangle 154">
+          <p:cNvPr id="157" name="Rectangle 156">
             <a:extLst>
               <a:ext uri="{FF2B5EF4-FFF2-40B4-BE49-F238E27FC236}">
-                <a16:creationId xmlns:a16="http://schemas.microsoft.com/office/drawing/2014/main" id="{BC93C630-65D6-40FA-A096-8251FB983E45}"/>
+                <a16:creationId xmlns:a16="http://schemas.microsoft.com/office/drawing/2014/main" id="{77458FF0-F026-414C-9063-4079F96E8197}"/>
               </a:ext>
               <a:ext uri="{C183D7F6-B498-43B3-948B-1728B52AA6E4}">
                 <adec:decorative xmlns:adec="http://schemas.microsoft.com/office/drawing/2017/decorative" val="1"/>
@@ -8693,10 +9478,10 @@
       </p:sp>
       <p:sp>
         <p:nvSpPr>
-          <p:cNvPr id="157" name="Rectangle 156">
+          <p:cNvPr id="159" name="Rectangle 158">
             <a:extLst>
               <a:ext uri="{FF2B5EF4-FFF2-40B4-BE49-F238E27FC236}">
-                <a16:creationId xmlns:a16="http://schemas.microsoft.com/office/drawing/2014/main" id="{C2C51E34-9874-483C-A2C5-C9D271AD146E}"/>
+                <a16:creationId xmlns:a16="http://schemas.microsoft.com/office/drawing/2014/main" id="{E959CEF6-2862-47F1-A4D0-F4660D63CF73}"/>
               </a:ext>
               <a:ext uri="{C183D7F6-B498-43B3-948B-1728B52AA6E4}">
                 <adec:decorative xmlns:adec="http://schemas.microsoft.com/office/drawing/2017/decorative" val="1"/>
@@ -8756,10 +9541,10 @@
       </p:sp>
       <p:sp>
         <p:nvSpPr>
-          <p:cNvPr id="159" name="Rectangle 158">
+          <p:cNvPr id="161" name="Rectangle 160">
             <a:extLst>
               <a:ext uri="{FF2B5EF4-FFF2-40B4-BE49-F238E27FC236}">
-                <a16:creationId xmlns:a16="http://schemas.microsoft.com/office/drawing/2014/main" id="{6109E7E7-5EA4-4526-A350-196FF2782FC3}"/>
+                <a16:creationId xmlns:a16="http://schemas.microsoft.com/office/drawing/2014/main" id="{CB085464-D568-4939-A7C5-01015D9CD5E9}"/>
               </a:ext>
               <a:ext uri="{C183D7F6-B498-43B3-948B-1728B52AA6E4}">
                 <adec:decorative xmlns:adec="http://schemas.microsoft.com/office/drawing/2017/decorative" val="1"/>
@@ -8837,8 +9622,8 @@
         </p:nvSpPr>
         <p:spPr>
           <a:xfrm>
-            <a:off x="1969803" y="808056"/>
-            <a:ext cx="8608037" cy="1077229"/>
+            <a:off x="1964444" y="808056"/>
+            <a:ext cx="2739581" cy="1077229"/>
           </a:xfrm>
         </p:spPr>
         <p:txBody>
@@ -8849,7 +9634,7 @@
           <a:p>
             <a:pPr algn="l"/>
             <a:r>
-              <a:rPr lang="en-US" sz="3400"/>
+              <a:rPr lang="en-US" sz="2800"/>
               <a:t>Gerenciamento de projetos</a:t>
             </a:r>
           </a:p>
@@ -8873,8 +9658,8 @@
         </p:nvSpPr>
         <p:spPr>
           <a:xfrm>
-            <a:off x="1969803" y="2052116"/>
-            <a:ext cx="3800523" cy="3997828"/>
+            <a:off x="1964444" y="2052116"/>
+            <a:ext cx="2739581" cy="3997828"/>
           </a:xfrm>
         </p:spPr>
         <p:txBody>
@@ -8887,14 +9672,14 @@
               <a:buFont typeface="Wingdings" panose="05000000000000000000" pitchFamily="2" charset="2"/>
               <a:buChar char="§"/>
             </a:pPr>
-            <a:endParaRPr lang="en-US" dirty="0"/>
+            <a:endParaRPr lang="en-US" sz="1600"/>
           </a:p>
           <a:p>
             <a:pPr algn="l">
               <a:buFont typeface="Wingdings" panose="05000000000000000000" pitchFamily="2" charset="2"/>
               <a:buChar char="§"/>
             </a:pPr>
-            <a:endParaRPr lang="en-US" dirty="0"/>
+            <a:endParaRPr lang="en-US" sz="1600"/>
           </a:p>
           <a:p>
             <a:pPr algn="l">
@@ -8902,12 +9687,8 @@
               <a:buChar char="§"/>
             </a:pPr>
             <a:r>
-              <a:rPr lang="en-US" dirty="0" err="1"/>
-              <a:t>Exemplo</a:t>
-            </a:r>
-            <a:r>
-              <a:rPr lang="en-US" dirty="0"/>
-              <a:t> 03</a:t>
+              <a:rPr lang="en-US" sz="1600"/>
+              <a:t>Exemplo 03</a:t>
             </a:r>
           </a:p>
           <a:p>
@@ -8916,28 +9697,8 @@
               <a:buChar char="§"/>
             </a:pPr>
             <a:r>
-              <a:rPr lang="en-US" dirty="0" err="1"/>
-              <a:t>Gerar</a:t>
-            </a:r>
-            <a:r>
-              <a:rPr lang="en-US" dirty="0"/>
-              <a:t> </a:t>
-            </a:r>
-            <a:r>
-              <a:rPr lang="en-US" dirty="0" err="1"/>
-              <a:t>trabalho</a:t>
-            </a:r>
-            <a:r>
-              <a:rPr lang="en-US" dirty="0"/>
-              <a:t> e </a:t>
-            </a:r>
-            <a:r>
-              <a:rPr lang="en-US" dirty="0" err="1"/>
-              <a:t>renda</a:t>
-            </a:r>
-            <a:r>
-              <a:rPr lang="en-US" dirty="0"/>
-              <a:t>.</a:t>
+              <a:rPr lang="en-US" sz="1600"/>
+              <a:t>Gerar trabalho e renda.</a:t>
             </a:r>
           </a:p>
           <a:p>
@@ -8945,16 +9706,16 @@
               <a:buFont typeface="Wingdings" panose="05000000000000000000" pitchFamily="2" charset="2"/>
               <a:buChar char="§"/>
             </a:pPr>
-            <a:endParaRPr lang="en-US" dirty="0"/>
+            <a:endParaRPr lang="en-US" sz="1600"/>
           </a:p>
         </p:txBody>
       </p:sp>
       <p:pic>
         <p:nvPicPr>
-          <p:cNvPr id="4098" name="Picture 2" descr="Entenda o que mudou no Programa de Manutenção do Emprego e Renda">
+          <p:cNvPr id="3076" name="Picture 4" descr="STEREO VIDEO CASSETE RECORDER MARCA PHILIPS/ MODELO TUR">
             <a:extLst>
               <a:ext uri="{FF2B5EF4-FFF2-40B4-BE49-F238E27FC236}">
-                <a16:creationId xmlns:a16="http://schemas.microsoft.com/office/drawing/2014/main" id="{023FF37C-9FF1-4E52-BCFC-44C11A5113B9}"/>
+                <a16:creationId xmlns:a16="http://schemas.microsoft.com/office/drawing/2014/main" id="{CA4F77C6-FDBF-44D9-964E-729BB7D26374}"/>
               </a:ext>
             </a:extLst>
           </p:cNvPr>
@@ -8971,50 +9732,23 @@
               </a:ext>
             </a:extLst>
           </a:blip>
-          <a:srcRect l="31659" r="12134" b="-1"/>
+          <a:srcRect l="7993" r="14954" b="-1"/>
           <a:stretch/>
         </p:blipFill>
         <p:spPr bwMode="auto">
           <a:xfrm>
-            <a:off x="4704379" y="1392411"/>
-            <a:ext cx="3674398" cy="3373468"/>
+            <a:off x="5436752" y="-1"/>
+            <a:ext cx="5948167" cy="4265113"/>
           </a:xfrm>
           <a:prstGeom prst="rect">
             <a:avLst/>
           </a:prstGeom>
           <a:noFill/>
-          <a:ln>
-            <a:gradFill flip="none" rotWithShape="1">
-              <a:gsLst>
-                <a:gs pos="86000">
-                  <a:schemeClr val="accent6">
-                    <a:lumMod val="67000"/>
-                  </a:schemeClr>
-                </a:gs>
-                <a:gs pos="20000">
-                  <a:schemeClr val="accent6">
-                    <a:lumMod val="97000"/>
-                    <a:lumOff val="3000"/>
-                  </a:schemeClr>
-                </a:gs>
-                <a:gs pos="100000">
-                  <a:schemeClr val="accent6">
-                    <a:lumMod val="60000"/>
-                    <a:lumOff val="40000"/>
-                  </a:schemeClr>
-                </a:gs>
-              </a:gsLst>
-              <a:lin ang="16200000" scaled="1"/>
-              <a:tileRect/>
-            </a:gradFill>
+          <a:ln w="12700">
+            <a:solidFill>
+              <a:schemeClr val="tx1"/>
+            </a:solidFill>
           </a:ln>
-          <a:effectLst>
-            <a:innerShdw blurRad="127000">
-              <a:prstClr val="black">
-                <a:alpha val="90000"/>
-              </a:prstClr>
-            </a:innerShdw>
-          </a:effectLst>
           <a:extLst>
             <a:ext uri="{909E8E84-426E-40DD-AFC4-6F175D3DCCD1}">
               <a14:hiddenFill xmlns:a14="http://schemas.microsoft.com/office/drawing/2010/main">
@@ -9026,12 +9760,112 @@
           </a:extLst>
         </p:spPr>
       </p:pic>
-      <p:sp>
-        <p:nvSpPr>
-          <p:cNvPr id="161" name="Rectangle 160">
+      <p:pic>
+        <p:nvPicPr>
+          <p:cNvPr id="3074" name="Picture 2" descr="Kodak Instamatic 177 XF, camerinha do coração | DX Foto">
             <a:extLst>
               <a:ext uri="{FF2B5EF4-FFF2-40B4-BE49-F238E27FC236}">
-                <a16:creationId xmlns:a16="http://schemas.microsoft.com/office/drawing/2014/main" id="{22373A23-D87D-48AD-A357-96100C722DDC}"/>
+                <a16:creationId xmlns:a16="http://schemas.microsoft.com/office/drawing/2014/main" id="{DBBE4C09-7E78-4783-B83E-B8F5EE5C42E0}"/>
+              </a:ext>
+            </a:extLst>
+          </p:cNvPr>
+          <p:cNvPicPr>
+            <a:picLocks noChangeAspect="1" noChangeArrowheads="1"/>
+          </p:cNvPicPr>
+          <p:nvPr/>
+        </p:nvPicPr>
+        <p:blipFill rotWithShape="1">
+          <a:blip r:embed="rId6">
+            <a:extLst>
+              <a:ext uri="{28A0092B-C50C-407E-A947-70E740481C1C}">
+                <a14:useLocalDpi xmlns:a14="http://schemas.microsoft.com/office/drawing/2010/main" val="0"/>
+              </a:ext>
+            </a:extLst>
+          </a:blip>
+          <a:srcRect l="14353" r="9386" b="-1"/>
+          <a:stretch/>
+        </p:blipFill>
+        <p:spPr bwMode="auto">
+          <a:xfrm>
+            <a:off x="5437271" y="4267831"/>
+            <a:ext cx="2968534" cy="2590396"/>
+          </a:xfrm>
+          <a:prstGeom prst="rect">
+            <a:avLst/>
+          </a:prstGeom>
+          <a:noFill/>
+          <a:ln w="12700">
+            <a:solidFill>
+              <a:schemeClr val="tx1"/>
+            </a:solidFill>
+          </a:ln>
+          <a:extLst>
+            <a:ext uri="{909E8E84-426E-40DD-AFC4-6F175D3DCCD1}">
+              <a14:hiddenFill xmlns:a14="http://schemas.microsoft.com/office/drawing/2010/main">
+                <a:solidFill>
+                  <a:srgbClr val="FFFFFF"/>
+                </a:solidFill>
+              </a14:hiddenFill>
+            </a:ext>
+          </a:extLst>
+        </p:spPr>
+      </p:pic>
+      <p:pic>
+        <p:nvPicPr>
+          <p:cNvPr id="4098" name="Picture 2" descr="Entenda o que mudou no Programa de Manutenção do Emprego e Renda">
+            <a:extLst>
+              <a:ext uri="{FF2B5EF4-FFF2-40B4-BE49-F238E27FC236}">
+                <a16:creationId xmlns:a16="http://schemas.microsoft.com/office/drawing/2014/main" id="{023FF37C-9FF1-4E52-BCFC-44C11A5113B9}"/>
+              </a:ext>
+            </a:extLst>
+          </p:cNvPr>
+          <p:cNvPicPr>
+            <a:picLocks noChangeAspect="1" noChangeArrowheads="1"/>
+          </p:cNvPicPr>
+          <p:nvPr/>
+        </p:nvPicPr>
+        <p:blipFill rotWithShape="1">
+          <a:blip r:embed="rId7">
+            <a:extLst>
+              <a:ext uri="{28A0092B-C50C-407E-A947-70E740481C1C}">
+                <a14:useLocalDpi xmlns:a14="http://schemas.microsoft.com/office/drawing/2010/main" val="0"/>
+              </a:ext>
+            </a:extLst>
+          </a:blip>
+          <a:srcRect l="30089" r="10563" b="-3"/>
+          <a:stretch/>
+        </p:blipFill>
+        <p:spPr bwMode="auto">
+          <a:xfrm>
+            <a:off x="8405805" y="4267831"/>
+            <a:ext cx="2979115" cy="2590396"/>
+          </a:xfrm>
+          <a:prstGeom prst="rect">
+            <a:avLst/>
+          </a:prstGeom>
+          <a:noFill/>
+          <a:ln w="12700">
+            <a:solidFill>
+              <a:schemeClr val="tx1"/>
+            </a:solidFill>
+          </a:ln>
+          <a:extLst>
+            <a:ext uri="{909E8E84-426E-40DD-AFC4-6F175D3DCCD1}">
+              <a14:hiddenFill xmlns:a14="http://schemas.microsoft.com/office/drawing/2010/main">
+                <a:solidFill>
+                  <a:srgbClr val="FFFFFF"/>
+                </a:solidFill>
+              </a14:hiddenFill>
+            </a:ext>
+          </a:extLst>
+        </p:spPr>
+      </p:pic>
+      <p:sp>
+        <p:nvSpPr>
+          <p:cNvPr id="163" name="Rectangle 162">
+            <a:extLst>
+              <a:ext uri="{FF2B5EF4-FFF2-40B4-BE49-F238E27FC236}">
+                <a16:creationId xmlns:a16="http://schemas.microsoft.com/office/drawing/2014/main" id="{99355133-0882-4A52-9C16-3D5B55D46A18}"/>
               </a:ext>
               <a:ext uri="{C183D7F6-B498-43B3-948B-1728B52AA6E4}">
                 <adec:decorative xmlns:adec="http://schemas.microsoft.com/office/drawing/2017/decorative" val="1"/>
@@ -11421,254 +12255,6 @@
     <p:extLst>
       <p:ext uri="{BB962C8B-B14F-4D97-AF65-F5344CB8AC3E}">
         <p14:creationId xmlns:p14="http://schemas.microsoft.com/office/powerpoint/2010/main" val="3310325449"/>
-      </p:ext>
-    </p:extLst>
-  </p:cSld>
-  <p:clrMapOvr>
-    <a:masterClrMapping/>
-  </p:clrMapOvr>
-  <p:timing>
-    <p:tnLst>
-      <p:par>
-        <p:cTn id="1" dur="indefinite" restart="never" nodeType="tmRoot">
-          <p:childTnLst>
-            <p:seq concurrent="1" nextAc="seek">
-              <p:cTn id="2" dur="indefinite" nodeType="mainSeq">
-                <p:childTnLst>
-                  <p:par>
-                    <p:cTn id="3" fill="hold">
-                      <p:stCondLst>
-                        <p:cond delay="indefinite"/>
-                        <p:cond evt="onBegin" delay="0">
-                          <p:tn val="2"/>
-                        </p:cond>
-                      </p:stCondLst>
-                      <p:childTnLst>
-                        <p:par>
-                          <p:cTn id="4" fill="hold">
-                            <p:stCondLst>
-                              <p:cond delay="0"/>
-                            </p:stCondLst>
-                            <p:childTnLst>
-                              <p:par>
-                                <p:cTn id="5" presetID="10" presetClass="entr" presetSubtype="0" fill="hold" grpId="0" nodeType="withEffect">
-                                  <p:stCondLst>
-                                    <p:cond delay="2000"/>
-                                  </p:stCondLst>
-                                  <p:iterate type="lt">
-                                    <p:tmPct val="10000"/>
-                                  </p:iterate>
-                                  <p:childTnLst>
-                                    <p:set>
-                                      <p:cBhvr>
-                                        <p:cTn id="6" dur="1" fill="hold">
-                                          <p:stCondLst>
-                                            <p:cond delay="0"/>
-                                          </p:stCondLst>
-                                        </p:cTn>
-                                        <p:tgtEl>
-                                          <p:spTgt spid="3">
-                                            <p:txEl>
-                                              <p:pRg st="0" end="0"/>
-                                            </p:txEl>
-                                          </p:spTgt>
-                                        </p:tgtEl>
-                                        <p:attrNameLst>
-                                          <p:attrName>style.visibility</p:attrName>
-                                        </p:attrNameLst>
-                                      </p:cBhvr>
-                                      <p:to>
-                                        <p:strVal val="visible"/>
-                                      </p:to>
-                                    </p:set>
-                                    <p:animEffect transition="in" filter="fade">
-                                      <p:cBhvr>
-                                        <p:cTn id="7" dur="400"/>
-                                        <p:tgtEl>
-                                          <p:spTgt spid="3">
-                                            <p:txEl>
-                                              <p:pRg st="0" end="0"/>
-                                            </p:txEl>
-                                          </p:spTgt>
-                                        </p:tgtEl>
-                                      </p:cBhvr>
-                                    </p:animEffect>
-                                  </p:childTnLst>
-                                </p:cTn>
-                              </p:par>
-                              <p:par>
-                                <p:cTn id="8" presetID="10" presetClass="entr" presetSubtype="0" fill="hold" grpId="0" nodeType="withEffect">
-                                  <p:stCondLst>
-                                    <p:cond delay="500"/>
-                                  </p:stCondLst>
-                                  <p:iterate type="lt">
-                                    <p:tmPct val="10000"/>
-                                  </p:iterate>
-                                  <p:childTnLst>
-                                    <p:set>
-                                      <p:cBhvr>
-                                        <p:cTn id="9" dur="1" fill="hold">
-                                          <p:stCondLst>
-                                            <p:cond delay="0"/>
-                                          </p:stCondLst>
-                                        </p:cTn>
-                                        <p:tgtEl>
-                                          <p:spTgt spid="2"/>
-                                        </p:tgtEl>
-                                        <p:attrNameLst>
-                                          <p:attrName>style.visibility</p:attrName>
-                                        </p:attrNameLst>
-                                      </p:cBhvr>
-                                      <p:to>
-                                        <p:strVal val="visible"/>
-                                      </p:to>
-                                    </p:set>
-                                    <p:animEffect transition="in" filter="fade">
-                                      <p:cBhvr>
-                                        <p:cTn id="10" dur="400"/>
-                                        <p:tgtEl>
-                                          <p:spTgt spid="2"/>
-                                        </p:tgtEl>
-                                      </p:cBhvr>
-                                    </p:animEffect>
-                                  </p:childTnLst>
-                                </p:cTn>
-                              </p:par>
-                            </p:childTnLst>
-                          </p:cTn>
-                        </p:par>
-                      </p:childTnLst>
-                    </p:cTn>
-                  </p:par>
-                </p:childTnLst>
-              </p:cTn>
-              <p:prevCondLst>
-                <p:cond evt="onPrev" delay="0">
-                  <p:tgtEl>
-                    <p:sldTgt/>
-                  </p:tgtEl>
-                </p:cond>
-              </p:prevCondLst>
-              <p:nextCondLst>
-                <p:cond evt="onNext" delay="0">
-                  <p:tgtEl>
-                    <p:sldTgt/>
-                  </p:tgtEl>
-                </p:cond>
-              </p:nextCondLst>
-            </p:seq>
-          </p:childTnLst>
-        </p:cTn>
-      </p:par>
-    </p:tnLst>
-    <p:bldLst>
-      <p:bldP spid="2" grpId="0"/>
-      <p:bldP spid="3" grpId="0" build="p"/>
-    </p:bldLst>
-  </p:timing>
-</p:sld>
-</file>
-
-<file path=ppt/slides/slide9.xml><?xml version="1.0" encoding="utf-8"?>
-<p:sld xmlns:a="http://schemas.openxmlformats.org/drawingml/2006/main" xmlns:r="http://schemas.openxmlformats.org/officeDocument/2006/relationships" xmlns:p="http://schemas.openxmlformats.org/presentationml/2006/main">
-  <p:cSld>
-    <p:spTree>
-      <p:nvGrpSpPr>
-        <p:cNvPr id="1" name=""/>
-        <p:cNvGrpSpPr/>
-        <p:nvPr/>
-      </p:nvGrpSpPr>
-      <p:grpSpPr>
-        <a:xfrm>
-          <a:off x="0" y="0"/>
-          <a:ext cx="0" cy="0"/>
-          <a:chOff x="0" y="0"/>
-          <a:chExt cx="0" cy="0"/>
-        </a:xfrm>
-      </p:grpSpPr>
-      <p:sp>
-        <p:nvSpPr>
-          <p:cNvPr id="2" name="Título 1">
-            <a:extLst>
-              <a:ext uri="{FF2B5EF4-FFF2-40B4-BE49-F238E27FC236}">
-                <a16:creationId xmlns:a16="http://schemas.microsoft.com/office/drawing/2014/main" id="{012A1E87-7F93-41C2-B776-0320377121AD}"/>
-              </a:ext>
-            </a:extLst>
-          </p:cNvPr>
-          <p:cNvSpPr>
-            <a:spLocks noGrp="1"/>
-          </p:cNvSpPr>
-          <p:nvPr>
-            <p:ph type="ctrTitle"/>
-          </p:nvPr>
-        </p:nvSpPr>
-        <p:spPr>
-          <a:xfrm>
-            <a:off x="1003265" y="-10974"/>
-            <a:ext cx="7369642" cy="3608480"/>
-          </a:xfrm>
-        </p:spPr>
-        <p:txBody>
-          <a:bodyPr>
-            <a:normAutofit fontScale="90000"/>
-          </a:bodyPr>
-          <a:lstStyle/>
-          <a:p>
-            <a:pPr algn="l"/>
-            <a:r>
-              <a:rPr lang="pt-BR" sz="8000" dirty="0"/>
-              <a:t>Gerenciamento de projetos PMBOK</a:t>
-            </a:r>
-            <a:br>
-              <a:rPr lang="pt-BR" sz="8000" dirty="0"/>
-            </a:br>
-            <a:r>
-              <a:rPr lang="pt-BR" sz="8000" dirty="0"/>
-              <a:t>C.H.A</a:t>
-            </a:r>
-          </a:p>
-        </p:txBody>
-      </p:sp>
-      <p:sp>
-        <p:nvSpPr>
-          <p:cNvPr id="3" name="Subtítulo 2">
-            <a:extLst>
-              <a:ext uri="{FF2B5EF4-FFF2-40B4-BE49-F238E27FC236}">
-                <a16:creationId xmlns:a16="http://schemas.microsoft.com/office/drawing/2014/main" id="{C9BAC176-CE77-4135-B9C1-481974DD0797}"/>
-              </a:ext>
-            </a:extLst>
-          </p:cNvPr>
-          <p:cNvSpPr>
-            <a:spLocks noGrp="1"/>
-          </p:cNvSpPr>
-          <p:nvPr>
-            <p:ph type="subTitle" idx="1"/>
-          </p:nvPr>
-        </p:nvSpPr>
-        <p:spPr>
-          <a:xfrm>
-            <a:off x="2037093" y="4009270"/>
-            <a:ext cx="6437630" cy="1335503"/>
-          </a:xfrm>
-        </p:spPr>
-        <p:txBody>
-          <a:bodyPr>
-            <a:normAutofit/>
-          </a:bodyPr>
-          <a:lstStyle/>
-          <a:p>
-            <a:pPr algn="l"/>
-            <a:r>
-              <a:rPr lang="pt-BR" sz="2800" dirty="0"/>
-              <a:t>Para geração de trabalho e renda.</a:t>
-            </a:r>
-          </a:p>
-        </p:txBody>
-      </p:sp>
-    </p:spTree>
-    <p:extLst>
-      <p:ext uri="{BB962C8B-B14F-4D97-AF65-F5344CB8AC3E}">
-        <p14:creationId xmlns:p14="http://schemas.microsoft.com/office/powerpoint/2010/main" val="696201144"/>
       </p:ext>
     </p:extLst>
   </p:cSld>
